--- a/Python Урок 10 Кортеж.pptx
+++ b/Python Урок 10 Кортеж.pptx
@@ -13,6 +13,11 @@
     <p:sldId id="261" r:id="rId7"/>
     <p:sldId id="262" r:id="rId8"/>
     <p:sldId id="263" r:id="rId9"/>
+    <p:sldId id="264" r:id="rId10"/>
+    <p:sldId id="265" r:id="rId11"/>
+    <p:sldId id="266" r:id="rId12"/>
+    <p:sldId id="267" r:id="rId13"/>
+    <p:sldId id="268" r:id="rId14"/>
   </p:sldIdLst>
   <p:sldSz cx="12192000" cy="6858000"/>
   <p:notesSz cx="6858000" cy="9144000"/>
@@ -111,6 +116,11 @@
       </a:defRPr>
     </a:lvl9pPr>
   </p:defaultTextStyle>
+  <p:extLst>
+    <p:ext uri="{EFAFB233-063F-42B5-8137-9DF3F51BA10A}">
+      <p15:sldGuideLst xmlns:p15="http://schemas.microsoft.com/office/powerpoint/2012/main"/>
+    </p:ext>
+  </p:extLst>
 </p:presentation>
 </file>
 
@@ -263,7 +273,7 @@
           <a:p>
             <a:fld id="{37290BCD-01E1-4C79-BC6E-0A001EA70C9B}" type="datetimeFigureOut">
               <a:rPr lang="uk-UA" smtClean="0"/>
-              <a:t>14.08.2024</a:t>
+              <a:t>25.09.2024</a:t>
             </a:fld>
             <a:endParaRPr lang="uk-UA"/>
           </a:p>
@@ -463,7 +473,7 @@
           <a:p>
             <a:fld id="{37290BCD-01E1-4C79-BC6E-0A001EA70C9B}" type="datetimeFigureOut">
               <a:rPr lang="uk-UA" smtClean="0"/>
-              <a:t>14.08.2024</a:t>
+              <a:t>25.09.2024</a:t>
             </a:fld>
             <a:endParaRPr lang="uk-UA"/>
           </a:p>
@@ -673,7 +683,7 @@
           <a:p>
             <a:fld id="{37290BCD-01E1-4C79-BC6E-0A001EA70C9B}" type="datetimeFigureOut">
               <a:rPr lang="uk-UA" smtClean="0"/>
-              <a:t>14.08.2024</a:t>
+              <a:t>25.09.2024</a:t>
             </a:fld>
             <a:endParaRPr lang="uk-UA"/>
           </a:p>
@@ -873,7 +883,7 @@
           <a:p>
             <a:fld id="{37290BCD-01E1-4C79-BC6E-0A001EA70C9B}" type="datetimeFigureOut">
               <a:rPr lang="uk-UA" smtClean="0"/>
-              <a:t>14.08.2024</a:t>
+              <a:t>25.09.2024</a:t>
             </a:fld>
             <a:endParaRPr lang="uk-UA"/>
           </a:p>
@@ -1149,7 +1159,7 @@
           <a:p>
             <a:fld id="{37290BCD-01E1-4C79-BC6E-0A001EA70C9B}" type="datetimeFigureOut">
               <a:rPr lang="uk-UA" smtClean="0"/>
-              <a:t>14.08.2024</a:t>
+              <a:t>25.09.2024</a:t>
             </a:fld>
             <a:endParaRPr lang="uk-UA"/>
           </a:p>
@@ -1417,7 +1427,7 @@
           <a:p>
             <a:fld id="{37290BCD-01E1-4C79-BC6E-0A001EA70C9B}" type="datetimeFigureOut">
               <a:rPr lang="uk-UA" smtClean="0"/>
-              <a:t>14.08.2024</a:t>
+              <a:t>25.09.2024</a:t>
             </a:fld>
             <a:endParaRPr lang="uk-UA"/>
           </a:p>
@@ -1832,7 +1842,7 @@
           <a:p>
             <a:fld id="{37290BCD-01E1-4C79-BC6E-0A001EA70C9B}" type="datetimeFigureOut">
               <a:rPr lang="uk-UA" smtClean="0"/>
-              <a:t>14.08.2024</a:t>
+              <a:t>25.09.2024</a:t>
             </a:fld>
             <a:endParaRPr lang="uk-UA"/>
           </a:p>
@@ -1974,7 +1984,7 @@
           <a:p>
             <a:fld id="{37290BCD-01E1-4C79-BC6E-0A001EA70C9B}" type="datetimeFigureOut">
               <a:rPr lang="uk-UA" smtClean="0"/>
-              <a:t>14.08.2024</a:t>
+              <a:t>25.09.2024</a:t>
             </a:fld>
             <a:endParaRPr lang="uk-UA"/>
           </a:p>
@@ -2087,7 +2097,7 @@
           <a:p>
             <a:fld id="{37290BCD-01E1-4C79-BC6E-0A001EA70C9B}" type="datetimeFigureOut">
               <a:rPr lang="uk-UA" smtClean="0"/>
-              <a:t>14.08.2024</a:t>
+              <a:t>25.09.2024</a:t>
             </a:fld>
             <a:endParaRPr lang="uk-UA"/>
           </a:p>
@@ -2400,7 +2410,7 @@
           <a:p>
             <a:fld id="{37290BCD-01E1-4C79-BC6E-0A001EA70C9B}" type="datetimeFigureOut">
               <a:rPr lang="uk-UA" smtClean="0"/>
-              <a:t>14.08.2024</a:t>
+              <a:t>25.09.2024</a:t>
             </a:fld>
             <a:endParaRPr lang="uk-UA"/>
           </a:p>
@@ -2689,7 +2699,7 @@
           <a:p>
             <a:fld id="{37290BCD-01E1-4C79-BC6E-0A001EA70C9B}" type="datetimeFigureOut">
               <a:rPr lang="uk-UA" smtClean="0"/>
-              <a:t>14.08.2024</a:t>
+              <a:t>25.09.2024</a:t>
             </a:fld>
             <a:endParaRPr lang="uk-UA"/>
           </a:p>
@@ -2932,7 +2942,7 @@
           <a:p>
             <a:fld id="{37290BCD-01E1-4C79-BC6E-0A001EA70C9B}" type="datetimeFigureOut">
               <a:rPr lang="uk-UA" smtClean="0"/>
-              <a:t>14.08.2024</a:t>
+              <a:t>25.09.2024</a:t>
             </a:fld>
             <a:endParaRPr lang="uk-UA"/>
           </a:p>
@@ -3818,6 +3828,4853 @@
 </p:sld>
 </file>
 
+<file path=ppt/slides/slide10.xml><?xml version="1.0" encoding="utf-8"?>
+<p:sld xmlns:a="http://schemas.openxmlformats.org/drawingml/2006/main" xmlns:r="http://schemas.openxmlformats.org/officeDocument/2006/relationships" xmlns:p="http://schemas.openxmlformats.org/presentationml/2006/main">
+  <p:cSld>
+    <p:spTree>
+      <p:nvGrpSpPr>
+        <p:cNvPr id="1" name=""/>
+        <p:cNvGrpSpPr/>
+        <p:nvPr/>
+      </p:nvGrpSpPr>
+      <p:grpSpPr>
+        <a:xfrm>
+          <a:off x="0" y="0"/>
+          <a:ext cx="0" cy="0"/>
+          <a:chOff x="0" y="0"/>
+          <a:chExt cx="0" cy="0"/>
+        </a:xfrm>
+      </p:grpSpPr>
+      <p:sp>
+        <p:nvSpPr>
+          <p:cNvPr id="3" name="TextBox 2">
+            <a:extLst>
+              <a:ext uri="{FF2B5EF4-FFF2-40B4-BE49-F238E27FC236}">
+                <a16:creationId xmlns:a16="http://schemas.microsoft.com/office/drawing/2014/main" id="{3961C228-7CAF-7E17-BC65-33D9CC8AC2C0}"/>
+              </a:ext>
+            </a:extLst>
+          </p:cNvPr>
+          <p:cNvSpPr txBox="1"/>
+          <p:nvPr/>
+        </p:nvSpPr>
+        <p:spPr>
+          <a:xfrm>
+            <a:off x="0" y="295419"/>
+            <a:ext cx="12192000" cy="1754326"/>
+          </a:xfrm>
+          <a:prstGeom prst="rect">
+            <a:avLst/>
+          </a:prstGeom>
+          <a:noFill/>
+        </p:spPr>
+        <p:txBody>
+          <a:bodyPr wrap="square">
+            <a:spAutoFit/>
+          </a:bodyPr>
+          <a:lstStyle/>
+          <a:p>
+            <a:pPr algn="ctr"/>
+            <a:r>
+              <a:rPr lang="uk-UA" sz="3600" b="1" i="0" dirty="0">
+                <a:solidFill>
+                  <a:srgbClr val="000000"/>
+                </a:solidFill>
+                <a:effectLst/>
+                <a:latin typeface="Segoe UI" panose="020B0502040204020203" pitchFamily="34" charset="0"/>
+              </a:rPr>
+              <a:t>Синтаксис функції </a:t>
+            </a:r>
+            <a:r>
+              <a:rPr lang="en-US" sz="3600" b="1" i="0" dirty="0">
+                <a:solidFill>
+                  <a:srgbClr val="000000"/>
+                </a:solidFill>
+                <a:effectLst/>
+                <a:latin typeface="Segoe UI" panose="020B0502040204020203" pitchFamily="34" charset="0"/>
+              </a:rPr>
+              <a:t>filter()</a:t>
+            </a:r>
+          </a:p>
+          <a:p>
+            <a:pPr algn="ctr"/>
+            <a:br>
+              <a:rPr lang="en-US" sz="3600" dirty="0"/>
+            </a:br>
+            <a:endParaRPr lang="uk-UA" sz="3600" dirty="0"/>
+          </a:p>
+        </p:txBody>
+      </p:sp>
+      <p:graphicFrame>
+        <p:nvGraphicFramePr>
+          <p:cNvPr id="4" name="Таблица 3">
+            <a:extLst>
+              <a:ext uri="{FF2B5EF4-FFF2-40B4-BE49-F238E27FC236}">
+                <a16:creationId xmlns:a16="http://schemas.microsoft.com/office/drawing/2014/main" id="{E58CEA9B-1322-0A4C-9673-B788540956F0}"/>
+              </a:ext>
+            </a:extLst>
+          </p:cNvPr>
+          <p:cNvGraphicFramePr>
+            <a:graphicFrameLocks noGrp="1"/>
+          </p:cNvGraphicFramePr>
+          <p:nvPr>
+            <p:extLst>
+              <p:ext uri="{D42A27DB-BD31-4B8C-83A1-F6EECF244321}">
+                <p14:modId xmlns:p14="http://schemas.microsoft.com/office/powerpoint/2010/main" val="854896931"/>
+              </p:ext>
+            </p:extLst>
+          </p:nvPr>
+        </p:nvGraphicFramePr>
+        <p:xfrm>
+          <a:off x="368719" y="1094878"/>
+          <a:ext cx="7895283" cy="365760"/>
+        </p:xfrm>
+        <a:graphic>
+          <a:graphicData uri="http://schemas.openxmlformats.org/drawingml/2006/table">
+            <a:tbl>
+              <a:tblPr/>
+              <a:tblGrid>
+                <a:gridCol w="279946">
+                  <a:extLst>
+                    <a:ext uri="{9D8B030D-6E8A-4147-A177-3AD203B41FA5}">
+                      <a16:colId xmlns:a16="http://schemas.microsoft.com/office/drawing/2014/main" val="150418859"/>
+                    </a:ext>
+                  </a:extLst>
+                </a:gridCol>
+                <a:gridCol w="7615337">
+                  <a:extLst>
+                    <a:ext uri="{9D8B030D-6E8A-4147-A177-3AD203B41FA5}">
+                      <a16:colId xmlns:a16="http://schemas.microsoft.com/office/drawing/2014/main" val="2158843632"/>
+                    </a:ext>
+                  </a:extLst>
+                </a:gridCol>
+              </a:tblGrid>
+              <a:tr h="0">
+                <a:tc>
+                  <a:txBody>
+                    <a:bodyPr/>
+                    <a:lstStyle/>
+                    <a:p>
+                      <a:pPr algn="ctr" fontAlgn="t"/>
+                      <a:r>
+                        <a:rPr lang="uk-UA">
+                          <a:solidFill>
+                            <a:srgbClr val="C2C2C2"/>
+                          </a:solidFill>
+                          <a:effectLst/>
+                          <a:latin typeface="inherit"/>
+                        </a:rPr>
+                        <a:t>1</a:t>
+                      </a:r>
+                    </a:p>
+                  </a:txBody>
+                  <a:tcPr>
+                    <a:lnL>
+                      <a:noFill/>
+                    </a:lnL>
+                    <a:lnR w="7620" cap="flat" cmpd="sng" algn="ctr">
+                      <a:solidFill>
+                        <a:srgbClr val="8C8D8F"/>
+                      </a:solidFill>
+                      <a:prstDash val="solid"/>
+                      <a:round/>
+                      <a:headEnd type="none" w="med" len="med"/>
+                      <a:tailEnd type="none" w="med" len="med"/>
+                    </a:lnR>
+                    <a:lnT>
+                      <a:noFill/>
+                    </a:lnT>
+                    <a:lnB>
+                      <a:noFill/>
+                    </a:lnB>
+                    <a:solidFill>
+                      <a:srgbClr val="303030"/>
+                    </a:solidFill>
+                  </a:tcPr>
+                </a:tc>
+                <a:tc>
+                  <a:txBody>
+                    <a:bodyPr/>
+                    <a:lstStyle/>
+                    <a:p>
+                      <a:pPr algn="l" fontAlgn="t"/>
+                      <a:r>
+                        <a:rPr lang="en-US" dirty="0">
+                          <a:solidFill>
+                            <a:srgbClr val="569CD6"/>
+                          </a:solidFill>
+                          <a:effectLst/>
+                          <a:latin typeface="inherit"/>
+                        </a:rPr>
+                        <a:t>filter</a:t>
+                      </a:r>
+                      <a:r>
+                        <a:rPr lang="en-US" dirty="0">
+                          <a:solidFill>
+                            <a:srgbClr val="D8D8D8"/>
+                          </a:solidFill>
+                          <a:effectLst/>
+                          <a:latin typeface="inherit"/>
+                        </a:rPr>
+                        <a:t>(</a:t>
+                      </a:r>
+                      <a:r>
+                        <a:rPr lang="en-US" dirty="0">
+                          <a:solidFill>
+                            <a:srgbClr val="BDB76B"/>
+                          </a:solidFill>
+                          <a:effectLst/>
+                          <a:latin typeface="inherit"/>
+                        </a:rPr>
+                        <a:t>function</a:t>
+                      </a:r>
+                      <a:r>
+                        <a:rPr lang="en-US" dirty="0">
+                          <a:solidFill>
+                            <a:srgbClr val="D8D8D8"/>
+                          </a:solidFill>
+                          <a:effectLst/>
+                          <a:latin typeface="inherit"/>
+                        </a:rPr>
+                        <a:t>,</a:t>
+                      </a:r>
+                      <a:r>
+                        <a:rPr lang="en-US" dirty="0">
+                          <a:solidFill>
+                            <a:srgbClr val="006FE0"/>
+                          </a:solidFill>
+                          <a:effectLst/>
+                          <a:latin typeface="inherit"/>
+                        </a:rPr>
+                        <a:t> </a:t>
+                      </a:r>
+                      <a:r>
+                        <a:rPr lang="en-US" dirty="0" err="1">
+                          <a:solidFill>
+                            <a:srgbClr val="BDB76B"/>
+                          </a:solidFill>
+                          <a:effectLst/>
+                          <a:latin typeface="inherit"/>
+                        </a:rPr>
+                        <a:t>iterable</a:t>
+                      </a:r>
+                      <a:r>
+                        <a:rPr lang="en-US" dirty="0">
+                          <a:solidFill>
+                            <a:srgbClr val="D8D8D8"/>
+                          </a:solidFill>
+                          <a:effectLst/>
+                          <a:latin typeface="inherit"/>
+                        </a:rPr>
+                        <a:t>)</a:t>
+                      </a:r>
+                      <a:endParaRPr lang="en-US" dirty="0">
+                        <a:solidFill>
+                          <a:srgbClr val="FFFFFF"/>
+                        </a:solidFill>
+                        <a:effectLst/>
+                        <a:latin typeface="inherit"/>
+                      </a:endParaRPr>
+                    </a:p>
+                  </a:txBody>
+                  <a:tcPr>
+                    <a:lnL w="7620" cap="flat" cmpd="sng" algn="ctr">
+                      <a:solidFill>
+                        <a:srgbClr val="8C8D8F"/>
+                      </a:solidFill>
+                      <a:prstDash val="solid"/>
+                      <a:round/>
+                      <a:headEnd type="none" w="med" len="med"/>
+                      <a:tailEnd type="none" w="med" len="med"/>
+                    </a:lnL>
+                    <a:lnR>
+                      <a:noFill/>
+                    </a:lnR>
+                    <a:lnT>
+                      <a:noFill/>
+                    </a:lnT>
+                    <a:lnB>
+                      <a:noFill/>
+                    </a:lnB>
+                    <a:solidFill>
+                      <a:srgbClr val="323232"/>
+                    </a:solidFill>
+                  </a:tcPr>
+                </a:tc>
+                <a:extLst>
+                  <a:ext uri="{0D108BD9-81ED-4DB2-BD59-A6C34878D82A}">
+                    <a16:rowId xmlns:a16="http://schemas.microsoft.com/office/drawing/2014/main" val="3792828171"/>
+                  </a:ext>
+                </a:extLst>
+              </a:tr>
+            </a:tbl>
+          </a:graphicData>
+        </a:graphic>
+      </p:graphicFrame>
+      <p:sp>
+        <p:nvSpPr>
+          <p:cNvPr id="6" name="TextBox 5">
+            <a:extLst>
+              <a:ext uri="{FF2B5EF4-FFF2-40B4-BE49-F238E27FC236}">
+                <a16:creationId xmlns:a16="http://schemas.microsoft.com/office/drawing/2014/main" id="{31B64AFD-B3E8-75B4-00F3-4A0331E3EC4B}"/>
+              </a:ext>
+            </a:extLst>
+          </p:cNvPr>
+          <p:cNvSpPr txBox="1"/>
+          <p:nvPr/>
+        </p:nvSpPr>
+        <p:spPr>
+          <a:xfrm>
+            <a:off x="0" y="1711264"/>
+            <a:ext cx="12192000" cy="1754326"/>
+          </a:xfrm>
+          <a:prstGeom prst="rect">
+            <a:avLst/>
+          </a:prstGeom>
+          <a:noFill/>
+        </p:spPr>
+        <p:txBody>
+          <a:bodyPr wrap="square">
+            <a:spAutoFit/>
+          </a:bodyPr>
+          <a:lstStyle/>
+          <a:p>
+            <a:pPr algn="ctr"/>
+            <a:r>
+              <a:rPr lang="uk-UA" sz="3600" b="1" i="0" dirty="0">
+                <a:solidFill>
+                  <a:srgbClr val="000000"/>
+                </a:solidFill>
+                <a:effectLst/>
+                <a:latin typeface="Segoe UI" panose="020B0502040204020203" pitchFamily="34" charset="0"/>
+              </a:rPr>
+              <a:t>Параметри функції </a:t>
+            </a:r>
+            <a:r>
+              <a:rPr lang="en-US" sz="3600" b="1" i="0" dirty="0">
+                <a:solidFill>
+                  <a:srgbClr val="000000"/>
+                </a:solidFill>
+                <a:effectLst/>
+                <a:latin typeface="Segoe UI" panose="020B0502040204020203" pitchFamily="34" charset="0"/>
+              </a:rPr>
+              <a:t>filter()</a:t>
+            </a:r>
+          </a:p>
+          <a:p>
+            <a:pPr algn="ctr"/>
+            <a:br>
+              <a:rPr lang="en-US" sz="3600" dirty="0"/>
+            </a:br>
+            <a:endParaRPr lang="uk-UA" sz="3600" dirty="0"/>
+          </a:p>
+        </p:txBody>
+      </p:sp>
+      <p:sp>
+        <p:nvSpPr>
+          <p:cNvPr id="8" name="TextBox 7">
+            <a:extLst>
+              <a:ext uri="{FF2B5EF4-FFF2-40B4-BE49-F238E27FC236}">
+                <a16:creationId xmlns:a16="http://schemas.microsoft.com/office/drawing/2014/main" id="{BD9C0833-EA60-45AE-476F-C6BF9472116C}"/>
+              </a:ext>
+            </a:extLst>
+          </p:cNvPr>
+          <p:cNvSpPr txBox="1"/>
+          <p:nvPr/>
+        </p:nvSpPr>
+        <p:spPr>
+          <a:xfrm>
+            <a:off x="368719" y="2414818"/>
+            <a:ext cx="9650352" cy="923330"/>
+          </a:xfrm>
+          <a:prstGeom prst="rect">
+            <a:avLst/>
+          </a:prstGeom>
+          <a:noFill/>
+        </p:spPr>
+        <p:txBody>
+          <a:bodyPr wrap="square">
+            <a:spAutoFit/>
+          </a:bodyPr>
+          <a:lstStyle/>
+          <a:p>
+            <a:r>
+              <a:rPr lang="uk-UA" dirty="0"/>
+              <a:t>Функція </a:t>
+            </a:r>
+            <a:r>
+              <a:rPr lang="uk-UA" dirty="0" err="1"/>
+              <a:t>filter</a:t>
+            </a:r>
+            <a:r>
+              <a:rPr lang="uk-UA" dirty="0"/>
+              <a:t>() приймає два параметри:     </a:t>
+            </a:r>
+            <a:endParaRPr lang="en-US" dirty="0"/>
+          </a:p>
+          <a:p>
+            <a:r>
+              <a:rPr lang="uk-UA" dirty="0" err="1"/>
+              <a:t>function</a:t>
+            </a:r>
+            <a:r>
+              <a:rPr lang="uk-UA" dirty="0"/>
+              <a:t> — функція;    </a:t>
+            </a:r>
+            <a:endParaRPr lang="en-US" dirty="0"/>
+          </a:p>
+          <a:p>
+            <a:r>
+              <a:rPr lang="uk-UA" dirty="0" err="1"/>
+              <a:t>iterable</a:t>
+            </a:r>
+            <a:r>
+              <a:rPr lang="uk-UA" dirty="0"/>
+              <a:t> — </a:t>
+            </a:r>
+            <a:r>
+              <a:rPr lang="uk-UA" dirty="0" err="1"/>
+              <a:t>ітерований</a:t>
+            </a:r>
+            <a:r>
+              <a:rPr lang="uk-UA" dirty="0"/>
+              <a:t> об’єкт, такий як множини, списки, кортежі тощо.</a:t>
+            </a:r>
+          </a:p>
+        </p:txBody>
+      </p:sp>
+      <p:sp>
+        <p:nvSpPr>
+          <p:cNvPr id="10" name="TextBox 9">
+            <a:extLst>
+              <a:ext uri="{FF2B5EF4-FFF2-40B4-BE49-F238E27FC236}">
+                <a16:creationId xmlns:a16="http://schemas.microsoft.com/office/drawing/2014/main" id="{7DD3F58F-318B-0063-8375-102797072A03}"/>
+              </a:ext>
+            </a:extLst>
+          </p:cNvPr>
+          <p:cNvSpPr txBox="1"/>
+          <p:nvPr/>
+        </p:nvSpPr>
+        <p:spPr>
+          <a:xfrm>
+            <a:off x="0" y="3465590"/>
+            <a:ext cx="12192000" cy="646331"/>
+          </a:xfrm>
+          <a:prstGeom prst="rect">
+            <a:avLst/>
+          </a:prstGeom>
+          <a:noFill/>
+        </p:spPr>
+        <p:txBody>
+          <a:bodyPr wrap="square">
+            <a:spAutoFit/>
+          </a:bodyPr>
+          <a:lstStyle/>
+          <a:p>
+            <a:pPr algn="ctr"/>
+            <a:r>
+              <a:rPr lang="ru-RU" sz="3600" b="1" i="0" dirty="0" err="1">
+                <a:solidFill>
+                  <a:srgbClr val="000000"/>
+                </a:solidFill>
+                <a:effectLst/>
+                <a:latin typeface="Segoe UI" panose="020B0502040204020203" pitchFamily="34" charset="0"/>
+              </a:rPr>
+              <a:t>Значення</a:t>
+            </a:r>
+            <a:r>
+              <a:rPr lang="ru-RU" sz="3600" b="1" i="0" dirty="0">
+                <a:solidFill>
+                  <a:srgbClr val="000000"/>
+                </a:solidFill>
+                <a:effectLst/>
+                <a:latin typeface="Segoe UI" panose="020B0502040204020203" pitchFamily="34" charset="0"/>
+              </a:rPr>
+              <a:t>, яке </a:t>
+            </a:r>
+            <a:r>
+              <a:rPr lang="ru-RU" sz="3600" b="1" i="0" dirty="0" err="1">
+                <a:solidFill>
+                  <a:srgbClr val="000000"/>
+                </a:solidFill>
+                <a:effectLst/>
+                <a:latin typeface="Segoe UI" panose="020B0502040204020203" pitchFamily="34" charset="0"/>
+              </a:rPr>
+              <a:t>повертає</a:t>
+            </a:r>
+            <a:r>
+              <a:rPr lang="ru-RU" sz="3600" b="1" i="0" dirty="0">
+                <a:solidFill>
+                  <a:srgbClr val="000000"/>
+                </a:solidFill>
+                <a:effectLst/>
+                <a:latin typeface="Segoe UI" panose="020B0502040204020203" pitchFamily="34" charset="0"/>
+              </a:rPr>
+              <a:t> </a:t>
+            </a:r>
+            <a:r>
+              <a:rPr lang="ru-RU" sz="3600" b="1" i="0" dirty="0" err="1">
+                <a:solidFill>
+                  <a:srgbClr val="000000"/>
+                </a:solidFill>
+                <a:effectLst/>
+                <a:latin typeface="Segoe UI" panose="020B0502040204020203" pitchFamily="34" charset="0"/>
+              </a:rPr>
+              <a:t>функція</a:t>
+            </a:r>
+            <a:r>
+              <a:rPr lang="ru-RU" sz="3600" b="1" i="0" dirty="0">
+                <a:solidFill>
+                  <a:srgbClr val="000000"/>
+                </a:solidFill>
+                <a:effectLst/>
+                <a:latin typeface="Segoe UI" panose="020B0502040204020203" pitchFamily="34" charset="0"/>
+              </a:rPr>
+              <a:t> </a:t>
+            </a:r>
+            <a:r>
+              <a:rPr lang="ru-RU" sz="3600" b="1" i="0" dirty="0" err="1">
+                <a:solidFill>
+                  <a:srgbClr val="000000"/>
+                </a:solidFill>
+                <a:effectLst/>
+                <a:latin typeface="Segoe UI" panose="020B0502040204020203" pitchFamily="34" charset="0"/>
+              </a:rPr>
+              <a:t>filter</a:t>
+            </a:r>
+            <a:r>
+              <a:rPr lang="ru-RU" sz="3600" b="1" i="0" dirty="0">
+                <a:solidFill>
+                  <a:srgbClr val="000000"/>
+                </a:solidFill>
+                <a:effectLst/>
+                <a:latin typeface="Segoe UI" panose="020B0502040204020203" pitchFamily="34" charset="0"/>
+              </a:rPr>
+              <a:t>()</a:t>
+            </a:r>
+          </a:p>
+        </p:txBody>
+      </p:sp>
+      <p:sp>
+        <p:nvSpPr>
+          <p:cNvPr id="12" name="TextBox 11">
+            <a:extLst>
+              <a:ext uri="{FF2B5EF4-FFF2-40B4-BE49-F238E27FC236}">
+                <a16:creationId xmlns:a16="http://schemas.microsoft.com/office/drawing/2014/main" id="{B4D3C3A8-8B87-7E85-DC06-731E4A66DFC0}"/>
+              </a:ext>
+            </a:extLst>
+          </p:cNvPr>
+          <p:cNvSpPr txBox="1"/>
+          <p:nvPr/>
+        </p:nvSpPr>
+        <p:spPr>
+          <a:xfrm>
+            <a:off x="368719" y="4239363"/>
+            <a:ext cx="6096000" cy="369332"/>
+          </a:xfrm>
+          <a:prstGeom prst="rect">
+            <a:avLst/>
+          </a:prstGeom>
+          <a:noFill/>
+        </p:spPr>
+        <p:txBody>
+          <a:bodyPr wrap="square">
+            <a:spAutoFit/>
+          </a:bodyPr>
+          <a:lstStyle/>
+          <a:p>
+            <a:r>
+              <a:rPr lang="uk-UA" dirty="0"/>
+              <a:t>Функція </a:t>
+            </a:r>
+            <a:r>
+              <a:rPr lang="uk-UA" dirty="0" err="1"/>
+              <a:t>filter</a:t>
+            </a:r>
+            <a:r>
+              <a:rPr lang="uk-UA" dirty="0"/>
+              <a:t>() повертає </a:t>
+            </a:r>
+            <a:r>
+              <a:rPr lang="uk-UA" dirty="0" err="1"/>
+              <a:t>ітератор</a:t>
+            </a:r>
+            <a:r>
+              <a:rPr lang="uk-UA" dirty="0"/>
+              <a:t>.</a:t>
+            </a:r>
+          </a:p>
+        </p:txBody>
+      </p:sp>
+      <p:sp>
+        <p:nvSpPr>
+          <p:cNvPr id="14" name="TextBox 13">
+            <a:extLst>
+              <a:ext uri="{FF2B5EF4-FFF2-40B4-BE49-F238E27FC236}">
+                <a16:creationId xmlns:a16="http://schemas.microsoft.com/office/drawing/2014/main" id="{964E6636-4AF2-9261-32CC-9B4D89C8E6AB}"/>
+              </a:ext>
+            </a:extLst>
+          </p:cNvPr>
+          <p:cNvSpPr txBox="1"/>
+          <p:nvPr/>
+        </p:nvSpPr>
+        <p:spPr>
+          <a:xfrm>
+            <a:off x="5193895" y="5657671"/>
+            <a:ext cx="7108723" cy="1200329"/>
+          </a:xfrm>
+          <a:prstGeom prst="rect">
+            <a:avLst/>
+          </a:prstGeom>
+          <a:noFill/>
+        </p:spPr>
+        <p:txBody>
+          <a:bodyPr wrap="square">
+            <a:spAutoFit/>
+          </a:bodyPr>
+          <a:lstStyle/>
+          <a:p>
+            <a:pPr algn="l"/>
+            <a:r>
+              <a:rPr lang="ru-RU" b="1" i="1" dirty="0" err="1">
+                <a:solidFill>
+                  <a:srgbClr val="000000"/>
+                </a:solidFill>
+                <a:effectLst/>
+                <a:latin typeface="Open Sans" panose="020B0606030504020204" pitchFamily="34" charset="0"/>
+              </a:rPr>
+              <a:t>Примітка</a:t>
+            </a:r>
+            <a:r>
+              <a:rPr lang="ru-RU" b="1" i="1" dirty="0">
+                <a:solidFill>
+                  <a:srgbClr val="000000"/>
+                </a:solidFill>
+                <a:effectLst/>
+                <a:latin typeface="Open Sans" panose="020B0606030504020204" pitchFamily="34" charset="0"/>
+              </a:rPr>
+              <a:t>: </a:t>
+            </a:r>
+            <a:r>
+              <a:rPr lang="ru-RU" b="0" i="0" dirty="0">
+                <a:solidFill>
+                  <a:srgbClr val="000000"/>
+                </a:solidFill>
+                <a:effectLst/>
+                <a:latin typeface="Open Sans" panose="020B0606030504020204" pitchFamily="34" charset="0"/>
+              </a:rPr>
+              <a:t>Ви можете легко </a:t>
+            </a:r>
+            <a:r>
+              <a:rPr lang="ru-RU" b="0" i="0" dirty="0" err="1">
+                <a:solidFill>
+                  <a:srgbClr val="000000"/>
+                </a:solidFill>
+                <a:effectLst/>
+                <a:latin typeface="Open Sans" panose="020B0606030504020204" pitchFamily="34" charset="0"/>
+              </a:rPr>
+              <a:t>перетворити</a:t>
+            </a:r>
+            <a:r>
+              <a:rPr lang="ru-RU" b="0" i="0" dirty="0">
+                <a:solidFill>
+                  <a:srgbClr val="000000"/>
+                </a:solidFill>
+                <a:effectLst/>
+                <a:latin typeface="Open Sans" panose="020B0606030504020204" pitchFamily="34" charset="0"/>
+              </a:rPr>
+              <a:t> </a:t>
+            </a:r>
+            <a:r>
+              <a:rPr lang="ru-RU" b="0" i="0" dirty="0" err="1">
+                <a:solidFill>
+                  <a:srgbClr val="000000"/>
+                </a:solidFill>
+                <a:effectLst/>
+                <a:latin typeface="Open Sans" panose="020B0606030504020204" pitchFamily="34" charset="0"/>
+              </a:rPr>
+              <a:t>ітератори</a:t>
+            </a:r>
+            <a:r>
+              <a:rPr lang="ru-RU" b="0" i="0" dirty="0">
+                <a:solidFill>
+                  <a:srgbClr val="000000"/>
+                </a:solidFill>
+                <a:effectLst/>
+                <a:latin typeface="Open Sans" panose="020B0606030504020204" pitchFamily="34" charset="0"/>
+              </a:rPr>
+              <a:t> на </a:t>
+            </a:r>
+            <a:r>
+              <a:rPr lang="ru-RU" b="0" i="0" dirty="0" err="1">
+                <a:solidFill>
+                  <a:srgbClr val="000000"/>
+                </a:solidFill>
+                <a:effectLst/>
+                <a:latin typeface="Open Sans" panose="020B0606030504020204" pitchFamily="34" charset="0"/>
+              </a:rPr>
+              <a:t>послідовності</a:t>
+            </a:r>
+            <a:r>
+              <a:rPr lang="ru-RU" b="0" i="0" dirty="0">
+                <a:solidFill>
+                  <a:srgbClr val="000000"/>
+                </a:solidFill>
+                <a:effectLst/>
+                <a:latin typeface="Open Sans" panose="020B0606030504020204" pitchFamily="34" charset="0"/>
+              </a:rPr>
+              <a:t>, </a:t>
+            </a:r>
+            <a:r>
+              <a:rPr lang="ru-RU" b="0" i="0" dirty="0" err="1">
+                <a:solidFill>
+                  <a:srgbClr val="000000"/>
+                </a:solidFill>
+                <a:effectLst/>
+                <a:latin typeface="Open Sans" panose="020B0606030504020204" pitchFamily="34" charset="0"/>
+              </a:rPr>
+              <a:t>такі</a:t>
+            </a:r>
+            <a:r>
+              <a:rPr lang="ru-RU" b="0" i="0" dirty="0">
+                <a:solidFill>
+                  <a:srgbClr val="000000"/>
+                </a:solidFill>
+                <a:effectLst/>
+                <a:latin typeface="Open Sans" panose="020B0606030504020204" pitchFamily="34" charset="0"/>
+              </a:rPr>
+              <a:t> як списки, </a:t>
+            </a:r>
+            <a:r>
+              <a:rPr lang="ru-RU" b="0" i="0" dirty="0" err="1">
+                <a:solidFill>
+                  <a:srgbClr val="000000"/>
+                </a:solidFill>
+                <a:effectLst/>
+                <a:latin typeface="Open Sans" panose="020B0606030504020204" pitchFamily="34" charset="0"/>
+              </a:rPr>
+              <a:t>кортежі</a:t>
+            </a:r>
+            <a:r>
+              <a:rPr lang="ru-RU" b="0" i="0" dirty="0">
+                <a:solidFill>
+                  <a:srgbClr val="000000"/>
+                </a:solidFill>
+                <a:effectLst/>
+                <a:latin typeface="Open Sans" panose="020B0606030504020204" pitchFamily="34" charset="0"/>
+              </a:rPr>
+              <a:t>, </a:t>
+            </a:r>
+            <a:r>
+              <a:rPr lang="ru-RU" b="1" i="0" u="none" strike="noStrike" dirty="0">
+                <a:solidFill>
+                  <a:srgbClr val="1ABC9C"/>
+                </a:solidFill>
+                <a:effectLst/>
+                <a:latin typeface="Open Sans" panose="020B0606030504020204" pitchFamily="34" charset="0"/>
+              </a:rPr>
+              <a:t>рядки</a:t>
+            </a:r>
+            <a:r>
+              <a:rPr lang="ru-RU" b="0" i="0" dirty="0">
+                <a:solidFill>
+                  <a:srgbClr val="000000"/>
+                </a:solidFill>
+                <a:effectLst/>
+                <a:latin typeface="Open Sans" panose="020B0606030504020204" pitchFamily="34" charset="0"/>
+              </a:rPr>
+              <a:t> й т.д.</a:t>
+            </a:r>
+          </a:p>
+          <a:p>
+            <a:br>
+              <a:rPr lang="ru-RU" dirty="0"/>
+            </a:br>
+            <a:endParaRPr lang="uk-UA" dirty="0"/>
+          </a:p>
+        </p:txBody>
+      </p:sp>
+    </p:spTree>
+    <p:extLst>
+      <p:ext uri="{BB962C8B-B14F-4D97-AF65-F5344CB8AC3E}">
+        <p14:creationId xmlns:p14="http://schemas.microsoft.com/office/powerpoint/2010/main" val="2806244513"/>
+      </p:ext>
+    </p:extLst>
+  </p:cSld>
+  <p:clrMapOvr>
+    <a:masterClrMapping/>
+  </p:clrMapOvr>
+</p:sld>
+</file>
+
+<file path=ppt/slides/slide11.xml><?xml version="1.0" encoding="utf-8"?>
+<p:sld xmlns:a="http://schemas.openxmlformats.org/drawingml/2006/main" xmlns:r="http://schemas.openxmlformats.org/officeDocument/2006/relationships" xmlns:p="http://schemas.openxmlformats.org/presentationml/2006/main">
+  <p:cSld>
+    <p:spTree>
+      <p:nvGrpSpPr>
+        <p:cNvPr id="1" name=""/>
+        <p:cNvGrpSpPr/>
+        <p:nvPr/>
+      </p:nvGrpSpPr>
+      <p:grpSpPr>
+        <a:xfrm>
+          <a:off x="0" y="0"/>
+          <a:ext cx="0" cy="0"/>
+          <a:chOff x="0" y="0"/>
+          <a:chExt cx="0" cy="0"/>
+        </a:xfrm>
+      </p:grpSpPr>
+      <p:sp>
+        <p:nvSpPr>
+          <p:cNvPr id="3" name="TextBox 2">
+            <a:extLst>
+              <a:ext uri="{FF2B5EF4-FFF2-40B4-BE49-F238E27FC236}">
+                <a16:creationId xmlns:a16="http://schemas.microsoft.com/office/drawing/2014/main" id="{EE99AB97-8130-1505-6E67-D3AFE9ED35BD}"/>
+              </a:ext>
+            </a:extLst>
+          </p:cNvPr>
+          <p:cNvSpPr txBox="1"/>
+          <p:nvPr/>
+        </p:nvSpPr>
+        <p:spPr>
+          <a:xfrm>
+            <a:off x="0" y="197097"/>
+            <a:ext cx="12192000" cy="1754326"/>
+          </a:xfrm>
+          <a:prstGeom prst="rect">
+            <a:avLst/>
+          </a:prstGeom>
+          <a:noFill/>
+        </p:spPr>
+        <p:txBody>
+          <a:bodyPr wrap="square">
+            <a:spAutoFit/>
+          </a:bodyPr>
+          <a:lstStyle/>
+          <a:p>
+            <a:pPr algn="ctr"/>
+            <a:r>
+              <a:rPr lang="uk-UA" sz="3600" b="1" i="0" dirty="0">
+                <a:solidFill>
+                  <a:srgbClr val="000000"/>
+                </a:solidFill>
+                <a:effectLst/>
+                <a:latin typeface="Segoe UI" panose="020B0502040204020203" pitchFamily="34" charset="0"/>
+              </a:rPr>
+              <a:t>Приклад №1: Робота функції </a:t>
+            </a:r>
+            <a:r>
+              <a:rPr lang="en-US" sz="3600" b="1" i="0" dirty="0">
+                <a:solidFill>
+                  <a:srgbClr val="000000"/>
+                </a:solidFill>
+                <a:effectLst/>
+                <a:latin typeface="Segoe UI" panose="020B0502040204020203" pitchFamily="34" charset="0"/>
+              </a:rPr>
+              <a:t>filter()</a:t>
+            </a:r>
+          </a:p>
+          <a:p>
+            <a:pPr algn="ctr"/>
+            <a:br>
+              <a:rPr lang="en-US" sz="3600" dirty="0"/>
+            </a:br>
+            <a:endParaRPr lang="uk-UA" sz="3600" dirty="0"/>
+          </a:p>
+        </p:txBody>
+      </p:sp>
+      <p:graphicFrame>
+        <p:nvGraphicFramePr>
+          <p:cNvPr id="4" name="Таблица 3">
+            <a:extLst>
+              <a:ext uri="{FF2B5EF4-FFF2-40B4-BE49-F238E27FC236}">
+                <a16:creationId xmlns:a16="http://schemas.microsoft.com/office/drawing/2014/main" id="{DDC28EEE-8B44-CE50-D83D-0E9F90D12A86}"/>
+              </a:ext>
+            </a:extLst>
+          </p:cNvPr>
+          <p:cNvGraphicFramePr>
+            <a:graphicFrameLocks noGrp="1"/>
+          </p:cNvGraphicFramePr>
+          <p:nvPr>
+            <p:extLst>
+              <p:ext uri="{D42A27DB-BD31-4B8C-83A1-F6EECF244321}">
+                <p14:modId xmlns:p14="http://schemas.microsoft.com/office/powerpoint/2010/main" val="422145209"/>
+              </p:ext>
+            </p:extLst>
+          </p:nvPr>
+        </p:nvGraphicFramePr>
+        <p:xfrm>
+          <a:off x="554682" y="1074260"/>
+          <a:ext cx="7837990" cy="3383280"/>
+        </p:xfrm>
+        <a:graphic>
+          <a:graphicData uri="http://schemas.openxmlformats.org/drawingml/2006/table">
+            <a:tbl>
+              <a:tblPr/>
+              <a:tblGrid>
+                <a:gridCol w="762840">
+                  <a:extLst>
+                    <a:ext uri="{9D8B030D-6E8A-4147-A177-3AD203B41FA5}">
+                      <a16:colId xmlns:a16="http://schemas.microsoft.com/office/drawing/2014/main" val="963848204"/>
+                    </a:ext>
+                  </a:extLst>
+                </a:gridCol>
+                <a:gridCol w="7075150">
+                  <a:extLst>
+                    <a:ext uri="{9D8B030D-6E8A-4147-A177-3AD203B41FA5}">
+                      <a16:colId xmlns:a16="http://schemas.microsoft.com/office/drawing/2014/main" val="2758028937"/>
+                    </a:ext>
+                  </a:extLst>
+                </a:gridCol>
+              </a:tblGrid>
+              <a:tr h="0">
+                <a:tc>
+                  <a:txBody>
+                    <a:bodyPr/>
+                    <a:lstStyle/>
+                    <a:p>
+                      <a:pPr algn="ctr" fontAlgn="t"/>
+                      <a:r>
+                        <a:rPr lang="uk-UA">
+                          <a:solidFill>
+                            <a:srgbClr val="C2C2C2"/>
+                          </a:solidFill>
+                          <a:effectLst/>
+                          <a:latin typeface="inherit"/>
+                        </a:rPr>
+                        <a:t>1</a:t>
+                      </a:r>
+                    </a:p>
+                    <a:p>
+                      <a:pPr algn="ctr" fontAlgn="t"/>
+                      <a:r>
+                        <a:rPr lang="uk-UA">
+                          <a:solidFill>
+                            <a:srgbClr val="C2C2C2"/>
+                          </a:solidFill>
+                          <a:effectLst/>
+                          <a:latin typeface="inherit"/>
+                        </a:rPr>
+                        <a:t>2</a:t>
+                      </a:r>
+                    </a:p>
+                    <a:p>
+                      <a:pPr algn="ctr" fontAlgn="t"/>
+                      <a:r>
+                        <a:rPr lang="uk-UA">
+                          <a:solidFill>
+                            <a:srgbClr val="C2C2C2"/>
+                          </a:solidFill>
+                          <a:effectLst/>
+                          <a:latin typeface="inherit"/>
+                        </a:rPr>
+                        <a:t>3</a:t>
+                      </a:r>
+                    </a:p>
+                    <a:p>
+                      <a:pPr algn="ctr" fontAlgn="t"/>
+                      <a:r>
+                        <a:rPr lang="uk-UA">
+                          <a:solidFill>
+                            <a:srgbClr val="C2C2C2"/>
+                          </a:solidFill>
+                          <a:effectLst/>
+                          <a:latin typeface="inherit"/>
+                        </a:rPr>
+                        <a:t>4</a:t>
+                      </a:r>
+                    </a:p>
+                    <a:p>
+                      <a:pPr algn="ctr" fontAlgn="t"/>
+                      <a:r>
+                        <a:rPr lang="uk-UA">
+                          <a:solidFill>
+                            <a:srgbClr val="C2C2C2"/>
+                          </a:solidFill>
+                          <a:effectLst/>
+                          <a:latin typeface="inherit"/>
+                        </a:rPr>
+                        <a:t>5</a:t>
+                      </a:r>
+                    </a:p>
+                    <a:p>
+                      <a:pPr algn="ctr" fontAlgn="t"/>
+                      <a:r>
+                        <a:rPr lang="uk-UA">
+                          <a:solidFill>
+                            <a:srgbClr val="C2C2C2"/>
+                          </a:solidFill>
+                          <a:effectLst/>
+                          <a:latin typeface="inherit"/>
+                        </a:rPr>
+                        <a:t>6</a:t>
+                      </a:r>
+                    </a:p>
+                    <a:p>
+                      <a:pPr algn="ctr" fontAlgn="t"/>
+                      <a:r>
+                        <a:rPr lang="uk-UA">
+                          <a:solidFill>
+                            <a:srgbClr val="C2C2C2"/>
+                          </a:solidFill>
+                          <a:effectLst/>
+                          <a:latin typeface="inherit"/>
+                        </a:rPr>
+                        <a:t>7</a:t>
+                      </a:r>
+                    </a:p>
+                    <a:p>
+                      <a:pPr algn="ctr" fontAlgn="t"/>
+                      <a:r>
+                        <a:rPr lang="uk-UA">
+                          <a:solidFill>
+                            <a:srgbClr val="C2C2C2"/>
+                          </a:solidFill>
+                          <a:effectLst/>
+                          <a:latin typeface="inherit"/>
+                        </a:rPr>
+                        <a:t>8</a:t>
+                      </a:r>
+                    </a:p>
+                    <a:p>
+                      <a:pPr algn="ctr" fontAlgn="t"/>
+                      <a:r>
+                        <a:rPr lang="uk-UA">
+                          <a:solidFill>
+                            <a:srgbClr val="C2C2C2"/>
+                          </a:solidFill>
+                          <a:effectLst/>
+                          <a:latin typeface="inherit"/>
+                        </a:rPr>
+                        <a:t>9</a:t>
+                      </a:r>
+                    </a:p>
+                    <a:p>
+                      <a:pPr algn="ctr" fontAlgn="t"/>
+                      <a:r>
+                        <a:rPr lang="uk-UA">
+                          <a:solidFill>
+                            <a:srgbClr val="C2C2C2"/>
+                          </a:solidFill>
+                          <a:effectLst/>
+                          <a:latin typeface="inherit"/>
+                        </a:rPr>
+                        <a:t>10</a:t>
+                      </a:r>
+                    </a:p>
+                    <a:p>
+                      <a:pPr algn="ctr" fontAlgn="t"/>
+                      <a:r>
+                        <a:rPr lang="uk-UA">
+                          <a:solidFill>
+                            <a:srgbClr val="C2C2C2"/>
+                          </a:solidFill>
+                          <a:effectLst/>
+                          <a:latin typeface="inherit"/>
+                        </a:rPr>
+                        <a:t>11</a:t>
+                      </a:r>
+                    </a:p>
+                    <a:p>
+                      <a:pPr algn="ctr" fontAlgn="t"/>
+                      <a:r>
+                        <a:rPr lang="uk-UA">
+                          <a:solidFill>
+                            <a:srgbClr val="C2C2C2"/>
+                          </a:solidFill>
+                          <a:effectLst/>
+                          <a:latin typeface="inherit"/>
+                        </a:rPr>
+                        <a:t>12</a:t>
+                      </a:r>
+                    </a:p>
+                  </a:txBody>
+                  <a:tcPr>
+                    <a:lnL>
+                      <a:noFill/>
+                    </a:lnL>
+                    <a:lnR w="7620" cap="flat" cmpd="sng" algn="ctr">
+                      <a:solidFill>
+                        <a:srgbClr val="8C8D8F"/>
+                      </a:solidFill>
+                      <a:prstDash val="solid"/>
+                      <a:round/>
+                      <a:headEnd type="none" w="med" len="med"/>
+                      <a:tailEnd type="none" w="med" len="med"/>
+                    </a:lnR>
+                    <a:lnT>
+                      <a:noFill/>
+                    </a:lnT>
+                    <a:lnB>
+                      <a:noFill/>
+                    </a:lnB>
+                    <a:solidFill>
+                      <a:srgbClr val="303030"/>
+                    </a:solidFill>
+                  </a:tcPr>
+                </a:tc>
+                <a:tc>
+                  <a:txBody>
+                    <a:bodyPr/>
+                    <a:lstStyle/>
+                    <a:p>
+                      <a:pPr algn="l" fontAlgn="t"/>
+                      <a:r>
+                        <a:rPr lang="en-US" dirty="0">
+                          <a:solidFill>
+                            <a:srgbClr val="BDB76B"/>
+                          </a:solidFill>
+                          <a:effectLst/>
+                          <a:latin typeface="inherit"/>
+                        </a:rPr>
+                        <a:t>letters</a:t>
+                      </a:r>
+                      <a:r>
+                        <a:rPr lang="en-US" dirty="0">
+                          <a:solidFill>
+                            <a:srgbClr val="006FE0"/>
+                          </a:solidFill>
+                          <a:effectLst/>
+                          <a:latin typeface="inherit"/>
+                        </a:rPr>
+                        <a:t> </a:t>
+                      </a:r>
+                      <a:r>
+                        <a:rPr lang="en-US" dirty="0">
+                          <a:solidFill>
+                            <a:srgbClr val="DADADA"/>
+                          </a:solidFill>
+                          <a:effectLst/>
+                          <a:latin typeface="inherit"/>
+                        </a:rPr>
+                        <a:t>=</a:t>
+                      </a:r>
+                      <a:r>
+                        <a:rPr lang="en-US" dirty="0">
+                          <a:solidFill>
+                            <a:srgbClr val="006FE0"/>
+                          </a:solidFill>
+                          <a:effectLst/>
+                          <a:latin typeface="inherit"/>
+                        </a:rPr>
+                        <a:t> </a:t>
+                      </a:r>
+                      <a:r>
+                        <a:rPr lang="en-US" dirty="0">
+                          <a:solidFill>
+                            <a:srgbClr val="D8D8D8"/>
+                          </a:solidFill>
+                          <a:effectLst/>
+                          <a:latin typeface="inherit"/>
+                        </a:rPr>
+                        <a:t>[</a:t>
+                      </a:r>
+                      <a:r>
+                        <a:rPr lang="en-US" dirty="0">
+                          <a:solidFill>
+                            <a:srgbClr val="D69D85"/>
+                          </a:solidFill>
+                          <a:effectLst/>
+                          <a:latin typeface="inherit"/>
+                        </a:rPr>
+                        <a:t>'a'</a:t>
+                      </a:r>
+                      <a:r>
+                        <a:rPr lang="en-US" dirty="0">
+                          <a:solidFill>
+                            <a:srgbClr val="D8D8D8"/>
+                          </a:solidFill>
+                          <a:effectLst/>
+                          <a:latin typeface="inherit"/>
+                        </a:rPr>
+                        <a:t>,</a:t>
+                      </a:r>
+                      <a:r>
+                        <a:rPr lang="en-US" dirty="0">
+                          <a:solidFill>
+                            <a:srgbClr val="006FE0"/>
+                          </a:solidFill>
+                          <a:effectLst/>
+                          <a:latin typeface="inherit"/>
+                        </a:rPr>
+                        <a:t> </a:t>
+                      </a:r>
+                      <a:r>
+                        <a:rPr lang="en-US" dirty="0">
+                          <a:solidFill>
+                            <a:srgbClr val="D69D85"/>
+                          </a:solidFill>
+                          <a:effectLst/>
+                          <a:latin typeface="inherit"/>
+                        </a:rPr>
+                        <a:t>'b'</a:t>
+                      </a:r>
+                      <a:r>
+                        <a:rPr lang="en-US" dirty="0">
+                          <a:solidFill>
+                            <a:srgbClr val="D8D8D8"/>
+                          </a:solidFill>
+                          <a:effectLst/>
+                          <a:latin typeface="inherit"/>
+                        </a:rPr>
+                        <a:t>,</a:t>
+                      </a:r>
+                      <a:r>
+                        <a:rPr lang="en-US" dirty="0">
+                          <a:solidFill>
+                            <a:srgbClr val="006FE0"/>
+                          </a:solidFill>
+                          <a:effectLst/>
+                          <a:latin typeface="inherit"/>
+                        </a:rPr>
+                        <a:t> </a:t>
+                      </a:r>
+                      <a:r>
+                        <a:rPr lang="en-US" dirty="0">
+                          <a:solidFill>
+                            <a:srgbClr val="D69D85"/>
+                          </a:solidFill>
+                          <a:effectLst/>
+                          <a:latin typeface="inherit"/>
+                        </a:rPr>
+                        <a:t>'d'</a:t>
+                      </a:r>
+                      <a:r>
+                        <a:rPr lang="en-US" dirty="0">
+                          <a:solidFill>
+                            <a:srgbClr val="D8D8D8"/>
+                          </a:solidFill>
+                          <a:effectLst/>
+                          <a:latin typeface="inherit"/>
+                        </a:rPr>
+                        <a:t>,</a:t>
+                      </a:r>
+                      <a:r>
+                        <a:rPr lang="en-US" dirty="0">
+                          <a:solidFill>
+                            <a:srgbClr val="006FE0"/>
+                          </a:solidFill>
+                          <a:effectLst/>
+                          <a:latin typeface="inherit"/>
+                        </a:rPr>
+                        <a:t> </a:t>
+                      </a:r>
+                      <a:r>
+                        <a:rPr lang="en-US" dirty="0">
+                          <a:solidFill>
+                            <a:srgbClr val="D69D85"/>
+                          </a:solidFill>
+                          <a:effectLst/>
+                          <a:latin typeface="inherit"/>
+                        </a:rPr>
+                        <a:t>'e'</a:t>
+                      </a:r>
+                      <a:r>
+                        <a:rPr lang="en-US" dirty="0">
+                          <a:solidFill>
+                            <a:srgbClr val="D8D8D8"/>
+                          </a:solidFill>
+                          <a:effectLst/>
+                          <a:latin typeface="inherit"/>
+                        </a:rPr>
+                        <a:t>,</a:t>
+                      </a:r>
+                      <a:r>
+                        <a:rPr lang="en-US" dirty="0">
+                          <a:solidFill>
+                            <a:srgbClr val="006FE0"/>
+                          </a:solidFill>
+                          <a:effectLst/>
+                          <a:latin typeface="inherit"/>
+                        </a:rPr>
+                        <a:t> </a:t>
+                      </a:r>
+                      <a:r>
+                        <a:rPr lang="en-US" dirty="0">
+                          <a:solidFill>
+                            <a:srgbClr val="D69D85"/>
+                          </a:solidFill>
+                          <a:effectLst/>
+                          <a:latin typeface="inherit"/>
+                        </a:rPr>
+                        <a:t>'</a:t>
+                      </a:r>
+                      <a:r>
+                        <a:rPr lang="en-US" dirty="0" err="1">
+                          <a:solidFill>
+                            <a:srgbClr val="D69D85"/>
+                          </a:solidFill>
+                          <a:effectLst/>
+                          <a:latin typeface="inherit"/>
+                        </a:rPr>
+                        <a:t>i</a:t>
+                      </a:r>
+                      <a:r>
+                        <a:rPr lang="en-US" dirty="0">
+                          <a:solidFill>
+                            <a:srgbClr val="D69D85"/>
+                          </a:solidFill>
+                          <a:effectLst/>
+                          <a:latin typeface="inherit"/>
+                        </a:rPr>
+                        <a:t>'</a:t>
+                      </a:r>
+                      <a:r>
+                        <a:rPr lang="en-US" dirty="0">
+                          <a:solidFill>
+                            <a:srgbClr val="D8D8D8"/>
+                          </a:solidFill>
+                          <a:effectLst/>
+                          <a:latin typeface="inherit"/>
+                        </a:rPr>
+                        <a:t>,</a:t>
+                      </a:r>
+                      <a:r>
+                        <a:rPr lang="en-US" dirty="0">
+                          <a:solidFill>
+                            <a:srgbClr val="006FE0"/>
+                          </a:solidFill>
+                          <a:effectLst/>
+                          <a:latin typeface="inherit"/>
+                        </a:rPr>
+                        <a:t> </a:t>
+                      </a:r>
+                      <a:r>
+                        <a:rPr lang="en-US" dirty="0">
+                          <a:solidFill>
+                            <a:srgbClr val="D69D85"/>
+                          </a:solidFill>
+                          <a:effectLst/>
+                          <a:latin typeface="inherit"/>
+                        </a:rPr>
+                        <a:t>'j'</a:t>
+                      </a:r>
+                      <a:r>
+                        <a:rPr lang="en-US" dirty="0">
+                          <a:solidFill>
+                            <a:srgbClr val="D8D8D8"/>
+                          </a:solidFill>
+                          <a:effectLst/>
+                          <a:latin typeface="inherit"/>
+                        </a:rPr>
+                        <a:t>,</a:t>
+                      </a:r>
+                      <a:r>
+                        <a:rPr lang="en-US" dirty="0">
+                          <a:solidFill>
+                            <a:srgbClr val="006FE0"/>
+                          </a:solidFill>
+                          <a:effectLst/>
+                          <a:latin typeface="inherit"/>
+                        </a:rPr>
+                        <a:t> </a:t>
+                      </a:r>
+                      <a:r>
+                        <a:rPr lang="en-US" dirty="0">
+                          <a:solidFill>
+                            <a:srgbClr val="D69D85"/>
+                          </a:solidFill>
+                          <a:effectLst/>
+                          <a:latin typeface="inherit"/>
+                        </a:rPr>
+                        <a:t>'o'</a:t>
+                      </a:r>
+                      <a:r>
+                        <a:rPr lang="en-US" dirty="0">
+                          <a:solidFill>
+                            <a:srgbClr val="D8D8D8"/>
+                          </a:solidFill>
+                          <a:effectLst/>
+                          <a:latin typeface="inherit"/>
+                        </a:rPr>
+                        <a:t>]</a:t>
+                      </a:r>
+                      <a:endParaRPr lang="en-US" dirty="0">
+                        <a:solidFill>
+                          <a:srgbClr val="FFFFFF"/>
+                        </a:solidFill>
+                        <a:effectLst/>
+                        <a:latin typeface="inherit"/>
+                      </a:endParaRPr>
+                    </a:p>
+                    <a:p>
+                      <a:pPr algn="l" fontAlgn="t"/>
+                      <a:r>
+                        <a:rPr lang="en-US" dirty="0">
+                          <a:solidFill>
+                            <a:srgbClr val="FFFFFF"/>
+                          </a:solidFill>
+                          <a:effectLst/>
+                          <a:latin typeface="inherit"/>
+                        </a:rPr>
+                        <a:t> </a:t>
+                      </a:r>
+                    </a:p>
+                    <a:p>
+                      <a:pPr algn="l" fontAlgn="t"/>
+                      <a:r>
+                        <a:rPr lang="en-US" i="1" dirty="0">
+                          <a:solidFill>
+                            <a:srgbClr val="57A64A"/>
+                          </a:solidFill>
+                          <a:effectLst/>
+                          <a:latin typeface="inherit"/>
+                        </a:rPr>
+                        <a:t># </a:t>
+                      </a:r>
+                      <a:r>
+                        <a:rPr lang="uk-UA" i="1" dirty="0">
+                          <a:solidFill>
+                            <a:srgbClr val="57A64A"/>
+                          </a:solidFill>
+                          <a:effectLst/>
+                          <a:latin typeface="inherit"/>
+                        </a:rPr>
+                        <a:t>Функція повертає </a:t>
+                      </a:r>
+                      <a:r>
+                        <a:rPr lang="en-US" i="1" dirty="0">
+                          <a:solidFill>
+                            <a:srgbClr val="57A64A"/>
+                          </a:solidFill>
+                          <a:effectLst/>
+                          <a:latin typeface="inherit"/>
+                        </a:rPr>
+                        <a:t>True, </a:t>
+                      </a:r>
+                      <a:r>
+                        <a:rPr lang="uk-UA" i="1" dirty="0">
+                          <a:solidFill>
+                            <a:srgbClr val="57A64A"/>
+                          </a:solidFill>
+                          <a:effectLst/>
+                          <a:latin typeface="inherit"/>
+                        </a:rPr>
+                        <a:t>якщо елемент є голосною літерою</a:t>
+                      </a:r>
+                      <a:endParaRPr lang="uk-UA" dirty="0">
+                        <a:solidFill>
+                          <a:srgbClr val="FFFFFF"/>
+                        </a:solidFill>
+                        <a:effectLst/>
+                        <a:latin typeface="inherit"/>
+                      </a:endParaRPr>
+                    </a:p>
+                    <a:p>
+                      <a:pPr algn="l" fontAlgn="t"/>
+                      <a:r>
+                        <a:rPr lang="en-US" dirty="0">
+                          <a:solidFill>
+                            <a:srgbClr val="F4BB15"/>
+                          </a:solidFill>
+                          <a:effectLst/>
+                          <a:latin typeface="inherit"/>
+                        </a:rPr>
+                        <a:t>def</a:t>
+                      </a:r>
+                      <a:r>
+                        <a:rPr lang="en-US" dirty="0">
+                          <a:solidFill>
+                            <a:srgbClr val="006FE0"/>
+                          </a:solidFill>
+                          <a:effectLst/>
+                          <a:latin typeface="inherit"/>
+                        </a:rPr>
+                        <a:t> </a:t>
+                      </a:r>
+                      <a:r>
+                        <a:rPr lang="en-US" dirty="0" err="1">
+                          <a:solidFill>
+                            <a:srgbClr val="FF8000"/>
+                          </a:solidFill>
+                          <a:effectLst/>
+                          <a:latin typeface="inherit"/>
+                        </a:rPr>
+                        <a:t>filter_vowels</a:t>
+                      </a:r>
+                      <a:r>
+                        <a:rPr lang="en-US" dirty="0">
+                          <a:solidFill>
+                            <a:srgbClr val="D8D8D8"/>
+                          </a:solidFill>
+                          <a:effectLst/>
+                          <a:latin typeface="inherit"/>
+                        </a:rPr>
+                        <a:t>(</a:t>
+                      </a:r>
+                      <a:r>
+                        <a:rPr lang="en-US" dirty="0">
+                          <a:solidFill>
+                            <a:srgbClr val="BDB76B"/>
+                          </a:solidFill>
+                          <a:effectLst/>
+                          <a:latin typeface="inherit"/>
+                        </a:rPr>
+                        <a:t>letter</a:t>
+                      </a:r>
+                      <a:r>
+                        <a:rPr lang="en-US" dirty="0">
+                          <a:solidFill>
+                            <a:srgbClr val="D8D8D8"/>
+                          </a:solidFill>
+                          <a:effectLst/>
+                          <a:latin typeface="inherit"/>
+                        </a:rPr>
+                        <a:t>)</a:t>
+                      </a:r>
+                      <a:r>
+                        <a:rPr lang="en-US" dirty="0">
+                          <a:solidFill>
+                            <a:srgbClr val="DADADA"/>
+                          </a:solidFill>
+                          <a:effectLst/>
+                          <a:latin typeface="inherit"/>
+                        </a:rPr>
+                        <a:t>:</a:t>
+                      </a:r>
+                      <a:endParaRPr lang="en-US" dirty="0">
+                        <a:solidFill>
+                          <a:srgbClr val="FFFFFF"/>
+                        </a:solidFill>
+                        <a:effectLst/>
+                        <a:latin typeface="inherit"/>
+                      </a:endParaRPr>
+                    </a:p>
+                    <a:p>
+                      <a:pPr algn="l" fontAlgn="t"/>
+                      <a:r>
+                        <a:rPr lang="en-US" dirty="0">
+                          <a:solidFill>
+                            <a:srgbClr val="006FE0"/>
+                          </a:solidFill>
+                          <a:effectLst/>
+                          <a:latin typeface="inherit"/>
+                        </a:rPr>
+                        <a:t>    </a:t>
+                      </a:r>
+                      <a:r>
+                        <a:rPr lang="en-US" dirty="0">
+                          <a:solidFill>
+                            <a:srgbClr val="BDB76B"/>
+                          </a:solidFill>
+                          <a:effectLst/>
+                          <a:latin typeface="inherit"/>
+                        </a:rPr>
+                        <a:t>vowels</a:t>
+                      </a:r>
+                      <a:r>
+                        <a:rPr lang="en-US" dirty="0">
+                          <a:solidFill>
+                            <a:srgbClr val="006FE0"/>
+                          </a:solidFill>
+                          <a:effectLst/>
+                          <a:latin typeface="inherit"/>
+                        </a:rPr>
+                        <a:t> </a:t>
+                      </a:r>
+                      <a:r>
+                        <a:rPr lang="en-US" dirty="0">
+                          <a:solidFill>
+                            <a:srgbClr val="DADADA"/>
+                          </a:solidFill>
+                          <a:effectLst/>
+                          <a:latin typeface="inherit"/>
+                        </a:rPr>
+                        <a:t>=</a:t>
+                      </a:r>
+                      <a:r>
+                        <a:rPr lang="en-US" dirty="0">
+                          <a:solidFill>
+                            <a:srgbClr val="006FE0"/>
+                          </a:solidFill>
+                          <a:effectLst/>
+                          <a:latin typeface="inherit"/>
+                        </a:rPr>
+                        <a:t> </a:t>
+                      </a:r>
+                      <a:r>
+                        <a:rPr lang="en-US" dirty="0">
+                          <a:solidFill>
+                            <a:srgbClr val="D8D8D8"/>
+                          </a:solidFill>
+                          <a:effectLst/>
+                          <a:latin typeface="inherit"/>
+                        </a:rPr>
+                        <a:t>[</a:t>
+                      </a:r>
+                      <a:r>
+                        <a:rPr lang="en-US" dirty="0">
+                          <a:solidFill>
+                            <a:srgbClr val="D69D85"/>
+                          </a:solidFill>
+                          <a:effectLst/>
+                          <a:latin typeface="inherit"/>
+                        </a:rPr>
+                        <a:t>'a'</a:t>
+                      </a:r>
+                      <a:r>
+                        <a:rPr lang="en-US" dirty="0">
+                          <a:solidFill>
+                            <a:srgbClr val="D8D8D8"/>
+                          </a:solidFill>
+                          <a:effectLst/>
+                          <a:latin typeface="inherit"/>
+                        </a:rPr>
+                        <a:t>,</a:t>
+                      </a:r>
+                      <a:r>
+                        <a:rPr lang="en-US" dirty="0">
+                          <a:solidFill>
+                            <a:srgbClr val="006FE0"/>
+                          </a:solidFill>
+                          <a:effectLst/>
+                          <a:latin typeface="inherit"/>
+                        </a:rPr>
+                        <a:t> </a:t>
+                      </a:r>
+                      <a:r>
+                        <a:rPr lang="en-US" dirty="0">
+                          <a:solidFill>
+                            <a:srgbClr val="D69D85"/>
+                          </a:solidFill>
+                          <a:effectLst/>
+                          <a:latin typeface="inherit"/>
+                        </a:rPr>
+                        <a:t>'e'</a:t>
+                      </a:r>
+                      <a:r>
+                        <a:rPr lang="en-US" dirty="0">
+                          <a:solidFill>
+                            <a:srgbClr val="D8D8D8"/>
+                          </a:solidFill>
+                          <a:effectLst/>
+                          <a:latin typeface="inherit"/>
+                        </a:rPr>
+                        <a:t>,</a:t>
+                      </a:r>
+                      <a:r>
+                        <a:rPr lang="en-US" dirty="0">
+                          <a:solidFill>
+                            <a:srgbClr val="006FE0"/>
+                          </a:solidFill>
+                          <a:effectLst/>
+                          <a:latin typeface="inherit"/>
+                        </a:rPr>
+                        <a:t> </a:t>
+                      </a:r>
+                      <a:r>
+                        <a:rPr lang="en-US" dirty="0">
+                          <a:solidFill>
+                            <a:srgbClr val="D69D85"/>
+                          </a:solidFill>
+                          <a:effectLst/>
+                          <a:latin typeface="inherit"/>
+                        </a:rPr>
+                        <a:t>'</a:t>
+                      </a:r>
+                      <a:r>
+                        <a:rPr lang="en-US" dirty="0" err="1">
+                          <a:solidFill>
+                            <a:srgbClr val="D69D85"/>
+                          </a:solidFill>
+                          <a:effectLst/>
+                          <a:latin typeface="inherit"/>
+                        </a:rPr>
+                        <a:t>i</a:t>
+                      </a:r>
+                      <a:r>
+                        <a:rPr lang="en-US" dirty="0">
+                          <a:solidFill>
+                            <a:srgbClr val="D69D85"/>
+                          </a:solidFill>
+                          <a:effectLst/>
+                          <a:latin typeface="inherit"/>
+                        </a:rPr>
+                        <a:t>'</a:t>
+                      </a:r>
+                      <a:r>
+                        <a:rPr lang="en-US" dirty="0">
+                          <a:solidFill>
+                            <a:srgbClr val="D8D8D8"/>
+                          </a:solidFill>
+                          <a:effectLst/>
+                          <a:latin typeface="inherit"/>
+                        </a:rPr>
+                        <a:t>,</a:t>
+                      </a:r>
+                      <a:r>
+                        <a:rPr lang="en-US" dirty="0">
+                          <a:solidFill>
+                            <a:srgbClr val="006FE0"/>
+                          </a:solidFill>
+                          <a:effectLst/>
+                          <a:latin typeface="inherit"/>
+                        </a:rPr>
+                        <a:t> </a:t>
+                      </a:r>
+                      <a:r>
+                        <a:rPr lang="en-US" dirty="0">
+                          <a:solidFill>
+                            <a:srgbClr val="D69D85"/>
+                          </a:solidFill>
+                          <a:effectLst/>
+                          <a:latin typeface="inherit"/>
+                        </a:rPr>
+                        <a:t>'o'</a:t>
+                      </a:r>
+                      <a:r>
+                        <a:rPr lang="en-US" dirty="0">
+                          <a:solidFill>
+                            <a:srgbClr val="D8D8D8"/>
+                          </a:solidFill>
+                          <a:effectLst/>
+                          <a:latin typeface="inherit"/>
+                        </a:rPr>
+                        <a:t>,</a:t>
+                      </a:r>
+                      <a:r>
+                        <a:rPr lang="en-US" dirty="0">
+                          <a:solidFill>
+                            <a:srgbClr val="006FE0"/>
+                          </a:solidFill>
+                          <a:effectLst/>
+                          <a:latin typeface="inherit"/>
+                        </a:rPr>
+                        <a:t> </a:t>
+                      </a:r>
+                      <a:r>
+                        <a:rPr lang="en-US" dirty="0">
+                          <a:solidFill>
+                            <a:srgbClr val="D69D85"/>
+                          </a:solidFill>
+                          <a:effectLst/>
+                          <a:latin typeface="inherit"/>
+                        </a:rPr>
+                        <a:t>'u'</a:t>
+                      </a:r>
+                      <a:r>
+                        <a:rPr lang="en-US" dirty="0">
+                          <a:solidFill>
+                            <a:srgbClr val="D8D8D8"/>
+                          </a:solidFill>
+                          <a:effectLst/>
+                          <a:latin typeface="inherit"/>
+                        </a:rPr>
+                        <a:t>]</a:t>
+                      </a:r>
+                      <a:endParaRPr lang="en-US" dirty="0">
+                        <a:solidFill>
+                          <a:srgbClr val="FFFFFF"/>
+                        </a:solidFill>
+                        <a:effectLst/>
+                        <a:latin typeface="inherit"/>
+                      </a:endParaRPr>
+                    </a:p>
+                    <a:p>
+                      <a:pPr algn="l" fontAlgn="t"/>
+                      <a:r>
+                        <a:rPr lang="en-US" dirty="0">
+                          <a:solidFill>
+                            <a:srgbClr val="006FE0"/>
+                          </a:solidFill>
+                          <a:effectLst/>
+                          <a:latin typeface="inherit"/>
+                        </a:rPr>
+                        <a:t>    </a:t>
+                      </a:r>
+                      <a:r>
+                        <a:rPr lang="en-US" dirty="0">
+                          <a:solidFill>
+                            <a:srgbClr val="20B0DA"/>
+                          </a:solidFill>
+                          <a:effectLst/>
+                          <a:latin typeface="inherit"/>
+                        </a:rPr>
+                        <a:t>return</a:t>
+                      </a:r>
+                      <a:r>
+                        <a:rPr lang="en-US" dirty="0">
+                          <a:solidFill>
+                            <a:srgbClr val="006FE0"/>
+                          </a:solidFill>
+                          <a:effectLst/>
+                          <a:latin typeface="inherit"/>
+                        </a:rPr>
+                        <a:t> </a:t>
+                      </a:r>
+                      <a:r>
+                        <a:rPr lang="en-US" dirty="0">
+                          <a:solidFill>
+                            <a:srgbClr val="F4BB15"/>
+                          </a:solidFill>
+                          <a:effectLst/>
+                          <a:latin typeface="inherit"/>
+                        </a:rPr>
+                        <a:t>True</a:t>
+                      </a:r>
+                      <a:r>
+                        <a:rPr lang="en-US" dirty="0">
+                          <a:solidFill>
+                            <a:srgbClr val="006FE0"/>
+                          </a:solidFill>
+                          <a:effectLst/>
+                          <a:latin typeface="inherit"/>
+                        </a:rPr>
+                        <a:t> </a:t>
+                      </a:r>
+                      <a:r>
+                        <a:rPr lang="en-US" dirty="0">
+                          <a:solidFill>
+                            <a:srgbClr val="20B0DA"/>
+                          </a:solidFill>
+                          <a:effectLst/>
+                          <a:latin typeface="inherit"/>
+                        </a:rPr>
+                        <a:t>if</a:t>
+                      </a:r>
+                      <a:r>
+                        <a:rPr lang="en-US" dirty="0">
+                          <a:solidFill>
+                            <a:srgbClr val="006FE0"/>
+                          </a:solidFill>
+                          <a:effectLst/>
+                          <a:latin typeface="inherit"/>
+                        </a:rPr>
+                        <a:t> </a:t>
+                      </a:r>
+                      <a:r>
+                        <a:rPr lang="en-US" dirty="0">
+                          <a:solidFill>
+                            <a:srgbClr val="FF8000"/>
+                          </a:solidFill>
+                          <a:effectLst/>
+                          <a:latin typeface="inherit"/>
+                        </a:rPr>
+                        <a:t>letter </a:t>
+                      </a:r>
+                      <a:r>
+                        <a:rPr lang="en-US" dirty="0">
+                          <a:solidFill>
+                            <a:srgbClr val="20B0DA"/>
+                          </a:solidFill>
+                          <a:effectLst/>
+                          <a:latin typeface="inherit"/>
+                        </a:rPr>
+                        <a:t>in</a:t>
+                      </a:r>
+                      <a:r>
+                        <a:rPr lang="en-US" dirty="0">
+                          <a:solidFill>
+                            <a:srgbClr val="006FE0"/>
+                          </a:solidFill>
+                          <a:effectLst/>
+                          <a:latin typeface="inherit"/>
+                        </a:rPr>
+                        <a:t> </a:t>
+                      </a:r>
+                      <a:r>
+                        <a:rPr lang="en-US" dirty="0">
+                          <a:solidFill>
+                            <a:srgbClr val="FF8000"/>
+                          </a:solidFill>
+                          <a:effectLst/>
+                          <a:latin typeface="inherit"/>
+                        </a:rPr>
+                        <a:t>vowels </a:t>
+                      </a:r>
+                      <a:r>
+                        <a:rPr lang="en-US" dirty="0">
+                          <a:solidFill>
+                            <a:srgbClr val="20B0DA"/>
+                          </a:solidFill>
+                          <a:effectLst/>
+                          <a:latin typeface="inherit"/>
+                        </a:rPr>
+                        <a:t>else</a:t>
+                      </a:r>
+                      <a:r>
+                        <a:rPr lang="en-US" dirty="0">
+                          <a:solidFill>
+                            <a:srgbClr val="006FE0"/>
+                          </a:solidFill>
+                          <a:effectLst/>
+                          <a:latin typeface="inherit"/>
+                        </a:rPr>
+                        <a:t> </a:t>
+                      </a:r>
+                      <a:r>
+                        <a:rPr lang="en-US" dirty="0">
+                          <a:solidFill>
+                            <a:srgbClr val="F4BB15"/>
+                          </a:solidFill>
+                          <a:effectLst/>
+                          <a:latin typeface="inherit"/>
+                        </a:rPr>
+                        <a:t>False</a:t>
+                      </a:r>
+                      <a:endParaRPr lang="en-US" dirty="0">
+                        <a:solidFill>
+                          <a:srgbClr val="FFFFFF"/>
+                        </a:solidFill>
+                        <a:effectLst/>
+                        <a:latin typeface="inherit"/>
+                      </a:endParaRPr>
+                    </a:p>
+                    <a:p>
+                      <a:pPr algn="l" fontAlgn="t"/>
+                      <a:r>
+                        <a:rPr lang="en-US" dirty="0">
+                          <a:solidFill>
+                            <a:srgbClr val="FFFFFF"/>
+                          </a:solidFill>
+                          <a:effectLst/>
+                          <a:latin typeface="inherit"/>
+                        </a:rPr>
+                        <a:t> </a:t>
+                      </a:r>
+                    </a:p>
+                    <a:p>
+                      <a:pPr algn="l" fontAlgn="t"/>
+                      <a:r>
+                        <a:rPr lang="en-US" dirty="0" err="1">
+                          <a:solidFill>
+                            <a:srgbClr val="BDB76B"/>
+                          </a:solidFill>
+                          <a:effectLst/>
+                          <a:latin typeface="inherit"/>
+                        </a:rPr>
+                        <a:t>filtered_vowels</a:t>
+                      </a:r>
+                      <a:r>
+                        <a:rPr lang="en-US" dirty="0">
+                          <a:solidFill>
+                            <a:srgbClr val="006FE0"/>
+                          </a:solidFill>
+                          <a:effectLst/>
+                          <a:latin typeface="inherit"/>
+                        </a:rPr>
+                        <a:t> </a:t>
+                      </a:r>
+                      <a:r>
+                        <a:rPr lang="en-US" dirty="0">
+                          <a:solidFill>
+                            <a:srgbClr val="DADADA"/>
+                          </a:solidFill>
+                          <a:effectLst/>
+                          <a:latin typeface="inherit"/>
+                        </a:rPr>
+                        <a:t>=</a:t>
+                      </a:r>
+                      <a:r>
+                        <a:rPr lang="en-US" dirty="0">
+                          <a:solidFill>
+                            <a:srgbClr val="006FE0"/>
+                          </a:solidFill>
+                          <a:effectLst/>
+                          <a:latin typeface="inherit"/>
+                        </a:rPr>
+                        <a:t> </a:t>
+                      </a:r>
+                      <a:r>
+                        <a:rPr lang="en-US" dirty="0">
+                          <a:solidFill>
+                            <a:srgbClr val="569CD6"/>
+                          </a:solidFill>
+                          <a:effectLst/>
+                          <a:latin typeface="inherit"/>
+                        </a:rPr>
+                        <a:t>filter</a:t>
+                      </a:r>
+                      <a:r>
+                        <a:rPr lang="en-US" dirty="0">
+                          <a:solidFill>
+                            <a:srgbClr val="D8D8D8"/>
+                          </a:solidFill>
+                          <a:effectLst/>
+                          <a:latin typeface="inherit"/>
+                        </a:rPr>
+                        <a:t>(</a:t>
+                      </a:r>
+                      <a:r>
+                        <a:rPr lang="en-US" dirty="0" err="1">
+                          <a:solidFill>
+                            <a:srgbClr val="BDB76B"/>
+                          </a:solidFill>
+                          <a:effectLst/>
+                          <a:latin typeface="inherit"/>
+                        </a:rPr>
+                        <a:t>filter_vowels</a:t>
+                      </a:r>
+                      <a:r>
+                        <a:rPr lang="en-US" dirty="0">
+                          <a:solidFill>
+                            <a:srgbClr val="D8D8D8"/>
+                          </a:solidFill>
+                          <a:effectLst/>
+                          <a:latin typeface="inherit"/>
+                        </a:rPr>
+                        <a:t>,</a:t>
+                      </a:r>
+                      <a:r>
+                        <a:rPr lang="en-US" dirty="0">
+                          <a:solidFill>
+                            <a:srgbClr val="006FE0"/>
+                          </a:solidFill>
+                          <a:effectLst/>
+                          <a:latin typeface="inherit"/>
+                        </a:rPr>
+                        <a:t> </a:t>
+                      </a:r>
+                      <a:r>
+                        <a:rPr lang="en-US" dirty="0">
+                          <a:solidFill>
+                            <a:srgbClr val="BDB76B"/>
+                          </a:solidFill>
+                          <a:effectLst/>
+                          <a:latin typeface="inherit"/>
+                        </a:rPr>
+                        <a:t>letters</a:t>
+                      </a:r>
+                      <a:r>
+                        <a:rPr lang="en-US" dirty="0">
+                          <a:solidFill>
+                            <a:srgbClr val="D8D8D8"/>
+                          </a:solidFill>
+                          <a:effectLst/>
+                          <a:latin typeface="inherit"/>
+                        </a:rPr>
+                        <a:t>)</a:t>
+                      </a:r>
+                      <a:endParaRPr lang="en-US" dirty="0">
+                        <a:solidFill>
+                          <a:srgbClr val="FFFFFF"/>
+                        </a:solidFill>
+                        <a:effectLst/>
+                        <a:latin typeface="inherit"/>
+                      </a:endParaRPr>
+                    </a:p>
+                    <a:p>
+                      <a:pPr algn="l" fontAlgn="t"/>
+                      <a:r>
+                        <a:rPr lang="en-US" dirty="0">
+                          <a:solidFill>
+                            <a:srgbClr val="FFFFFF"/>
+                          </a:solidFill>
+                          <a:effectLst/>
+                          <a:latin typeface="inherit"/>
+                        </a:rPr>
+                        <a:t> </a:t>
+                      </a:r>
+                    </a:p>
+                    <a:p>
+                      <a:pPr algn="l" fontAlgn="t"/>
+                      <a:r>
+                        <a:rPr lang="en-US" i="1" dirty="0">
+                          <a:solidFill>
+                            <a:srgbClr val="57A64A"/>
+                          </a:solidFill>
+                          <a:effectLst/>
+                          <a:latin typeface="inherit"/>
+                        </a:rPr>
+                        <a:t># </a:t>
+                      </a:r>
+                      <a:r>
+                        <a:rPr lang="uk-UA" i="1" dirty="0">
+                          <a:solidFill>
+                            <a:srgbClr val="57A64A"/>
+                          </a:solidFill>
+                          <a:effectLst/>
+                          <a:latin typeface="inherit"/>
+                        </a:rPr>
+                        <a:t>Конвертуємо в кортеж</a:t>
+                      </a:r>
+                      <a:endParaRPr lang="uk-UA" dirty="0">
+                        <a:solidFill>
+                          <a:srgbClr val="FFFFFF"/>
+                        </a:solidFill>
+                        <a:effectLst/>
+                        <a:latin typeface="inherit"/>
+                      </a:endParaRPr>
+                    </a:p>
+                    <a:p>
+                      <a:pPr algn="l" fontAlgn="t"/>
+                      <a:r>
+                        <a:rPr lang="en-US" dirty="0">
+                          <a:solidFill>
+                            <a:srgbClr val="BDB76B"/>
+                          </a:solidFill>
+                          <a:effectLst/>
+                          <a:latin typeface="inherit"/>
+                        </a:rPr>
+                        <a:t>vowels</a:t>
+                      </a:r>
+                      <a:r>
+                        <a:rPr lang="en-US" dirty="0">
+                          <a:solidFill>
+                            <a:srgbClr val="006FE0"/>
+                          </a:solidFill>
+                          <a:effectLst/>
+                          <a:latin typeface="inherit"/>
+                        </a:rPr>
+                        <a:t> </a:t>
+                      </a:r>
+                      <a:r>
+                        <a:rPr lang="en-US" dirty="0">
+                          <a:solidFill>
+                            <a:srgbClr val="DADADA"/>
+                          </a:solidFill>
+                          <a:effectLst/>
+                          <a:latin typeface="inherit"/>
+                        </a:rPr>
+                        <a:t>=</a:t>
+                      </a:r>
+                      <a:r>
+                        <a:rPr lang="en-US" dirty="0">
+                          <a:solidFill>
+                            <a:srgbClr val="006FE0"/>
+                          </a:solidFill>
+                          <a:effectLst/>
+                          <a:latin typeface="inherit"/>
+                        </a:rPr>
+                        <a:t> </a:t>
+                      </a:r>
+                      <a:r>
+                        <a:rPr lang="en-US" dirty="0">
+                          <a:solidFill>
+                            <a:srgbClr val="569CD6"/>
+                          </a:solidFill>
+                          <a:effectLst/>
+                          <a:latin typeface="inherit"/>
+                        </a:rPr>
+                        <a:t>tuple</a:t>
+                      </a:r>
+                      <a:r>
+                        <a:rPr lang="en-US" dirty="0">
+                          <a:solidFill>
+                            <a:srgbClr val="D8D8D8"/>
+                          </a:solidFill>
+                          <a:effectLst/>
+                          <a:latin typeface="inherit"/>
+                        </a:rPr>
+                        <a:t>(</a:t>
+                      </a:r>
+                      <a:r>
+                        <a:rPr lang="en-US" dirty="0" err="1">
+                          <a:solidFill>
+                            <a:srgbClr val="BDB76B"/>
+                          </a:solidFill>
+                          <a:effectLst/>
+                          <a:latin typeface="inherit"/>
+                        </a:rPr>
+                        <a:t>filtered_vowels</a:t>
+                      </a:r>
+                      <a:r>
+                        <a:rPr lang="en-US" dirty="0">
+                          <a:solidFill>
+                            <a:srgbClr val="D8D8D8"/>
+                          </a:solidFill>
+                          <a:effectLst/>
+                          <a:latin typeface="inherit"/>
+                        </a:rPr>
+                        <a:t>)</a:t>
+                      </a:r>
+                      <a:endParaRPr lang="en-US" dirty="0">
+                        <a:solidFill>
+                          <a:srgbClr val="FFFFFF"/>
+                        </a:solidFill>
+                        <a:effectLst/>
+                        <a:latin typeface="inherit"/>
+                      </a:endParaRPr>
+                    </a:p>
+                    <a:p>
+                      <a:pPr algn="l" fontAlgn="t"/>
+                      <a:r>
+                        <a:rPr lang="en-US" dirty="0">
+                          <a:solidFill>
+                            <a:srgbClr val="569CD6"/>
+                          </a:solidFill>
+                          <a:effectLst/>
+                          <a:latin typeface="inherit"/>
+                        </a:rPr>
+                        <a:t>print</a:t>
+                      </a:r>
+                      <a:r>
+                        <a:rPr lang="en-US" dirty="0">
+                          <a:solidFill>
+                            <a:srgbClr val="D8D8D8"/>
+                          </a:solidFill>
+                          <a:effectLst/>
+                          <a:latin typeface="inherit"/>
+                        </a:rPr>
+                        <a:t>(</a:t>
+                      </a:r>
+                      <a:r>
+                        <a:rPr lang="en-US" dirty="0">
+                          <a:solidFill>
+                            <a:srgbClr val="BDB76B"/>
+                          </a:solidFill>
+                          <a:effectLst/>
+                          <a:latin typeface="inherit"/>
+                        </a:rPr>
+                        <a:t>vowels</a:t>
+                      </a:r>
+                      <a:r>
+                        <a:rPr lang="en-US" dirty="0">
+                          <a:solidFill>
+                            <a:srgbClr val="D8D8D8"/>
+                          </a:solidFill>
+                          <a:effectLst/>
+                          <a:latin typeface="inherit"/>
+                        </a:rPr>
+                        <a:t>)</a:t>
+                      </a:r>
+                      <a:endParaRPr lang="en-US" dirty="0">
+                        <a:solidFill>
+                          <a:srgbClr val="FFFFFF"/>
+                        </a:solidFill>
+                        <a:effectLst/>
+                        <a:latin typeface="inherit"/>
+                      </a:endParaRPr>
+                    </a:p>
+                  </a:txBody>
+                  <a:tcPr>
+                    <a:lnL w="7620" cap="flat" cmpd="sng" algn="ctr">
+                      <a:solidFill>
+                        <a:srgbClr val="8C8D8F"/>
+                      </a:solidFill>
+                      <a:prstDash val="solid"/>
+                      <a:round/>
+                      <a:headEnd type="none" w="med" len="med"/>
+                      <a:tailEnd type="none" w="med" len="med"/>
+                    </a:lnL>
+                    <a:lnR>
+                      <a:noFill/>
+                    </a:lnR>
+                    <a:lnT>
+                      <a:noFill/>
+                    </a:lnT>
+                    <a:lnB>
+                      <a:noFill/>
+                    </a:lnB>
+                    <a:solidFill>
+                      <a:srgbClr val="323232"/>
+                    </a:solidFill>
+                  </a:tcPr>
+                </a:tc>
+                <a:extLst>
+                  <a:ext uri="{0D108BD9-81ED-4DB2-BD59-A6C34878D82A}">
+                    <a16:rowId xmlns:a16="http://schemas.microsoft.com/office/drawing/2014/main" val="200749283"/>
+                  </a:ext>
+                </a:extLst>
+              </a:tr>
+            </a:tbl>
+          </a:graphicData>
+        </a:graphic>
+      </p:graphicFrame>
+      <p:sp>
+        <p:nvSpPr>
+          <p:cNvPr id="6" name="TextBox 5">
+            <a:extLst>
+              <a:ext uri="{FF2B5EF4-FFF2-40B4-BE49-F238E27FC236}">
+                <a16:creationId xmlns:a16="http://schemas.microsoft.com/office/drawing/2014/main" id="{82C33D26-3668-E2CA-617B-0BDFA0A6A41B}"/>
+              </a:ext>
+            </a:extLst>
+          </p:cNvPr>
+          <p:cNvSpPr txBox="1"/>
+          <p:nvPr/>
+        </p:nvSpPr>
+        <p:spPr>
+          <a:xfrm>
+            <a:off x="8589318" y="2396568"/>
+            <a:ext cx="6096000" cy="369332"/>
+          </a:xfrm>
+          <a:prstGeom prst="rect">
+            <a:avLst/>
+          </a:prstGeom>
+          <a:noFill/>
+        </p:spPr>
+        <p:txBody>
+          <a:bodyPr wrap="square">
+            <a:spAutoFit/>
+          </a:bodyPr>
+          <a:lstStyle/>
+          <a:p>
+            <a:r>
+              <a:rPr lang="uk-UA" dirty="0"/>
+              <a:t>Результат:  ('a', 'e', 'i', 'o')</a:t>
+            </a:r>
+          </a:p>
+        </p:txBody>
+      </p:sp>
+      <p:sp>
+        <p:nvSpPr>
+          <p:cNvPr id="8" name="TextBox 7">
+            <a:extLst>
+              <a:ext uri="{FF2B5EF4-FFF2-40B4-BE49-F238E27FC236}">
+                <a16:creationId xmlns:a16="http://schemas.microsoft.com/office/drawing/2014/main" id="{8503156C-3D3B-2388-6D61-CBC36F8EDCA6}"/>
+              </a:ext>
+            </a:extLst>
+          </p:cNvPr>
+          <p:cNvSpPr txBox="1"/>
+          <p:nvPr/>
+        </p:nvSpPr>
+        <p:spPr>
+          <a:xfrm>
+            <a:off x="554682" y="4734538"/>
+            <a:ext cx="7344696" cy="1477328"/>
+          </a:xfrm>
+          <a:prstGeom prst="rect">
+            <a:avLst/>
+          </a:prstGeom>
+          <a:noFill/>
+        </p:spPr>
+        <p:txBody>
+          <a:bodyPr wrap="square">
+            <a:spAutoFit/>
+          </a:bodyPr>
+          <a:lstStyle/>
+          <a:p>
+            <a:r>
+              <a:rPr lang="uk-UA" dirty="0"/>
+              <a:t>Тут функція </a:t>
+            </a:r>
+            <a:r>
+              <a:rPr lang="uk-UA" dirty="0" err="1"/>
+              <a:t>filter</a:t>
+            </a:r>
+            <a:r>
+              <a:rPr lang="uk-UA" dirty="0"/>
+              <a:t>() отримує лише голосні літери зі списку </a:t>
+            </a:r>
+            <a:r>
+              <a:rPr lang="uk-UA" dirty="0" err="1"/>
+              <a:t>letters</a:t>
+            </a:r>
+            <a:r>
+              <a:rPr lang="uk-UA" dirty="0"/>
+              <a:t>. Ось як працює цей код:     </a:t>
+            </a:r>
+            <a:endParaRPr lang="en-US" dirty="0"/>
+          </a:p>
+          <a:p>
+            <a:r>
+              <a:rPr lang="uk-UA" dirty="0"/>
+              <a:t>кожен елемент списку </a:t>
+            </a:r>
+            <a:r>
+              <a:rPr lang="uk-UA" dirty="0" err="1"/>
+              <a:t>letters</a:t>
+            </a:r>
+            <a:r>
+              <a:rPr lang="uk-UA" dirty="0"/>
+              <a:t> передається у функцію </a:t>
+            </a:r>
+            <a:r>
+              <a:rPr lang="uk-UA" dirty="0" err="1"/>
+              <a:t>filter_vowels</a:t>
+            </a:r>
+            <a:r>
+              <a:rPr lang="uk-UA" dirty="0"/>
+              <a:t>();     </a:t>
+            </a:r>
+            <a:endParaRPr lang="en-US" dirty="0"/>
+          </a:p>
+          <a:p>
+            <a:r>
+              <a:rPr lang="uk-UA" dirty="0"/>
+              <a:t>якщо функція </a:t>
+            </a:r>
+            <a:r>
+              <a:rPr lang="uk-UA" dirty="0" err="1"/>
+              <a:t>filter_vowels</a:t>
+            </a:r>
+            <a:r>
+              <a:rPr lang="uk-UA" dirty="0"/>
+              <a:t>() повертає </a:t>
+            </a:r>
+            <a:r>
+              <a:rPr lang="uk-UA" dirty="0" err="1"/>
+              <a:t>True</a:t>
+            </a:r>
+            <a:r>
+              <a:rPr lang="uk-UA" dirty="0"/>
+              <a:t>, цей елемент вилучається, в протилежному випадку він ігнорується.</a:t>
+            </a:r>
+          </a:p>
+        </p:txBody>
+      </p:sp>
+      <p:sp>
+        <p:nvSpPr>
+          <p:cNvPr id="10" name="TextBox 9">
+            <a:extLst>
+              <a:ext uri="{FF2B5EF4-FFF2-40B4-BE49-F238E27FC236}">
+                <a16:creationId xmlns:a16="http://schemas.microsoft.com/office/drawing/2014/main" id="{F3CD4DD5-723A-7E80-44FD-F1DC365A231E}"/>
+              </a:ext>
+            </a:extLst>
+          </p:cNvPr>
+          <p:cNvSpPr txBox="1"/>
+          <p:nvPr/>
+        </p:nvSpPr>
+        <p:spPr>
+          <a:xfrm>
+            <a:off x="7899378" y="5657671"/>
+            <a:ext cx="4292622" cy="1200329"/>
+          </a:xfrm>
+          <a:prstGeom prst="rect">
+            <a:avLst/>
+          </a:prstGeom>
+          <a:noFill/>
+        </p:spPr>
+        <p:txBody>
+          <a:bodyPr wrap="square">
+            <a:spAutoFit/>
+          </a:bodyPr>
+          <a:lstStyle/>
+          <a:p>
+            <a:pPr algn="l"/>
+            <a:r>
+              <a:rPr lang="ru-RU" b="1" i="1" dirty="0" err="1">
+                <a:solidFill>
+                  <a:srgbClr val="000000"/>
+                </a:solidFill>
+                <a:effectLst/>
+                <a:latin typeface="Open Sans" panose="020B0606030504020204" pitchFamily="34" charset="0"/>
+              </a:rPr>
+              <a:t>Примітка</a:t>
+            </a:r>
+            <a:r>
+              <a:rPr lang="ru-RU" b="1" i="1" dirty="0">
+                <a:solidFill>
+                  <a:srgbClr val="000000"/>
+                </a:solidFill>
+                <a:effectLst/>
+                <a:latin typeface="Open Sans" panose="020B0606030504020204" pitchFamily="34" charset="0"/>
+              </a:rPr>
+              <a:t>: </a:t>
+            </a:r>
+            <a:r>
+              <a:rPr lang="ru-RU" b="0" i="0" dirty="0" err="1">
+                <a:solidFill>
+                  <a:srgbClr val="000000"/>
+                </a:solidFill>
+                <a:effectLst/>
+                <a:latin typeface="Open Sans" panose="020B0606030504020204" pitchFamily="34" charset="0"/>
+              </a:rPr>
+              <a:t>Фільтрувати</a:t>
+            </a:r>
+            <a:r>
+              <a:rPr lang="ru-RU" b="0" i="0" dirty="0">
+                <a:solidFill>
+                  <a:srgbClr val="000000"/>
+                </a:solidFill>
+                <a:effectLst/>
+                <a:latin typeface="Open Sans" panose="020B0606030504020204" pitchFamily="34" charset="0"/>
+              </a:rPr>
+              <a:t> списки також </a:t>
+            </a:r>
+            <a:r>
+              <a:rPr lang="ru-RU" b="0" i="0" dirty="0" err="1">
+                <a:solidFill>
+                  <a:srgbClr val="000000"/>
+                </a:solidFill>
+                <a:effectLst/>
+                <a:latin typeface="Open Sans" panose="020B0606030504020204" pitchFamily="34" charset="0"/>
+              </a:rPr>
+              <a:t>можна</a:t>
+            </a:r>
+            <a:r>
+              <a:rPr lang="ru-RU" b="0" i="0" dirty="0">
+                <a:solidFill>
+                  <a:srgbClr val="000000"/>
+                </a:solidFill>
+                <a:effectLst/>
+                <a:latin typeface="Open Sans" panose="020B0606030504020204" pitchFamily="34" charset="0"/>
+              </a:rPr>
+              <a:t> за </a:t>
+            </a:r>
+            <a:r>
+              <a:rPr lang="ru-RU" b="0" i="0" dirty="0" err="1">
+                <a:solidFill>
+                  <a:srgbClr val="000000"/>
+                </a:solidFill>
+                <a:effectLst/>
+                <a:latin typeface="Open Sans" panose="020B0606030504020204" pitchFamily="34" charset="0"/>
+              </a:rPr>
+              <a:t>допомогою</a:t>
+            </a:r>
+            <a:r>
+              <a:rPr lang="ru-RU" b="0" i="0" dirty="0">
+                <a:solidFill>
+                  <a:srgbClr val="000000"/>
+                </a:solidFill>
+                <a:effectLst/>
+                <a:latin typeface="Open Sans" panose="020B0606030504020204" pitchFamily="34" charset="0"/>
+              </a:rPr>
+              <a:t> </a:t>
+            </a:r>
+            <a:r>
+              <a:rPr lang="ru-RU" b="1" i="0" u="none" strike="noStrike" dirty="0">
+                <a:solidFill>
+                  <a:srgbClr val="1ABC9C"/>
+                </a:solidFill>
+                <a:effectLst/>
+                <a:latin typeface="Open Sans" panose="020B0606030504020204" pitchFamily="34" charset="0"/>
+              </a:rPr>
+              <a:t>циклу</a:t>
+            </a:r>
+            <a:r>
+              <a:rPr lang="ru-RU" b="0" i="0" dirty="0">
+                <a:solidFill>
+                  <a:srgbClr val="000000"/>
+                </a:solidFill>
+                <a:effectLst/>
+                <a:latin typeface="Open Sans" panose="020B0606030504020204" pitchFamily="34" charset="0"/>
+              </a:rPr>
+              <a:t>, </a:t>
+            </a:r>
+            <a:r>
+              <a:rPr lang="ru-RU" b="0" i="0" dirty="0" err="1">
+                <a:solidFill>
+                  <a:srgbClr val="000000"/>
+                </a:solidFill>
+                <a:effectLst/>
+                <a:latin typeface="Open Sans" panose="020B0606030504020204" pitchFamily="34" charset="0"/>
+              </a:rPr>
+              <a:t>проте</a:t>
+            </a:r>
+            <a:r>
+              <a:rPr lang="ru-RU" b="0" i="0" dirty="0">
+                <a:solidFill>
+                  <a:srgbClr val="000000"/>
+                </a:solidFill>
+                <a:effectLst/>
+                <a:latin typeface="Open Sans" panose="020B0606030504020204" pitchFamily="34" charset="0"/>
+              </a:rPr>
+              <a:t> </a:t>
+            </a:r>
+            <a:r>
+              <a:rPr lang="ru-RU" b="0" i="0" dirty="0" err="1">
+                <a:solidFill>
+                  <a:srgbClr val="000000"/>
+                </a:solidFill>
+                <a:effectLst/>
+                <a:latin typeface="Open Sans" panose="020B0606030504020204" pitchFamily="34" charset="0"/>
+              </a:rPr>
+              <a:t>використання</a:t>
+            </a:r>
+            <a:r>
+              <a:rPr lang="ru-RU" b="0" i="0" dirty="0">
+                <a:solidFill>
+                  <a:srgbClr val="000000"/>
+                </a:solidFill>
+                <a:effectLst/>
+                <a:latin typeface="Open Sans" panose="020B0606030504020204" pitchFamily="34" charset="0"/>
+              </a:rPr>
+              <a:t> </a:t>
+            </a:r>
+            <a:r>
+              <a:rPr lang="ru-RU" b="0" i="0" dirty="0" err="1">
+                <a:solidFill>
+                  <a:srgbClr val="000000"/>
+                </a:solidFill>
+                <a:effectLst/>
+                <a:latin typeface="Open Sans" panose="020B0606030504020204" pitchFamily="34" charset="0"/>
+              </a:rPr>
+              <a:t>функції</a:t>
+            </a:r>
+            <a:r>
+              <a:rPr lang="ru-RU" b="0" i="0" dirty="0">
+                <a:solidFill>
+                  <a:srgbClr val="000000"/>
+                </a:solidFill>
+                <a:effectLst/>
+                <a:latin typeface="Open Sans" panose="020B0606030504020204" pitchFamily="34" charset="0"/>
+              </a:rPr>
+              <a:t> </a:t>
+            </a:r>
+            <a:r>
+              <a:rPr lang="ru-RU" b="0" i="0" dirty="0" err="1">
+                <a:solidFill>
+                  <a:srgbClr val="000000"/>
+                </a:solidFill>
+                <a:effectLst/>
+                <a:latin typeface="Open Sans" panose="020B0606030504020204" pitchFamily="34" charset="0"/>
+              </a:rPr>
+              <a:t>filter</a:t>
+            </a:r>
+            <a:r>
+              <a:rPr lang="ru-RU" b="0" i="0" dirty="0">
+                <a:solidFill>
+                  <a:srgbClr val="000000"/>
+                </a:solidFill>
+                <a:effectLst/>
+                <a:latin typeface="Open Sans" panose="020B0606030504020204" pitchFamily="34" charset="0"/>
+              </a:rPr>
+              <a:t>() </a:t>
+            </a:r>
+            <a:r>
+              <a:rPr lang="ru-RU" b="0" i="0" dirty="0" err="1">
+                <a:solidFill>
+                  <a:srgbClr val="000000"/>
+                </a:solidFill>
+                <a:effectLst/>
+                <a:latin typeface="Open Sans" panose="020B0606030504020204" pitchFamily="34" charset="0"/>
+              </a:rPr>
+              <a:t>набагато</a:t>
+            </a:r>
+            <a:r>
+              <a:rPr lang="ru-RU" b="0" i="0" dirty="0">
+                <a:solidFill>
+                  <a:srgbClr val="000000"/>
+                </a:solidFill>
+                <a:effectLst/>
+                <a:latin typeface="Open Sans" panose="020B0606030504020204" pitchFamily="34" charset="0"/>
+              </a:rPr>
+              <a:t> </a:t>
+            </a:r>
+            <a:r>
+              <a:rPr lang="ru-RU" b="0" i="0" dirty="0" err="1">
+                <a:solidFill>
+                  <a:srgbClr val="000000"/>
+                </a:solidFill>
+                <a:effectLst/>
+                <a:latin typeface="Open Sans" panose="020B0606030504020204" pitchFamily="34" charset="0"/>
+              </a:rPr>
+              <a:t>простіше</a:t>
+            </a:r>
+            <a:r>
+              <a:rPr lang="ru-RU" b="0" i="0" dirty="0">
+                <a:solidFill>
+                  <a:srgbClr val="000000"/>
+                </a:solidFill>
+                <a:effectLst/>
+                <a:latin typeface="Open Sans" panose="020B0606030504020204" pitchFamily="34" charset="0"/>
+              </a:rPr>
+              <a:t>.</a:t>
+            </a:r>
+          </a:p>
+        </p:txBody>
+      </p:sp>
+    </p:spTree>
+    <p:extLst>
+      <p:ext uri="{BB962C8B-B14F-4D97-AF65-F5344CB8AC3E}">
+        <p14:creationId xmlns:p14="http://schemas.microsoft.com/office/powerpoint/2010/main" val="45268778"/>
+      </p:ext>
+    </p:extLst>
+  </p:cSld>
+  <p:clrMapOvr>
+    <a:masterClrMapping/>
+  </p:clrMapOvr>
+</p:sld>
+</file>
+
+<file path=ppt/slides/slide12.xml><?xml version="1.0" encoding="utf-8"?>
+<p:sld xmlns:a="http://schemas.openxmlformats.org/drawingml/2006/main" xmlns:r="http://schemas.openxmlformats.org/officeDocument/2006/relationships" xmlns:p="http://schemas.openxmlformats.org/presentationml/2006/main">
+  <p:cSld>
+    <p:spTree>
+      <p:nvGrpSpPr>
+        <p:cNvPr id="1" name=""/>
+        <p:cNvGrpSpPr/>
+        <p:nvPr/>
+      </p:nvGrpSpPr>
+      <p:grpSpPr>
+        <a:xfrm>
+          <a:off x="0" y="0"/>
+          <a:ext cx="0" cy="0"/>
+          <a:chOff x="0" y="0"/>
+          <a:chExt cx="0" cy="0"/>
+        </a:xfrm>
+      </p:grpSpPr>
+      <p:sp>
+        <p:nvSpPr>
+          <p:cNvPr id="3" name="TextBox 2">
+            <a:extLst>
+              <a:ext uri="{FF2B5EF4-FFF2-40B4-BE49-F238E27FC236}">
+                <a16:creationId xmlns:a16="http://schemas.microsoft.com/office/drawing/2014/main" id="{F6C640B8-0F5D-C067-B52B-AD3B0086B7CF}"/>
+              </a:ext>
+            </a:extLst>
+          </p:cNvPr>
+          <p:cNvSpPr txBox="1"/>
+          <p:nvPr/>
+        </p:nvSpPr>
+        <p:spPr>
+          <a:xfrm>
+            <a:off x="0" y="255242"/>
+            <a:ext cx="12192000" cy="2308324"/>
+          </a:xfrm>
+          <a:prstGeom prst="rect">
+            <a:avLst/>
+          </a:prstGeom>
+          <a:noFill/>
+        </p:spPr>
+        <p:txBody>
+          <a:bodyPr wrap="square">
+            <a:spAutoFit/>
+          </a:bodyPr>
+          <a:lstStyle/>
+          <a:p>
+            <a:pPr algn="ctr"/>
+            <a:r>
+              <a:rPr lang="uk-UA" sz="3600" b="1" i="0" dirty="0">
+                <a:solidFill>
+                  <a:srgbClr val="000000"/>
+                </a:solidFill>
+                <a:effectLst/>
+                <a:latin typeface="Segoe UI" panose="020B0502040204020203" pitchFamily="34" charset="0"/>
+              </a:rPr>
+              <a:t>Приклад №2: Використання лямбда-функції всередині функції </a:t>
+            </a:r>
+            <a:r>
+              <a:rPr lang="en-US" sz="3600" b="1" i="0" dirty="0">
+                <a:solidFill>
+                  <a:srgbClr val="000000"/>
+                </a:solidFill>
+                <a:effectLst/>
+                <a:latin typeface="Segoe UI" panose="020B0502040204020203" pitchFamily="34" charset="0"/>
+              </a:rPr>
+              <a:t>filter()</a:t>
+            </a:r>
+          </a:p>
+          <a:p>
+            <a:pPr algn="ctr"/>
+            <a:br>
+              <a:rPr lang="en-US" sz="3600" dirty="0"/>
+            </a:br>
+            <a:endParaRPr lang="uk-UA" sz="3600" dirty="0"/>
+          </a:p>
+        </p:txBody>
+      </p:sp>
+      <p:graphicFrame>
+        <p:nvGraphicFramePr>
+          <p:cNvPr id="4" name="Таблица 3">
+            <a:extLst>
+              <a:ext uri="{FF2B5EF4-FFF2-40B4-BE49-F238E27FC236}">
+                <a16:creationId xmlns:a16="http://schemas.microsoft.com/office/drawing/2014/main" id="{65D7D913-1B88-B942-B45E-A8166FBF3EDC}"/>
+              </a:ext>
+            </a:extLst>
+          </p:cNvPr>
+          <p:cNvGraphicFramePr>
+            <a:graphicFrameLocks noGrp="1"/>
+          </p:cNvGraphicFramePr>
+          <p:nvPr>
+            <p:extLst>
+              <p:ext uri="{D42A27DB-BD31-4B8C-83A1-F6EECF244321}">
+                <p14:modId xmlns:p14="http://schemas.microsoft.com/office/powerpoint/2010/main" val="2257152675"/>
+              </p:ext>
+            </p:extLst>
+          </p:nvPr>
+        </p:nvGraphicFramePr>
+        <p:xfrm>
+          <a:off x="388384" y="1659250"/>
+          <a:ext cx="7895283" cy="2560320"/>
+        </p:xfrm>
+        <a:graphic>
+          <a:graphicData uri="http://schemas.openxmlformats.org/drawingml/2006/table">
+            <a:tbl>
+              <a:tblPr/>
+              <a:tblGrid>
+                <a:gridCol w="279946">
+                  <a:extLst>
+                    <a:ext uri="{9D8B030D-6E8A-4147-A177-3AD203B41FA5}">
+                      <a16:colId xmlns:a16="http://schemas.microsoft.com/office/drawing/2014/main" val="4254051247"/>
+                    </a:ext>
+                  </a:extLst>
+                </a:gridCol>
+                <a:gridCol w="7615337">
+                  <a:extLst>
+                    <a:ext uri="{9D8B030D-6E8A-4147-A177-3AD203B41FA5}">
+                      <a16:colId xmlns:a16="http://schemas.microsoft.com/office/drawing/2014/main" val="2452562762"/>
+                    </a:ext>
+                  </a:extLst>
+                </a:gridCol>
+              </a:tblGrid>
+              <a:tr h="0">
+                <a:tc>
+                  <a:txBody>
+                    <a:bodyPr/>
+                    <a:lstStyle/>
+                    <a:p>
+                      <a:pPr algn="ctr" fontAlgn="t"/>
+                      <a:r>
+                        <a:rPr lang="uk-UA">
+                          <a:solidFill>
+                            <a:srgbClr val="C2C2C2"/>
+                          </a:solidFill>
+                          <a:effectLst/>
+                          <a:latin typeface="inherit"/>
+                        </a:rPr>
+                        <a:t>1</a:t>
+                      </a:r>
+                    </a:p>
+                    <a:p>
+                      <a:pPr algn="ctr" fontAlgn="t"/>
+                      <a:r>
+                        <a:rPr lang="uk-UA">
+                          <a:solidFill>
+                            <a:srgbClr val="C2C2C2"/>
+                          </a:solidFill>
+                          <a:effectLst/>
+                          <a:latin typeface="inherit"/>
+                        </a:rPr>
+                        <a:t>2</a:t>
+                      </a:r>
+                    </a:p>
+                    <a:p>
+                      <a:pPr algn="ctr" fontAlgn="t"/>
+                      <a:r>
+                        <a:rPr lang="uk-UA">
+                          <a:solidFill>
+                            <a:srgbClr val="C2C2C2"/>
+                          </a:solidFill>
+                          <a:effectLst/>
+                          <a:latin typeface="inherit"/>
+                        </a:rPr>
+                        <a:t>3</a:t>
+                      </a:r>
+                    </a:p>
+                    <a:p>
+                      <a:pPr algn="ctr" fontAlgn="t"/>
+                      <a:r>
+                        <a:rPr lang="uk-UA">
+                          <a:solidFill>
+                            <a:srgbClr val="C2C2C2"/>
+                          </a:solidFill>
+                          <a:effectLst/>
+                          <a:latin typeface="inherit"/>
+                        </a:rPr>
+                        <a:t>4</a:t>
+                      </a:r>
+                    </a:p>
+                    <a:p>
+                      <a:pPr algn="ctr" fontAlgn="t"/>
+                      <a:r>
+                        <a:rPr lang="uk-UA">
+                          <a:solidFill>
+                            <a:srgbClr val="C2C2C2"/>
+                          </a:solidFill>
+                          <a:effectLst/>
+                          <a:latin typeface="inherit"/>
+                        </a:rPr>
+                        <a:t>5</a:t>
+                      </a:r>
+                    </a:p>
+                    <a:p>
+                      <a:pPr algn="ctr" fontAlgn="t"/>
+                      <a:r>
+                        <a:rPr lang="uk-UA">
+                          <a:solidFill>
+                            <a:srgbClr val="C2C2C2"/>
+                          </a:solidFill>
+                          <a:effectLst/>
+                          <a:latin typeface="inherit"/>
+                        </a:rPr>
+                        <a:t>6</a:t>
+                      </a:r>
+                    </a:p>
+                    <a:p>
+                      <a:pPr algn="ctr" fontAlgn="t"/>
+                      <a:r>
+                        <a:rPr lang="uk-UA">
+                          <a:solidFill>
+                            <a:srgbClr val="C2C2C2"/>
+                          </a:solidFill>
+                          <a:effectLst/>
+                          <a:latin typeface="inherit"/>
+                        </a:rPr>
+                        <a:t>7</a:t>
+                      </a:r>
+                    </a:p>
+                    <a:p>
+                      <a:pPr algn="ctr" fontAlgn="t"/>
+                      <a:r>
+                        <a:rPr lang="uk-UA">
+                          <a:solidFill>
+                            <a:srgbClr val="C2C2C2"/>
+                          </a:solidFill>
+                          <a:effectLst/>
+                          <a:latin typeface="inherit"/>
+                        </a:rPr>
+                        <a:t>8</a:t>
+                      </a:r>
+                    </a:p>
+                    <a:p>
+                      <a:pPr algn="ctr" fontAlgn="t"/>
+                      <a:r>
+                        <a:rPr lang="uk-UA">
+                          <a:solidFill>
+                            <a:srgbClr val="C2C2C2"/>
+                          </a:solidFill>
+                          <a:effectLst/>
+                          <a:latin typeface="inherit"/>
+                        </a:rPr>
+                        <a:t>9</a:t>
+                      </a:r>
+                    </a:p>
+                  </a:txBody>
+                  <a:tcPr>
+                    <a:lnL>
+                      <a:noFill/>
+                    </a:lnL>
+                    <a:lnR w="7620" cap="flat" cmpd="sng" algn="ctr">
+                      <a:solidFill>
+                        <a:srgbClr val="8C8D8F"/>
+                      </a:solidFill>
+                      <a:prstDash val="solid"/>
+                      <a:round/>
+                      <a:headEnd type="none" w="med" len="med"/>
+                      <a:tailEnd type="none" w="med" len="med"/>
+                    </a:lnR>
+                    <a:lnT>
+                      <a:noFill/>
+                    </a:lnT>
+                    <a:lnB>
+                      <a:noFill/>
+                    </a:lnB>
+                    <a:solidFill>
+                      <a:srgbClr val="303030"/>
+                    </a:solidFill>
+                  </a:tcPr>
+                </a:tc>
+                <a:tc>
+                  <a:txBody>
+                    <a:bodyPr/>
+                    <a:lstStyle/>
+                    <a:p>
+                      <a:pPr algn="l" fontAlgn="t"/>
+                      <a:r>
+                        <a:rPr lang="en-US" dirty="0">
+                          <a:solidFill>
+                            <a:srgbClr val="569CD6"/>
+                          </a:solidFill>
+                          <a:effectLst/>
+                          <a:latin typeface="inherit"/>
+                        </a:rPr>
+                        <a:t>numbers</a:t>
+                      </a:r>
+                      <a:r>
+                        <a:rPr lang="en-US" dirty="0">
+                          <a:solidFill>
+                            <a:srgbClr val="006FE0"/>
+                          </a:solidFill>
+                          <a:effectLst/>
+                          <a:latin typeface="inherit"/>
+                        </a:rPr>
+                        <a:t> </a:t>
+                      </a:r>
+                      <a:r>
+                        <a:rPr lang="en-US" dirty="0">
+                          <a:solidFill>
+                            <a:srgbClr val="DADADA"/>
+                          </a:solidFill>
+                          <a:effectLst/>
+                          <a:latin typeface="inherit"/>
+                        </a:rPr>
+                        <a:t>=</a:t>
+                      </a:r>
+                      <a:r>
+                        <a:rPr lang="en-US" dirty="0">
+                          <a:solidFill>
+                            <a:srgbClr val="006FE0"/>
+                          </a:solidFill>
+                          <a:effectLst/>
+                          <a:latin typeface="inherit"/>
+                        </a:rPr>
+                        <a:t> </a:t>
+                      </a:r>
+                      <a:r>
+                        <a:rPr lang="en-US" dirty="0">
+                          <a:solidFill>
+                            <a:srgbClr val="D8D8D8"/>
+                          </a:solidFill>
+                          <a:effectLst/>
+                          <a:latin typeface="inherit"/>
+                        </a:rPr>
+                        <a:t>[</a:t>
+                      </a:r>
+                      <a:r>
+                        <a:rPr lang="en-US" dirty="0">
+                          <a:solidFill>
+                            <a:srgbClr val="E7A37A"/>
+                          </a:solidFill>
+                          <a:effectLst/>
+                          <a:latin typeface="inherit"/>
+                        </a:rPr>
+                        <a:t>1</a:t>
+                      </a:r>
+                      <a:r>
+                        <a:rPr lang="en-US" dirty="0">
+                          <a:solidFill>
+                            <a:srgbClr val="D8D8D8"/>
+                          </a:solidFill>
+                          <a:effectLst/>
+                          <a:latin typeface="inherit"/>
+                        </a:rPr>
+                        <a:t>,</a:t>
+                      </a:r>
+                      <a:r>
+                        <a:rPr lang="en-US" dirty="0">
+                          <a:solidFill>
+                            <a:srgbClr val="006FE0"/>
+                          </a:solidFill>
+                          <a:effectLst/>
+                          <a:latin typeface="inherit"/>
+                        </a:rPr>
+                        <a:t> </a:t>
+                      </a:r>
+                      <a:r>
+                        <a:rPr lang="en-US" dirty="0">
+                          <a:solidFill>
+                            <a:srgbClr val="E7A37A"/>
+                          </a:solidFill>
+                          <a:effectLst/>
+                          <a:latin typeface="inherit"/>
+                        </a:rPr>
+                        <a:t>2</a:t>
+                      </a:r>
+                      <a:r>
+                        <a:rPr lang="en-US" dirty="0">
+                          <a:solidFill>
+                            <a:srgbClr val="D8D8D8"/>
+                          </a:solidFill>
+                          <a:effectLst/>
+                          <a:latin typeface="inherit"/>
+                        </a:rPr>
+                        <a:t>,</a:t>
+                      </a:r>
+                      <a:r>
+                        <a:rPr lang="en-US" dirty="0">
+                          <a:solidFill>
+                            <a:srgbClr val="006FE0"/>
+                          </a:solidFill>
+                          <a:effectLst/>
+                          <a:latin typeface="inherit"/>
+                        </a:rPr>
+                        <a:t> </a:t>
+                      </a:r>
+                      <a:r>
+                        <a:rPr lang="en-US" dirty="0">
+                          <a:solidFill>
+                            <a:srgbClr val="E7A37A"/>
+                          </a:solidFill>
+                          <a:effectLst/>
+                          <a:latin typeface="inherit"/>
+                        </a:rPr>
+                        <a:t>3</a:t>
+                      </a:r>
+                      <a:r>
+                        <a:rPr lang="en-US" dirty="0">
+                          <a:solidFill>
+                            <a:srgbClr val="D8D8D8"/>
+                          </a:solidFill>
+                          <a:effectLst/>
+                          <a:latin typeface="inherit"/>
+                        </a:rPr>
+                        <a:t>,</a:t>
+                      </a:r>
+                      <a:r>
+                        <a:rPr lang="en-US" dirty="0">
+                          <a:solidFill>
+                            <a:srgbClr val="006FE0"/>
+                          </a:solidFill>
+                          <a:effectLst/>
+                          <a:latin typeface="inherit"/>
+                        </a:rPr>
+                        <a:t> </a:t>
+                      </a:r>
+                      <a:r>
+                        <a:rPr lang="en-US" dirty="0">
+                          <a:solidFill>
+                            <a:srgbClr val="E7A37A"/>
+                          </a:solidFill>
+                          <a:effectLst/>
+                          <a:latin typeface="inherit"/>
+                        </a:rPr>
+                        <a:t>4</a:t>
+                      </a:r>
+                      <a:r>
+                        <a:rPr lang="en-US" dirty="0">
+                          <a:solidFill>
+                            <a:srgbClr val="D8D8D8"/>
+                          </a:solidFill>
+                          <a:effectLst/>
+                          <a:latin typeface="inherit"/>
+                        </a:rPr>
+                        <a:t>,</a:t>
+                      </a:r>
+                      <a:r>
+                        <a:rPr lang="en-US" dirty="0">
+                          <a:solidFill>
+                            <a:srgbClr val="006FE0"/>
+                          </a:solidFill>
+                          <a:effectLst/>
+                          <a:latin typeface="inherit"/>
+                        </a:rPr>
+                        <a:t> </a:t>
+                      </a:r>
+                      <a:r>
+                        <a:rPr lang="en-US" dirty="0">
+                          <a:solidFill>
+                            <a:srgbClr val="E7A37A"/>
+                          </a:solidFill>
+                          <a:effectLst/>
+                          <a:latin typeface="inherit"/>
+                        </a:rPr>
+                        <a:t>5</a:t>
+                      </a:r>
+                      <a:r>
+                        <a:rPr lang="en-US" dirty="0">
+                          <a:solidFill>
+                            <a:srgbClr val="D8D8D8"/>
+                          </a:solidFill>
+                          <a:effectLst/>
+                          <a:latin typeface="inherit"/>
+                        </a:rPr>
+                        <a:t>,</a:t>
+                      </a:r>
+                      <a:r>
+                        <a:rPr lang="en-US" dirty="0">
+                          <a:solidFill>
+                            <a:srgbClr val="006FE0"/>
+                          </a:solidFill>
+                          <a:effectLst/>
+                          <a:latin typeface="inherit"/>
+                        </a:rPr>
+                        <a:t> </a:t>
+                      </a:r>
+                      <a:r>
+                        <a:rPr lang="en-US" dirty="0">
+                          <a:solidFill>
+                            <a:srgbClr val="E7A37A"/>
+                          </a:solidFill>
+                          <a:effectLst/>
+                          <a:latin typeface="inherit"/>
+                        </a:rPr>
+                        <a:t>6</a:t>
+                      </a:r>
+                      <a:r>
+                        <a:rPr lang="en-US" dirty="0">
+                          <a:solidFill>
+                            <a:srgbClr val="D8D8D8"/>
+                          </a:solidFill>
+                          <a:effectLst/>
+                          <a:latin typeface="inherit"/>
+                        </a:rPr>
+                        <a:t>,</a:t>
+                      </a:r>
+                      <a:r>
+                        <a:rPr lang="en-US" dirty="0">
+                          <a:solidFill>
+                            <a:srgbClr val="006FE0"/>
+                          </a:solidFill>
+                          <a:effectLst/>
+                          <a:latin typeface="inherit"/>
+                        </a:rPr>
+                        <a:t> </a:t>
+                      </a:r>
+                      <a:r>
+                        <a:rPr lang="en-US" dirty="0">
+                          <a:solidFill>
+                            <a:srgbClr val="E7A37A"/>
+                          </a:solidFill>
+                          <a:effectLst/>
+                          <a:latin typeface="inherit"/>
+                        </a:rPr>
+                        <a:t>7</a:t>
+                      </a:r>
+                      <a:r>
+                        <a:rPr lang="en-US" dirty="0">
+                          <a:solidFill>
+                            <a:srgbClr val="D8D8D8"/>
+                          </a:solidFill>
+                          <a:effectLst/>
+                          <a:latin typeface="inherit"/>
+                        </a:rPr>
+                        <a:t>]</a:t>
+                      </a:r>
+                      <a:endParaRPr lang="en-US" dirty="0">
+                        <a:solidFill>
+                          <a:srgbClr val="FFFFFF"/>
+                        </a:solidFill>
+                        <a:effectLst/>
+                        <a:latin typeface="inherit"/>
+                      </a:endParaRPr>
+                    </a:p>
+                    <a:p>
+                      <a:pPr algn="l" fontAlgn="t"/>
+                      <a:r>
+                        <a:rPr lang="en-US" dirty="0">
+                          <a:solidFill>
+                            <a:srgbClr val="FFFFFF"/>
+                          </a:solidFill>
+                          <a:effectLst/>
+                          <a:latin typeface="inherit"/>
+                        </a:rPr>
+                        <a:t> </a:t>
+                      </a:r>
+                    </a:p>
+                    <a:p>
+                      <a:pPr algn="l" fontAlgn="t"/>
+                      <a:r>
+                        <a:rPr lang="en-US" i="1" dirty="0">
+                          <a:solidFill>
+                            <a:srgbClr val="57A64A"/>
+                          </a:solidFill>
+                          <a:effectLst/>
+                          <a:latin typeface="inherit"/>
+                        </a:rPr>
+                        <a:t># </a:t>
+                      </a:r>
+                      <a:r>
+                        <a:rPr lang="uk-UA" i="1" dirty="0">
+                          <a:solidFill>
+                            <a:srgbClr val="57A64A"/>
+                          </a:solidFill>
+                          <a:effectLst/>
+                          <a:latin typeface="inherit"/>
+                        </a:rPr>
+                        <a:t>Лямбда-функція повертає </a:t>
+                      </a:r>
+                      <a:r>
+                        <a:rPr lang="en-US" i="1" dirty="0">
+                          <a:solidFill>
+                            <a:srgbClr val="57A64A"/>
+                          </a:solidFill>
+                          <a:effectLst/>
+                          <a:latin typeface="inherit"/>
+                        </a:rPr>
+                        <a:t>True </a:t>
+                      </a:r>
+                      <a:r>
+                        <a:rPr lang="uk-UA" i="1" dirty="0">
+                          <a:solidFill>
+                            <a:srgbClr val="57A64A"/>
+                          </a:solidFill>
+                          <a:effectLst/>
+                          <a:latin typeface="inherit"/>
+                        </a:rPr>
+                        <a:t>для парних чисел</a:t>
+                      </a:r>
+                      <a:endParaRPr lang="uk-UA" dirty="0">
+                        <a:solidFill>
+                          <a:srgbClr val="FFFFFF"/>
+                        </a:solidFill>
+                        <a:effectLst/>
+                        <a:latin typeface="inherit"/>
+                      </a:endParaRPr>
+                    </a:p>
+                    <a:p>
+                      <a:pPr algn="l" fontAlgn="t"/>
+                      <a:r>
+                        <a:rPr lang="en-US" dirty="0" err="1">
+                          <a:solidFill>
+                            <a:srgbClr val="BDB76B"/>
+                          </a:solidFill>
+                          <a:effectLst/>
+                          <a:latin typeface="inherit"/>
+                        </a:rPr>
+                        <a:t>even_numbers_iterator</a:t>
+                      </a:r>
+                      <a:r>
+                        <a:rPr lang="en-US" dirty="0">
+                          <a:solidFill>
+                            <a:srgbClr val="006FE0"/>
+                          </a:solidFill>
+                          <a:effectLst/>
+                          <a:latin typeface="inherit"/>
+                        </a:rPr>
+                        <a:t> </a:t>
+                      </a:r>
+                      <a:r>
+                        <a:rPr lang="en-US" dirty="0">
+                          <a:solidFill>
+                            <a:srgbClr val="DADADA"/>
+                          </a:solidFill>
+                          <a:effectLst/>
+                          <a:latin typeface="inherit"/>
+                        </a:rPr>
+                        <a:t>=</a:t>
+                      </a:r>
+                      <a:r>
+                        <a:rPr lang="en-US" dirty="0">
+                          <a:solidFill>
+                            <a:srgbClr val="006FE0"/>
+                          </a:solidFill>
+                          <a:effectLst/>
+                          <a:latin typeface="inherit"/>
+                        </a:rPr>
+                        <a:t> </a:t>
+                      </a:r>
+                      <a:r>
+                        <a:rPr lang="en-US" dirty="0">
+                          <a:solidFill>
+                            <a:srgbClr val="569CD6"/>
+                          </a:solidFill>
+                          <a:effectLst/>
+                          <a:latin typeface="inherit"/>
+                        </a:rPr>
+                        <a:t>filter</a:t>
+                      </a:r>
+                      <a:r>
+                        <a:rPr lang="en-US" dirty="0">
+                          <a:solidFill>
+                            <a:srgbClr val="D8D8D8"/>
+                          </a:solidFill>
+                          <a:effectLst/>
+                          <a:latin typeface="inherit"/>
+                        </a:rPr>
+                        <a:t>(</a:t>
+                      </a:r>
+                      <a:r>
+                        <a:rPr lang="en-US" dirty="0">
+                          <a:solidFill>
+                            <a:srgbClr val="F4BB15"/>
+                          </a:solidFill>
+                          <a:effectLst/>
+                          <a:latin typeface="inherit"/>
+                        </a:rPr>
+                        <a:t>lambda</a:t>
+                      </a:r>
+                      <a:r>
+                        <a:rPr lang="en-US" dirty="0">
+                          <a:solidFill>
+                            <a:srgbClr val="006FE0"/>
+                          </a:solidFill>
+                          <a:effectLst/>
+                          <a:latin typeface="inherit"/>
+                        </a:rPr>
+                        <a:t> </a:t>
+                      </a:r>
+                      <a:r>
+                        <a:rPr lang="en-US" dirty="0">
+                          <a:solidFill>
+                            <a:srgbClr val="BDB76B"/>
+                          </a:solidFill>
+                          <a:effectLst/>
+                          <a:latin typeface="inherit"/>
+                        </a:rPr>
+                        <a:t>x</a:t>
+                      </a:r>
+                      <a:r>
+                        <a:rPr lang="en-US" dirty="0">
+                          <a:solidFill>
+                            <a:srgbClr val="DADADA"/>
+                          </a:solidFill>
+                          <a:effectLst/>
+                          <a:latin typeface="inherit"/>
+                        </a:rPr>
+                        <a:t>:</a:t>
+                      </a:r>
+                      <a:r>
+                        <a:rPr lang="en-US" dirty="0">
+                          <a:solidFill>
+                            <a:srgbClr val="006FE0"/>
+                          </a:solidFill>
+                          <a:effectLst/>
+                          <a:latin typeface="inherit"/>
+                        </a:rPr>
+                        <a:t> </a:t>
+                      </a:r>
+                      <a:r>
+                        <a:rPr lang="en-US" dirty="0">
+                          <a:solidFill>
+                            <a:srgbClr val="D8D8D8"/>
+                          </a:solidFill>
+                          <a:effectLst/>
+                          <a:latin typeface="inherit"/>
+                        </a:rPr>
+                        <a:t>(</a:t>
+                      </a:r>
+                      <a:r>
+                        <a:rPr lang="en-US" dirty="0">
+                          <a:solidFill>
+                            <a:srgbClr val="BDB76B"/>
+                          </a:solidFill>
+                          <a:effectLst/>
+                          <a:latin typeface="inherit"/>
+                        </a:rPr>
+                        <a:t>x</a:t>
+                      </a:r>
+                      <a:r>
+                        <a:rPr lang="en-US" dirty="0">
+                          <a:solidFill>
+                            <a:srgbClr val="DADADA"/>
+                          </a:solidFill>
+                          <a:effectLst/>
+                          <a:latin typeface="inherit"/>
+                        </a:rPr>
+                        <a:t>%</a:t>
+                      </a:r>
+                      <a:r>
+                        <a:rPr lang="en-US" dirty="0">
+                          <a:solidFill>
+                            <a:srgbClr val="E7A37A"/>
+                          </a:solidFill>
+                          <a:effectLst/>
+                          <a:latin typeface="inherit"/>
+                        </a:rPr>
+                        <a:t>2</a:t>
+                      </a:r>
+                      <a:r>
+                        <a:rPr lang="en-US" dirty="0">
+                          <a:solidFill>
+                            <a:srgbClr val="006FE0"/>
+                          </a:solidFill>
+                          <a:effectLst/>
+                          <a:latin typeface="inherit"/>
+                        </a:rPr>
+                        <a:t> </a:t>
+                      </a:r>
+                      <a:r>
+                        <a:rPr lang="en-US" dirty="0">
+                          <a:solidFill>
+                            <a:srgbClr val="DADADA"/>
+                          </a:solidFill>
+                          <a:effectLst/>
+                          <a:latin typeface="inherit"/>
+                        </a:rPr>
+                        <a:t>==</a:t>
+                      </a:r>
+                      <a:r>
+                        <a:rPr lang="en-US" dirty="0">
+                          <a:solidFill>
+                            <a:srgbClr val="006FE0"/>
+                          </a:solidFill>
+                          <a:effectLst/>
+                          <a:latin typeface="inherit"/>
+                        </a:rPr>
+                        <a:t> </a:t>
+                      </a:r>
+                      <a:r>
+                        <a:rPr lang="en-US" dirty="0">
+                          <a:solidFill>
+                            <a:srgbClr val="E7A37A"/>
+                          </a:solidFill>
+                          <a:effectLst/>
+                          <a:latin typeface="inherit"/>
+                        </a:rPr>
+                        <a:t>0</a:t>
+                      </a:r>
+                      <a:r>
+                        <a:rPr lang="en-US" dirty="0">
+                          <a:solidFill>
+                            <a:srgbClr val="D8D8D8"/>
+                          </a:solidFill>
+                          <a:effectLst/>
+                          <a:latin typeface="inherit"/>
+                        </a:rPr>
+                        <a:t>),</a:t>
+                      </a:r>
+                      <a:r>
+                        <a:rPr lang="en-US" dirty="0">
+                          <a:solidFill>
+                            <a:srgbClr val="006FE0"/>
+                          </a:solidFill>
+                          <a:effectLst/>
+                          <a:latin typeface="inherit"/>
+                        </a:rPr>
+                        <a:t> </a:t>
+                      </a:r>
+                      <a:r>
+                        <a:rPr lang="en-US" dirty="0">
+                          <a:solidFill>
+                            <a:srgbClr val="569CD6"/>
+                          </a:solidFill>
+                          <a:effectLst/>
+                          <a:latin typeface="inherit"/>
+                        </a:rPr>
+                        <a:t>numbers</a:t>
+                      </a:r>
+                      <a:r>
+                        <a:rPr lang="en-US" dirty="0">
+                          <a:solidFill>
+                            <a:srgbClr val="D8D8D8"/>
+                          </a:solidFill>
+                          <a:effectLst/>
+                          <a:latin typeface="inherit"/>
+                        </a:rPr>
+                        <a:t>)</a:t>
+                      </a:r>
+                      <a:endParaRPr lang="en-US" dirty="0">
+                        <a:solidFill>
+                          <a:srgbClr val="FFFFFF"/>
+                        </a:solidFill>
+                        <a:effectLst/>
+                        <a:latin typeface="inherit"/>
+                      </a:endParaRPr>
+                    </a:p>
+                    <a:p>
+                      <a:pPr algn="l" fontAlgn="t"/>
+                      <a:r>
+                        <a:rPr lang="en-US" dirty="0">
+                          <a:solidFill>
+                            <a:srgbClr val="FFFFFF"/>
+                          </a:solidFill>
+                          <a:effectLst/>
+                          <a:latin typeface="inherit"/>
+                        </a:rPr>
+                        <a:t> </a:t>
+                      </a:r>
+                    </a:p>
+                    <a:p>
+                      <a:pPr algn="l" fontAlgn="t"/>
+                      <a:r>
+                        <a:rPr lang="en-US" i="1" dirty="0">
+                          <a:solidFill>
+                            <a:srgbClr val="57A64A"/>
+                          </a:solidFill>
+                          <a:effectLst/>
+                          <a:latin typeface="inherit"/>
+                        </a:rPr>
+                        <a:t># </a:t>
+                      </a:r>
+                      <a:r>
+                        <a:rPr lang="uk-UA" i="1" dirty="0">
+                          <a:solidFill>
+                            <a:srgbClr val="57A64A"/>
+                          </a:solidFill>
+                          <a:effectLst/>
+                          <a:latin typeface="inherit"/>
+                        </a:rPr>
+                        <a:t>Конвертуємо в список</a:t>
+                      </a:r>
+                      <a:endParaRPr lang="uk-UA" dirty="0">
+                        <a:solidFill>
+                          <a:srgbClr val="FFFFFF"/>
+                        </a:solidFill>
+                        <a:effectLst/>
+                        <a:latin typeface="inherit"/>
+                      </a:endParaRPr>
+                    </a:p>
+                    <a:p>
+                      <a:pPr algn="l" fontAlgn="t"/>
+                      <a:r>
+                        <a:rPr lang="en-US" dirty="0" err="1">
+                          <a:solidFill>
+                            <a:srgbClr val="BDB76B"/>
+                          </a:solidFill>
+                          <a:effectLst/>
+                          <a:latin typeface="inherit"/>
+                        </a:rPr>
+                        <a:t>even_numbers</a:t>
+                      </a:r>
+                      <a:r>
+                        <a:rPr lang="en-US" dirty="0">
+                          <a:solidFill>
+                            <a:srgbClr val="006FE0"/>
+                          </a:solidFill>
+                          <a:effectLst/>
+                          <a:latin typeface="inherit"/>
+                        </a:rPr>
+                        <a:t> </a:t>
+                      </a:r>
+                      <a:r>
+                        <a:rPr lang="en-US" dirty="0">
+                          <a:solidFill>
+                            <a:srgbClr val="DADADA"/>
+                          </a:solidFill>
+                          <a:effectLst/>
+                          <a:latin typeface="inherit"/>
+                        </a:rPr>
+                        <a:t>=</a:t>
+                      </a:r>
+                      <a:r>
+                        <a:rPr lang="en-US" dirty="0">
+                          <a:solidFill>
+                            <a:srgbClr val="006FE0"/>
+                          </a:solidFill>
+                          <a:effectLst/>
+                          <a:latin typeface="inherit"/>
+                        </a:rPr>
+                        <a:t> </a:t>
+                      </a:r>
+                      <a:r>
+                        <a:rPr lang="en-US" dirty="0">
+                          <a:solidFill>
+                            <a:srgbClr val="569CD6"/>
+                          </a:solidFill>
+                          <a:effectLst/>
+                          <a:latin typeface="inherit"/>
+                        </a:rPr>
+                        <a:t>list</a:t>
+                      </a:r>
+                      <a:r>
+                        <a:rPr lang="en-US" dirty="0">
+                          <a:solidFill>
+                            <a:srgbClr val="D8D8D8"/>
+                          </a:solidFill>
+                          <a:effectLst/>
+                          <a:latin typeface="inherit"/>
+                        </a:rPr>
+                        <a:t>(</a:t>
+                      </a:r>
+                      <a:r>
+                        <a:rPr lang="en-US" dirty="0" err="1">
+                          <a:solidFill>
+                            <a:srgbClr val="BDB76B"/>
+                          </a:solidFill>
+                          <a:effectLst/>
+                          <a:latin typeface="inherit"/>
+                        </a:rPr>
+                        <a:t>even_numbers_iterator</a:t>
+                      </a:r>
+                      <a:r>
+                        <a:rPr lang="en-US" dirty="0">
+                          <a:solidFill>
+                            <a:srgbClr val="D8D8D8"/>
+                          </a:solidFill>
+                          <a:effectLst/>
+                          <a:latin typeface="inherit"/>
+                        </a:rPr>
+                        <a:t>)</a:t>
+                      </a:r>
+                      <a:endParaRPr lang="en-US" dirty="0">
+                        <a:solidFill>
+                          <a:srgbClr val="FFFFFF"/>
+                        </a:solidFill>
+                        <a:effectLst/>
+                        <a:latin typeface="inherit"/>
+                      </a:endParaRPr>
+                    </a:p>
+                    <a:p>
+                      <a:pPr algn="l" fontAlgn="t"/>
+                      <a:r>
+                        <a:rPr lang="en-US" dirty="0">
+                          <a:solidFill>
+                            <a:srgbClr val="FFFFFF"/>
+                          </a:solidFill>
+                          <a:effectLst/>
+                          <a:latin typeface="inherit"/>
+                        </a:rPr>
+                        <a:t> </a:t>
+                      </a:r>
+                    </a:p>
+                    <a:p>
+                      <a:pPr algn="l" fontAlgn="t"/>
+                      <a:r>
+                        <a:rPr lang="en-US" dirty="0">
+                          <a:solidFill>
+                            <a:srgbClr val="569CD6"/>
+                          </a:solidFill>
+                          <a:effectLst/>
+                          <a:latin typeface="inherit"/>
+                        </a:rPr>
+                        <a:t>print</a:t>
+                      </a:r>
+                      <a:r>
+                        <a:rPr lang="en-US" dirty="0">
+                          <a:solidFill>
+                            <a:srgbClr val="D8D8D8"/>
+                          </a:solidFill>
+                          <a:effectLst/>
+                          <a:latin typeface="inherit"/>
+                        </a:rPr>
+                        <a:t>(</a:t>
+                      </a:r>
+                      <a:r>
+                        <a:rPr lang="en-US" dirty="0" err="1">
+                          <a:solidFill>
+                            <a:srgbClr val="BDB76B"/>
+                          </a:solidFill>
+                          <a:effectLst/>
+                          <a:latin typeface="inherit"/>
+                        </a:rPr>
+                        <a:t>even_numbers</a:t>
+                      </a:r>
+                      <a:r>
+                        <a:rPr lang="en-US" dirty="0">
+                          <a:solidFill>
+                            <a:srgbClr val="D8D8D8"/>
+                          </a:solidFill>
+                          <a:effectLst/>
+                          <a:latin typeface="inherit"/>
+                        </a:rPr>
+                        <a:t>)</a:t>
+                      </a:r>
+                      <a:endParaRPr lang="en-US" dirty="0">
+                        <a:solidFill>
+                          <a:srgbClr val="FFFFFF"/>
+                        </a:solidFill>
+                        <a:effectLst/>
+                        <a:latin typeface="inherit"/>
+                      </a:endParaRPr>
+                    </a:p>
+                  </a:txBody>
+                  <a:tcPr>
+                    <a:lnL w="7620" cap="flat" cmpd="sng" algn="ctr">
+                      <a:solidFill>
+                        <a:srgbClr val="8C8D8F"/>
+                      </a:solidFill>
+                      <a:prstDash val="solid"/>
+                      <a:round/>
+                      <a:headEnd type="none" w="med" len="med"/>
+                      <a:tailEnd type="none" w="med" len="med"/>
+                    </a:lnL>
+                    <a:lnR>
+                      <a:noFill/>
+                    </a:lnR>
+                    <a:lnT>
+                      <a:noFill/>
+                    </a:lnT>
+                    <a:lnB>
+                      <a:noFill/>
+                    </a:lnB>
+                    <a:solidFill>
+                      <a:srgbClr val="323232"/>
+                    </a:solidFill>
+                  </a:tcPr>
+                </a:tc>
+                <a:extLst>
+                  <a:ext uri="{0D108BD9-81ED-4DB2-BD59-A6C34878D82A}">
+                    <a16:rowId xmlns:a16="http://schemas.microsoft.com/office/drawing/2014/main" val="477123383"/>
+                  </a:ext>
+                </a:extLst>
+              </a:tr>
+            </a:tbl>
+          </a:graphicData>
+        </a:graphic>
+      </p:graphicFrame>
+      <p:sp>
+        <p:nvSpPr>
+          <p:cNvPr id="6" name="TextBox 5">
+            <a:extLst>
+              <a:ext uri="{FF2B5EF4-FFF2-40B4-BE49-F238E27FC236}">
+                <a16:creationId xmlns:a16="http://schemas.microsoft.com/office/drawing/2014/main" id="{D818D62D-D2DF-C03C-5E5E-95369DB369CF}"/>
+              </a:ext>
+            </a:extLst>
+          </p:cNvPr>
+          <p:cNvSpPr txBox="1"/>
+          <p:nvPr/>
+        </p:nvSpPr>
+        <p:spPr>
+          <a:xfrm>
+            <a:off x="8485239" y="2570078"/>
+            <a:ext cx="6096000" cy="369332"/>
+          </a:xfrm>
+          <a:prstGeom prst="rect">
+            <a:avLst/>
+          </a:prstGeom>
+          <a:noFill/>
+        </p:spPr>
+        <p:txBody>
+          <a:bodyPr wrap="square">
+            <a:spAutoFit/>
+          </a:bodyPr>
+          <a:lstStyle/>
+          <a:p>
+            <a:r>
+              <a:rPr lang="uk-UA" dirty="0"/>
+              <a:t>Результат:  [2, 4, 6]</a:t>
+            </a:r>
+          </a:p>
+        </p:txBody>
+      </p:sp>
+      <p:sp>
+        <p:nvSpPr>
+          <p:cNvPr id="9" name="TextBox 8">
+            <a:extLst>
+              <a:ext uri="{FF2B5EF4-FFF2-40B4-BE49-F238E27FC236}">
+                <a16:creationId xmlns:a16="http://schemas.microsoft.com/office/drawing/2014/main" id="{D41E47E8-E2A7-1C91-1A26-58A70F9F7D18}"/>
+              </a:ext>
+            </a:extLst>
+          </p:cNvPr>
+          <p:cNvSpPr txBox="1"/>
+          <p:nvPr/>
+        </p:nvSpPr>
+        <p:spPr>
+          <a:xfrm>
+            <a:off x="388384" y="4423249"/>
+            <a:ext cx="7290618" cy="1200329"/>
+          </a:xfrm>
+          <a:prstGeom prst="rect">
+            <a:avLst/>
+          </a:prstGeom>
+          <a:noFill/>
+        </p:spPr>
+        <p:txBody>
+          <a:bodyPr wrap="square">
+            <a:spAutoFit/>
+          </a:bodyPr>
+          <a:lstStyle/>
+          <a:p>
+            <a:r>
+              <a:rPr lang="uk-UA" dirty="0"/>
+              <a:t>Тут ми безпосередньо передали лямбда-функцію всередині функції </a:t>
+            </a:r>
+            <a:r>
+              <a:rPr lang="uk-UA" dirty="0" err="1"/>
+              <a:t>inside</a:t>
+            </a:r>
+            <a:r>
+              <a:rPr lang="uk-UA" dirty="0"/>
+              <a:t>(). Наша лямбда-функція повертає </a:t>
+            </a:r>
+            <a:r>
+              <a:rPr lang="uk-UA" dirty="0" err="1"/>
+              <a:t>True</a:t>
+            </a:r>
+            <a:r>
+              <a:rPr lang="uk-UA" dirty="0"/>
+              <a:t> для парних чисел. Отже, функція </a:t>
+            </a:r>
+            <a:r>
+              <a:rPr lang="uk-UA" dirty="0" err="1"/>
+              <a:t>filter</a:t>
+            </a:r>
+            <a:r>
+              <a:rPr lang="uk-UA" dirty="0"/>
+              <a:t>() повертає </a:t>
+            </a:r>
+            <a:r>
+              <a:rPr lang="uk-UA" dirty="0" err="1"/>
+              <a:t>ітератор</a:t>
+            </a:r>
+            <a:r>
+              <a:rPr lang="uk-UA" dirty="0"/>
+              <a:t>, який містить лише парні числа.</a:t>
+            </a:r>
+          </a:p>
+        </p:txBody>
+      </p:sp>
+    </p:spTree>
+    <p:extLst>
+      <p:ext uri="{BB962C8B-B14F-4D97-AF65-F5344CB8AC3E}">
+        <p14:creationId xmlns:p14="http://schemas.microsoft.com/office/powerpoint/2010/main" val="2654537172"/>
+      </p:ext>
+    </p:extLst>
+  </p:cSld>
+  <p:clrMapOvr>
+    <a:masterClrMapping/>
+  </p:clrMapOvr>
+</p:sld>
+</file>
+
+<file path=ppt/slides/slide13.xml><?xml version="1.0" encoding="utf-8"?>
+<p:sld xmlns:a="http://schemas.openxmlformats.org/drawingml/2006/main" xmlns:r="http://schemas.openxmlformats.org/officeDocument/2006/relationships" xmlns:p="http://schemas.openxmlformats.org/presentationml/2006/main">
+  <p:cSld>
+    <p:spTree>
+      <p:nvGrpSpPr>
+        <p:cNvPr id="1" name=""/>
+        <p:cNvGrpSpPr/>
+        <p:nvPr/>
+      </p:nvGrpSpPr>
+      <p:grpSpPr>
+        <a:xfrm>
+          <a:off x="0" y="0"/>
+          <a:ext cx="0" cy="0"/>
+          <a:chOff x="0" y="0"/>
+          <a:chExt cx="0" cy="0"/>
+        </a:xfrm>
+      </p:grpSpPr>
+      <p:sp>
+        <p:nvSpPr>
+          <p:cNvPr id="3" name="TextBox 2">
+            <a:extLst>
+              <a:ext uri="{FF2B5EF4-FFF2-40B4-BE49-F238E27FC236}">
+                <a16:creationId xmlns:a16="http://schemas.microsoft.com/office/drawing/2014/main" id="{81338DA7-803D-C2F5-EDCA-1E893E3A529A}"/>
+              </a:ext>
+            </a:extLst>
+          </p:cNvPr>
+          <p:cNvSpPr txBox="1"/>
+          <p:nvPr/>
+        </p:nvSpPr>
+        <p:spPr>
+          <a:xfrm>
+            <a:off x="0" y="314236"/>
+            <a:ext cx="12192000" cy="2308324"/>
+          </a:xfrm>
+          <a:prstGeom prst="rect">
+            <a:avLst/>
+          </a:prstGeom>
+          <a:noFill/>
+        </p:spPr>
+        <p:txBody>
+          <a:bodyPr wrap="square">
+            <a:spAutoFit/>
+          </a:bodyPr>
+          <a:lstStyle/>
+          <a:p>
+            <a:pPr algn="ctr"/>
+            <a:r>
+              <a:rPr lang="uk-UA" sz="3600" b="1" i="0" dirty="0">
+                <a:solidFill>
+                  <a:srgbClr val="000000"/>
+                </a:solidFill>
+                <a:effectLst/>
+                <a:latin typeface="Segoe UI" panose="020B0502040204020203" pitchFamily="34" charset="0"/>
+              </a:rPr>
+              <a:t>Приклад №3: Використання </a:t>
+            </a:r>
+            <a:r>
+              <a:rPr lang="en-US" sz="3600" b="1" i="0" dirty="0">
+                <a:solidFill>
+                  <a:srgbClr val="000000"/>
+                </a:solidFill>
+                <a:effectLst/>
+                <a:latin typeface="Segoe UI" panose="020B0502040204020203" pitchFamily="34" charset="0"/>
+              </a:rPr>
+              <a:t>None </a:t>
+            </a:r>
+            <a:r>
+              <a:rPr lang="uk-UA" sz="3600" b="1" i="0" dirty="0">
+                <a:solidFill>
+                  <a:srgbClr val="000000"/>
+                </a:solidFill>
+                <a:effectLst/>
+                <a:latin typeface="Segoe UI" panose="020B0502040204020203" pitchFamily="34" charset="0"/>
+              </a:rPr>
+              <a:t>як функції усередині функції </a:t>
+            </a:r>
+            <a:r>
+              <a:rPr lang="en-US" sz="3600" b="1" i="0" dirty="0">
+                <a:solidFill>
+                  <a:srgbClr val="000000"/>
+                </a:solidFill>
+                <a:effectLst/>
+                <a:latin typeface="Segoe UI" panose="020B0502040204020203" pitchFamily="34" charset="0"/>
+              </a:rPr>
+              <a:t>filter()</a:t>
+            </a:r>
+          </a:p>
+          <a:p>
+            <a:pPr algn="ctr"/>
+            <a:br>
+              <a:rPr lang="en-US" sz="3600" dirty="0"/>
+            </a:br>
+            <a:endParaRPr lang="uk-UA" sz="3600" dirty="0"/>
+          </a:p>
+        </p:txBody>
+      </p:sp>
+      <p:graphicFrame>
+        <p:nvGraphicFramePr>
+          <p:cNvPr id="4" name="Таблица 3">
+            <a:extLst>
+              <a:ext uri="{FF2B5EF4-FFF2-40B4-BE49-F238E27FC236}">
+                <a16:creationId xmlns:a16="http://schemas.microsoft.com/office/drawing/2014/main" id="{9AE7F554-2E5D-0A4A-37CF-8C225CAF94AA}"/>
+              </a:ext>
+            </a:extLst>
+          </p:cNvPr>
+          <p:cNvGraphicFramePr>
+            <a:graphicFrameLocks noGrp="1"/>
+          </p:cNvGraphicFramePr>
+          <p:nvPr>
+            <p:extLst>
+              <p:ext uri="{D42A27DB-BD31-4B8C-83A1-F6EECF244321}">
+                <p14:modId xmlns:p14="http://schemas.microsoft.com/office/powerpoint/2010/main" val="2875314761"/>
+              </p:ext>
+            </p:extLst>
+          </p:nvPr>
+        </p:nvGraphicFramePr>
+        <p:xfrm>
+          <a:off x="506371" y="1757573"/>
+          <a:ext cx="7895283" cy="2560320"/>
+        </p:xfrm>
+        <a:graphic>
+          <a:graphicData uri="http://schemas.openxmlformats.org/drawingml/2006/table">
+            <a:tbl>
+              <a:tblPr/>
+              <a:tblGrid>
+                <a:gridCol w="279946">
+                  <a:extLst>
+                    <a:ext uri="{9D8B030D-6E8A-4147-A177-3AD203B41FA5}">
+                      <a16:colId xmlns:a16="http://schemas.microsoft.com/office/drawing/2014/main" val="2220378469"/>
+                    </a:ext>
+                  </a:extLst>
+                </a:gridCol>
+                <a:gridCol w="7615337">
+                  <a:extLst>
+                    <a:ext uri="{9D8B030D-6E8A-4147-A177-3AD203B41FA5}">
+                      <a16:colId xmlns:a16="http://schemas.microsoft.com/office/drawing/2014/main" val="1217555329"/>
+                    </a:ext>
+                  </a:extLst>
+                </a:gridCol>
+              </a:tblGrid>
+              <a:tr h="0">
+                <a:tc>
+                  <a:txBody>
+                    <a:bodyPr/>
+                    <a:lstStyle/>
+                    <a:p>
+                      <a:pPr algn="ctr" fontAlgn="t"/>
+                      <a:r>
+                        <a:rPr lang="uk-UA">
+                          <a:solidFill>
+                            <a:srgbClr val="C2C2C2"/>
+                          </a:solidFill>
+                          <a:effectLst/>
+                          <a:latin typeface="inherit"/>
+                        </a:rPr>
+                        <a:t>1</a:t>
+                      </a:r>
+                    </a:p>
+                    <a:p>
+                      <a:pPr algn="ctr" fontAlgn="t"/>
+                      <a:r>
+                        <a:rPr lang="uk-UA">
+                          <a:solidFill>
+                            <a:srgbClr val="C2C2C2"/>
+                          </a:solidFill>
+                          <a:effectLst/>
+                          <a:latin typeface="inherit"/>
+                        </a:rPr>
+                        <a:t>2</a:t>
+                      </a:r>
+                    </a:p>
+                    <a:p>
+                      <a:pPr algn="ctr" fontAlgn="t"/>
+                      <a:r>
+                        <a:rPr lang="uk-UA">
+                          <a:solidFill>
+                            <a:srgbClr val="C2C2C2"/>
+                          </a:solidFill>
+                          <a:effectLst/>
+                          <a:latin typeface="inherit"/>
+                        </a:rPr>
+                        <a:t>3</a:t>
+                      </a:r>
+                    </a:p>
+                    <a:p>
+                      <a:pPr algn="ctr" fontAlgn="t"/>
+                      <a:r>
+                        <a:rPr lang="uk-UA">
+                          <a:solidFill>
+                            <a:srgbClr val="C2C2C2"/>
+                          </a:solidFill>
+                          <a:effectLst/>
+                          <a:latin typeface="inherit"/>
+                        </a:rPr>
+                        <a:t>4</a:t>
+                      </a:r>
+                    </a:p>
+                    <a:p>
+                      <a:pPr algn="ctr" fontAlgn="t"/>
+                      <a:r>
+                        <a:rPr lang="uk-UA">
+                          <a:solidFill>
+                            <a:srgbClr val="C2C2C2"/>
+                          </a:solidFill>
+                          <a:effectLst/>
+                          <a:latin typeface="inherit"/>
+                        </a:rPr>
+                        <a:t>5</a:t>
+                      </a:r>
+                    </a:p>
+                    <a:p>
+                      <a:pPr algn="ctr" fontAlgn="t"/>
+                      <a:r>
+                        <a:rPr lang="uk-UA">
+                          <a:solidFill>
+                            <a:srgbClr val="C2C2C2"/>
+                          </a:solidFill>
+                          <a:effectLst/>
+                          <a:latin typeface="inherit"/>
+                        </a:rPr>
+                        <a:t>6</a:t>
+                      </a:r>
+                    </a:p>
+                    <a:p>
+                      <a:pPr algn="ctr" fontAlgn="t"/>
+                      <a:r>
+                        <a:rPr lang="uk-UA">
+                          <a:solidFill>
+                            <a:srgbClr val="C2C2C2"/>
+                          </a:solidFill>
+                          <a:effectLst/>
+                          <a:latin typeface="inherit"/>
+                        </a:rPr>
+                        <a:t>7</a:t>
+                      </a:r>
+                    </a:p>
+                    <a:p>
+                      <a:pPr algn="ctr" fontAlgn="t"/>
+                      <a:r>
+                        <a:rPr lang="uk-UA">
+                          <a:solidFill>
+                            <a:srgbClr val="C2C2C2"/>
+                          </a:solidFill>
+                          <a:effectLst/>
+                          <a:latin typeface="inherit"/>
+                        </a:rPr>
+                        <a:t>8</a:t>
+                      </a:r>
+                    </a:p>
+                    <a:p>
+                      <a:pPr algn="ctr" fontAlgn="t"/>
+                      <a:r>
+                        <a:rPr lang="uk-UA">
+                          <a:solidFill>
+                            <a:srgbClr val="C2C2C2"/>
+                          </a:solidFill>
+                          <a:effectLst/>
+                          <a:latin typeface="inherit"/>
+                        </a:rPr>
+                        <a:t>9</a:t>
+                      </a:r>
+                    </a:p>
+                  </a:txBody>
+                  <a:tcPr>
+                    <a:lnL>
+                      <a:noFill/>
+                    </a:lnL>
+                    <a:lnR w="7620" cap="flat" cmpd="sng" algn="ctr">
+                      <a:solidFill>
+                        <a:srgbClr val="8C8D8F"/>
+                      </a:solidFill>
+                      <a:prstDash val="solid"/>
+                      <a:round/>
+                      <a:headEnd type="none" w="med" len="med"/>
+                      <a:tailEnd type="none" w="med" len="med"/>
+                    </a:lnR>
+                    <a:lnT>
+                      <a:noFill/>
+                    </a:lnT>
+                    <a:lnB>
+                      <a:noFill/>
+                    </a:lnB>
+                    <a:solidFill>
+                      <a:srgbClr val="303030"/>
+                    </a:solidFill>
+                  </a:tcPr>
+                </a:tc>
+                <a:tc>
+                  <a:txBody>
+                    <a:bodyPr/>
+                    <a:lstStyle/>
+                    <a:p>
+                      <a:pPr algn="l" fontAlgn="t"/>
+                      <a:r>
+                        <a:rPr lang="uk-UA" i="1" dirty="0">
+                          <a:solidFill>
+                            <a:srgbClr val="57A64A"/>
+                          </a:solidFill>
+                          <a:effectLst/>
+                          <a:latin typeface="inherit"/>
+                        </a:rPr>
+                        <a:t># Випадковий перелік</a:t>
+                      </a:r>
+                      <a:endParaRPr lang="uk-UA" dirty="0">
+                        <a:solidFill>
+                          <a:srgbClr val="FFFFFF"/>
+                        </a:solidFill>
+                        <a:effectLst/>
+                        <a:latin typeface="inherit"/>
+                      </a:endParaRPr>
+                    </a:p>
+                    <a:p>
+                      <a:pPr algn="l" fontAlgn="t"/>
+                      <a:r>
+                        <a:rPr lang="en-US" dirty="0" err="1">
+                          <a:solidFill>
+                            <a:srgbClr val="BDB76B"/>
+                          </a:solidFill>
+                          <a:effectLst/>
+                          <a:latin typeface="inherit"/>
+                        </a:rPr>
+                        <a:t>random_list</a:t>
+                      </a:r>
+                      <a:r>
+                        <a:rPr lang="en-US" dirty="0">
+                          <a:solidFill>
+                            <a:srgbClr val="006FE0"/>
+                          </a:solidFill>
+                          <a:effectLst/>
+                          <a:latin typeface="inherit"/>
+                        </a:rPr>
+                        <a:t> </a:t>
+                      </a:r>
+                      <a:r>
+                        <a:rPr lang="en-US" dirty="0">
+                          <a:solidFill>
+                            <a:srgbClr val="DADADA"/>
+                          </a:solidFill>
+                          <a:effectLst/>
+                          <a:latin typeface="inherit"/>
+                        </a:rPr>
+                        <a:t>=</a:t>
+                      </a:r>
+                      <a:r>
+                        <a:rPr lang="en-US" dirty="0">
+                          <a:solidFill>
+                            <a:srgbClr val="006FE0"/>
+                          </a:solidFill>
+                          <a:effectLst/>
+                          <a:latin typeface="inherit"/>
+                        </a:rPr>
+                        <a:t> </a:t>
+                      </a:r>
+                      <a:r>
+                        <a:rPr lang="en-US" dirty="0">
+                          <a:solidFill>
+                            <a:srgbClr val="D8D8D8"/>
+                          </a:solidFill>
+                          <a:effectLst/>
+                          <a:latin typeface="inherit"/>
+                        </a:rPr>
+                        <a:t>[</a:t>
+                      </a:r>
+                      <a:r>
+                        <a:rPr lang="en-US" dirty="0">
+                          <a:solidFill>
+                            <a:srgbClr val="E7A37A"/>
+                          </a:solidFill>
+                          <a:effectLst/>
+                          <a:latin typeface="inherit"/>
+                        </a:rPr>
+                        <a:t>1</a:t>
+                      </a:r>
+                      <a:r>
+                        <a:rPr lang="en-US" dirty="0">
+                          <a:solidFill>
+                            <a:srgbClr val="D8D8D8"/>
+                          </a:solidFill>
+                          <a:effectLst/>
+                          <a:latin typeface="inherit"/>
+                        </a:rPr>
+                        <a:t>,</a:t>
+                      </a:r>
+                      <a:r>
+                        <a:rPr lang="en-US" dirty="0">
+                          <a:solidFill>
+                            <a:srgbClr val="006FE0"/>
+                          </a:solidFill>
+                          <a:effectLst/>
+                          <a:latin typeface="inherit"/>
+                        </a:rPr>
+                        <a:t> </a:t>
+                      </a:r>
+                      <a:r>
+                        <a:rPr lang="en-US" dirty="0">
+                          <a:solidFill>
+                            <a:srgbClr val="D69D85"/>
+                          </a:solidFill>
+                          <a:effectLst/>
+                          <a:latin typeface="inherit"/>
+                        </a:rPr>
+                        <a:t>'a'</a:t>
+                      </a:r>
+                      <a:r>
+                        <a:rPr lang="en-US" dirty="0">
+                          <a:solidFill>
+                            <a:srgbClr val="D8D8D8"/>
+                          </a:solidFill>
+                          <a:effectLst/>
+                          <a:latin typeface="inherit"/>
+                        </a:rPr>
+                        <a:t>,</a:t>
+                      </a:r>
+                      <a:r>
+                        <a:rPr lang="en-US" dirty="0">
+                          <a:solidFill>
+                            <a:srgbClr val="006FE0"/>
+                          </a:solidFill>
+                          <a:effectLst/>
+                          <a:latin typeface="inherit"/>
+                        </a:rPr>
+                        <a:t> </a:t>
+                      </a:r>
+                      <a:r>
+                        <a:rPr lang="en-US" dirty="0">
+                          <a:solidFill>
+                            <a:srgbClr val="E7A37A"/>
+                          </a:solidFill>
+                          <a:effectLst/>
+                          <a:latin typeface="inherit"/>
+                        </a:rPr>
+                        <a:t>0</a:t>
+                      </a:r>
+                      <a:r>
+                        <a:rPr lang="en-US" dirty="0">
+                          <a:solidFill>
+                            <a:srgbClr val="D8D8D8"/>
+                          </a:solidFill>
+                          <a:effectLst/>
+                          <a:latin typeface="inherit"/>
+                        </a:rPr>
+                        <a:t>,</a:t>
+                      </a:r>
+                      <a:r>
+                        <a:rPr lang="en-US" dirty="0">
+                          <a:solidFill>
+                            <a:srgbClr val="006FE0"/>
+                          </a:solidFill>
+                          <a:effectLst/>
+                          <a:latin typeface="inherit"/>
+                        </a:rPr>
+                        <a:t> </a:t>
+                      </a:r>
+                      <a:r>
+                        <a:rPr lang="en-US" dirty="0">
+                          <a:solidFill>
+                            <a:srgbClr val="F4BB15"/>
+                          </a:solidFill>
+                          <a:effectLst/>
+                          <a:latin typeface="inherit"/>
+                        </a:rPr>
+                        <a:t>False</a:t>
+                      </a:r>
+                      <a:r>
+                        <a:rPr lang="en-US" dirty="0">
+                          <a:solidFill>
+                            <a:srgbClr val="D8D8D8"/>
+                          </a:solidFill>
+                          <a:effectLst/>
+                          <a:latin typeface="inherit"/>
+                        </a:rPr>
+                        <a:t>,</a:t>
+                      </a:r>
+                      <a:r>
+                        <a:rPr lang="en-US" dirty="0">
+                          <a:solidFill>
+                            <a:srgbClr val="006FE0"/>
+                          </a:solidFill>
+                          <a:effectLst/>
+                          <a:latin typeface="inherit"/>
+                        </a:rPr>
+                        <a:t> </a:t>
+                      </a:r>
+                      <a:r>
+                        <a:rPr lang="en-US" dirty="0">
+                          <a:solidFill>
+                            <a:srgbClr val="F4BB15"/>
+                          </a:solidFill>
+                          <a:effectLst/>
+                          <a:latin typeface="inherit"/>
+                        </a:rPr>
+                        <a:t>True</a:t>
+                      </a:r>
+                      <a:r>
+                        <a:rPr lang="en-US" dirty="0">
+                          <a:solidFill>
+                            <a:srgbClr val="D8D8D8"/>
+                          </a:solidFill>
+                          <a:effectLst/>
+                          <a:latin typeface="inherit"/>
+                        </a:rPr>
+                        <a:t>,</a:t>
+                      </a:r>
+                      <a:r>
+                        <a:rPr lang="en-US" dirty="0">
+                          <a:solidFill>
+                            <a:srgbClr val="006FE0"/>
+                          </a:solidFill>
+                          <a:effectLst/>
+                          <a:latin typeface="inherit"/>
+                        </a:rPr>
+                        <a:t> </a:t>
+                      </a:r>
+                      <a:r>
+                        <a:rPr lang="en-US" dirty="0">
+                          <a:solidFill>
+                            <a:srgbClr val="D69D85"/>
+                          </a:solidFill>
+                          <a:effectLst/>
+                          <a:latin typeface="inherit"/>
+                        </a:rPr>
+                        <a:t>'0'</a:t>
+                      </a:r>
+                      <a:r>
+                        <a:rPr lang="en-US" dirty="0">
+                          <a:solidFill>
+                            <a:srgbClr val="D8D8D8"/>
+                          </a:solidFill>
+                          <a:effectLst/>
+                          <a:latin typeface="inherit"/>
+                        </a:rPr>
+                        <a:t>]</a:t>
+                      </a:r>
+                      <a:endParaRPr lang="en-US" dirty="0">
+                        <a:solidFill>
+                          <a:srgbClr val="FFFFFF"/>
+                        </a:solidFill>
+                        <a:effectLst/>
+                        <a:latin typeface="inherit"/>
+                      </a:endParaRPr>
+                    </a:p>
+                    <a:p>
+                      <a:pPr algn="l" fontAlgn="t"/>
+                      <a:r>
+                        <a:rPr lang="en-US" dirty="0">
+                          <a:solidFill>
+                            <a:srgbClr val="FFFFFF"/>
+                          </a:solidFill>
+                          <a:effectLst/>
+                          <a:latin typeface="inherit"/>
+                        </a:rPr>
+                        <a:t> </a:t>
+                      </a:r>
+                    </a:p>
+                    <a:p>
+                      <a:pPr algn="l" fontAlgn="t"/>
+                      <a:r>
+                        <a:rPr lang="en-US" dirty="0" err="1">
+                          <a:solidFill>
+                            <a:srgbClr val="BDB76B"/>
+                          </a:solidFill>
+                          <a:effectLst/>
+                          <a:latin typeface="inherit"/>
+                        </a:rPr>
+                        <a:t>filtered_iterator</a:t>
+                      </a:r>
+                      <a:r>
+                        <a:rPr lang="en-US" dirty="0">
+                          <a:solidFill>
+                            <a:srgbClr val="006FE0"/>
+                          </a:solidFill>
+                          <a:effectLst/>
+                          <a:latin typeface="inherit"/>
+                        </a:rPr>
+                        <a:t> </a:t>
+                      </a:r>
+                      <a:r>
+                        <a:rPr lang="en-US" dirty="0">
+                          <a:solidFill>
+                            <a:srgbClr val="DADADA"/>
+                          </a:solidFill>
+                          <a:effectLst/>
+                          <a:latin typeface="inherit"/>
+                        </a:rPr>
+                        <a:t>=</a:t>
+                      </a:r>
+                      <a:r>
+                        <a:rPr lang="en-US" dirty="0">
+                          <a:solidFill>
+                            <a:srgbClr val="006FE0"/>
+                          </a:solidFill>
+                          <a:effectLst/>
+                          <a:latin typeface="inherit"/>
+                        </a:rPr>
+                        <a:t> </a:t>
+                      </a:r>
+                      <a:r>
+                        <a:rPr lang="en-US" dirty="0">
+                          <a:solidFill>
+                            <a:srgbClr val="569CD6"/>
+                          </a:solidFill>
+                          <a:effectLst/>
+                          <a:latin typeface="inherit"/>
+                        </a:rPr>
+                        <a:t>filter</a:t>
+                      </a:r>
+                      <a:r>
+                        <a:rPr lang="en-US" dirty="0">
+                          <a:solidFill>
+                            <a:srgbClr val="D8D8D8"/>
+                          </a:solidFill>
+                          <a:effectLst/>
+                          <a:latin typeface="inherit"/>
+                        </a:rPr>
+                        <a:t>(</a:t>
+                      </a:r>
+                      <a:r>
+                        <a:rPr lang="en-US" dirty="0">
+                          <a:solidFill>
+                            <a:srgbClr val="F4BB15"/>
+                          </a:solidFill>
+                          <a:effectLst/>
+                          <a:latin typeface="inherit"/>
+                        </a:rPr>
+                        <a:t>None</a:t>
+                      </a:r>
+                      <a:r>
+                        <a:rPr lang="en-US" dirty="0">
+                          <a:solidFill>
+                            <a:srgbClr val="D8D8D8"/>
+                          </a:solidFill>
+                          <a:effectLst/>
+                          <a:latin typeface="inherit"/>
+                        </a:rPr>
+                        <a:t>,</a:t>
+                      </a:r>
+                      <a:r>
+                        <a:rPr lang="en-US" dirty="0">
+                          <a:solidFill>
+                            <a:srgbClr val="006FE0"/>
+                          </a:solidFill>
+                          <a:effectLst/>
+                          <a:latin typeface="inherit"/>
+                        </a:rPr>
+                        <a:t> </a:t>
+                      </a:r>
+                      <a:r>
+                        <a:rPr lang="en-US" dirty="0" err="1">
+                          <a:solidFill>
+                            <a:srgbClr val="BDB76B"/>
+                          </a:solidFill>
+                          <a:effectLst/>
+                          <a:latin typeface="inherit"/>
+                        </a:rPr>
+                        <a:t>random_list</a:t>
+                      </a:r>
+                      <a:r>
+                        <a:rPr lang="en-US" dirty="0">
+                          <a:solidFill>
+                            <a:srgbClr val="D8D8D8"/>
+                          </a:solidFill>
+                          <a:effectLst/>
+                          <a:latin typeface="inherit"/>
+                        </a:rPr>
+                        <a:t>)</a:t>
+                      </a:r>
+                      <a:endParaRPr lang="en-US" dirty="0">
+                        <a:solidFill>
+                          <a:srgbClr val="FFFFFF"/>
+                        </a:solidFill>
+                        <a:effectLst/>
+                        <a:latin typeface="inherit"/>
+                      </a:endParaRPr>
+                    </a:p>
+                    <a:p>
+                      <a:pPr algn="l" fontAlgn="t"/>
+                      <a:r>
+                        <a:rPr lang="en-US" dirty="0">
+                          <a:solidFill>
+                            <a:srgbClr val="FFFFFF"/>
+                          </a:solidFill>
+                          <a:effectLst/>
+                          <a:latin typeface="inherit"/>
+                        </a:rPr>
+                        <a:t> </a:t>
+                      </a:r>
+                    </a:p>
+                    <a:p>
+                      <a:pPr algn="l" fontAlgn="t"/>
+                      <a:r>
+                        <a:rPr lang="en-US" i="1" dirty="0">
+                          <a:solidFill>
+                            <a:srgbClr val="57A64A"/>
+                          </a:solidFill>
+                          <a:effectLst/>
+                          <a:latin typeface="inherit"/>
+                        </a:rPr>
+                        <a:t># </a:t>
+                      </a:r>
+                      <a:r>
+                        <a:rPr lang="uk-UA" i="1" dirty="0">
+                          <a:solidFill>
+                            <a:srgbClr val="57A64A"/>
+                          </a:solidFill>
+                          <a:effectLst/>
+                          <a:latin typeface="inherit"/>
+                        </a:rPr>
+                        <a:t>Конвертуємо в список</a:t>
+                      </a:r>
+                      <a:endParaRPr lang="uk-UA" dirty="0">
+                        <a:solidFill>
+                          <a:srgbClr val="FFFFFF"/>
+                        </a:solidFill>
+                        <a:effectLst/>
+                        <a:latin typeface="inherit"/>
+                      </a:endParaRPr>
+                    </a:p>
+                    <a:p>
+                      <a:pPr algn="l" fontAlgn="t"/>
+                      <a:r>
+                        <a:rPr lang="en-US" dirty="0" err="1">
+                          <a:solidFill>
+                            <a:srgbClr val="BDB76B"/>
+                          </a:solidFill>
+                          <a:effectLst/>
+                          <a:latin typeface="inherit"/>
+                        </a:rPr>
+                        <a:t>filtered_list</a:t>
+                      </a:r>
+                      <a:r>
+                        <a:rPr lang="en-US" dirty="0">
+                          <a:solidFill>
+                            <a:srgbClr val="006FE0"/>
+                          </a:solidFill>
+                          <a:effectLst/>
+                          <a:latin typeface="inherit"/>
+                        </a:rPr>
+                        <a:t> </a:t>
+                      </a:r>
+                      <a:r>
+                        <a:rPr lang="en-US" dirty="0">
+                          <a:solidFill>
+                            <a:srgbClr val="DADADA"/>
+                          </a:solidFill>
+                          <a:effectLst/>
+                          <a:latin typeface="inherit"/>
+                        </a:rPr>
+                        <a:t>=</a:t>
+                      </a:r>
+                      <a:r>
+                        <a:rPr lang="en-US" dirty="0">
+                          <a:solidFill>
+                            <a:srgbClr val="006FE0"/>
+                          </a:solidFill>
+                          <a:effectLst/>
+                          <a:latin typeface="inherit"/>
+                        </a:rPr>
+                        <a:t> </a:t>
+                      </a:r>
+                      <a:r>
+                        <a:rPr lang="en-US" dirty="0">
+                          <a:solidFill>
+                            <a:srgbClr val="569CD6"/>
+                          </a:solidFill>
+                          <a:effectLst/>
+                          <a:latin typeface="inherit"/>
+                        </a:rPr>
+                        <a:t>list</a:t>
+                      </a:r>
+                      <a:r>
+                        <a:rPr lang="en-US" dirty="0">
+                          <a:solidFill>
+                            <a:srgbClr val="D8D8D8"/>
+                          </a:solidFill>
+                          <a:effectLst/>
+                          <a:latin typeface="inherit"/>
+                        </a:rPr>
+                        <a:t>(</a:t>
+                      </a:r>
+                      <a:r>
+                        <a:rPr lang="en-US" dirty="0" err="1">
+                          <a:solidFill>
+                            <a:srgbClr val="BDB76B"/>
+                          </a:solidFill>
+                          <a:effectLst/>
+                          <a:latin typeface="inherit"/>
+                        </a:rPr>
+                        <a:t>filtered_iterator</a:t>
+                      </a:r>
+                      <a:r>
+                        <a:rPr lang="en-US" dirty="0">
+                          <a:solidFill>
+                            <a:srgbClr val="D8D8D8"/>
+                          </a:solidFill>
+                          <a:effectLst/>
+                          <a:latin typeface="inherit"/>
+                        </a:rPr>
+                        <a:t>)</a:t>
+                      </a:r>
+                      <a:endParaRPr lang="en-US" dirty="0">
+                        <a:solidFill>
+                          <a:srgbClr val="FFFFFF"/>
+                        </a:solidFill>
+                        <a:effectLst/>
+                        <a:latin typeface="inherit"/>
+                      </a:endParaRPr>
+                    </a:p>
+                    <a:p>
+                      <a:pPr algn="l" fontAlgn="t"/>
+                      <a:r>
+                        <a:rPr lang="en-US" dirty="0">
+                          <a:solidFill>
+                            <a:srgbClr val="FFFFFF"/>
+                          </a:solidFill>
+                          <a:effectLst/>
+                          <a:latin typeface="inherit"/>
+                        </a:rPr>
+                        <a:t> </a:t>
+                      </a:r>
+                    </a:p>
+                    <a:p>
+                      <a:pPr algn="l" fontAlgn="t"/>
+                      <a:r>
+                        <a:rPr lang="en-US" dirty="0">
+                          <a:solidFill>
+                            <a:srgbClr val="569CD6"/>
+                          </a:solidFill>
+                          <a:effectLst/>
+                          <a:latin typeface="inherit"/>
+                        </a:rPr>
+                        <a:t>print</a:t>
+                      </a:r>
+                      <a:r>
+                        <a:rPr lang="en-US" dirty="0">
+                          <a:solidFill>
+                            <a:srgbClr val="D8D8D8"/>
+                          </a:solidFill>
+                          <a:effectLst/>
+                          <a:latin typeface="inherit"/>
+                        </a:rPr>
+                        <a:t>(</a:t>
+                      </a:r>
+                      <a:r>
+                        <a:rPr lang="en-US" dirty="0" err="1">
+                          <a:solidFill>
+                            <a:srgbClr val="BDB76B"/>
+                          </a:solidFill>
+                          <a:effectLst/>
+                          <a:latin typeface="inherit"/>
+                        </a:rPr>
+                        <a:t>filtered_list</a:t>
+                      </a:r>
+                      <a:r>
+                        <a:rPr lang="en-US" dirty="0">
+                          <a:solidFill>
+                            <a:srgbClr val="D8D8D8"/>
+                          </a:solidFill>
+                          <a:effectLst/>
+                          <a:latin typeface="inherit"/>
+                        </a:rPr>
+                        <a:t>)</a:t>
+                      </a:r>
+                      <a:endParaRPr lang="en-US" dirty="0">
+                        <a:solidFill>
+                          <a:srgbClr val="FFFFFF"/>
+                        </a:solidFill>
+                        <a:effectLst/>
+                        <a:latin typeface="inherit"/>
+                      </a:endParaRPr>
+                    </a:p>
+                  </a:txBody>
+                  <a:tcPr>
+                    <a:lnL w="7620" cap="flat" cmpd="sng" algn="ctr">
+                      <a:solidFill>
+                        <a:srgbClr val="8C8D8F"/>
+                      </a:solidFill>
+                      <a:prstDash val="solid"/>
+                      <a:round/>
+                      <a:headEnd type="none" w="med" len="med"/>
+                      <a:tailEnd type="none" w="med" len="med"/>
+                    </a:lnL>
+                    <a:lnR>
+                      <a:noFill/>
+                    </a:lnR>
+                    <a:lnT>
+                      <a:noFill/>
+                    </a:lnT>
+                    <a:lnB>
+                      <a:noFill/>
+                    </a:lnB>
+                    <a:solidFill>
+                      <a:srgbClr val="323232"/>
+                    </a:solidFill>
+                  </a:tcPr>
+                </a:tc>
+                <a:extLst>
+                  <a:ext uri="{0D108BD9-81ED-4DB2-BD59-A6C34878D82A}">
+                    <a16:rowId xmlns:a16="http://schemas.microsoft.com/office/drawing/2014/main" val="3559245814"/>
+                  </a:ext>
+                </a:extLst>
+              </a:tr>
+            </a:tbl>
+          </a:graphicData>
+        </a:graphic>
+      </p:graphicFrame>
+      <p:sp>
+        <p:nvSpPr>
+          <p:cNvPr id="6" name="TextBox 5">
+            <a:extLst>
+              <a:ext uri="{FF2B5EF4-FFF2-40B4-BE49-F238E27FC236}">
+                <a16:creationId xmlns:a16="http://schemas.microsoft.com/office/drawing/2014/main" id="{D96A8C74-2B27-A783-4E4D-7A7A805F03F2}"/>
+              </a:ext>
+            </a:extLst>
+          </p:cNvPr>
+          <p:cNvSpPr txBox="1"/>
+          <p:nvPr/>
+        </p:nvSpPr>
+        <p:spPr>
+          <a:xfrm>
+            <a:off x="506371" y="4485657"/>
+            <a:ext cx="6096000" cy="369332"/>
+          </a:xfrm>
+          <a:prstGeom prst="rect">
+            <a:avLst/>
+          </a:prstGeom>
+          <a:noFill/>
+        </p:spPr>
+        <p:txBody>
+          <a:bodyPr wrap="square">
+            <a:spAutoFit/>
+          </a:bodyPr>
+          <a:lstStyle/>
+          <a:p>
+            <a:r>
+              <a:rPr lang="uk-UA" dirty="0"/>
+              <a:t>Результат:  [1, 'a', </a:t>
+            </a:r>
+            <a:r>
+              <a:rPr lang="uk-UA" dirty="0" err="1"/>
+              <a:t>True</a:t>
+            </a:r>
+            <a:r>
+              <a:rPr lang="uk-UA" dirty="0"/>
+              <a:t>, '0']</a:t>
+            </a:r>
+          </a:p>
+        </p:txBody>
+      </p:sp>
+      <p:sp>
+        <p:nvSpPr>
+          <p:cNvPr id="8" name="TextBox 7">
+            <a:extLst>
+              <a:ext uri="{FF2B5EF4-FFF2-40B4-BE49-F238E27FC236}">
+                <a16:creationId xmlns:a16="http://schemas.microsoft.com/office/drawing/2014/main" id="{E75765A4-68E2-BCAD-8C69-D7D312E46F8F}"/>
+              </a:ext>
+            </a:extLst>
+          </p:cNvPr>
+          <p:cNvSpPr txBox="1"/>
+          <p:nvPr/>
+        </p:nvSpPr>
+        <p:spPr>
+          <a:xfrm>
+            <a:off x="491632" y="4854989"/>
+            <a:ext cx="6096000" cy="923330"/>
+          </a:xfrm>
+          <a:prstGeom prst="rect">
+            <a:avLst/>
+          </a:prstGeom>
+          <a:noFill/>
+        </p:spPr>
+        <p:txBody>
+          <a:bodyPr wrap="square">
+            <a:spAutoFit/>
+          </a:bodyPr>
+          <a:lstStyle/>
+          <a:p>
+            <a:r>
+              <a:rPr lang="uk-UA" dirty="0"/>
+              <a:t>Коли </a:t>
+            </a:r>
+            <a:r>
+              <a:rPr lang="uk-UA" dirty="0" err="1"/>
+              <a:t>None</a:t>
+            </a:r>
+            <a:r>
+              <a:rPr lang="uk-UA" dirty="0"/>
+              <a:t> використовується як перший аргумент функції </a:t>
+            </a:r>
+            <a:r>
+              <a:rPr lang="uk-UA" dirty="0" err="1"/>
+              <a:t>filter</a:t>
+            </a:r>
+            <a:r>
+              <a:rPr lang="uk-UA" dirty="0"/>
+              <a:t>(), вилучаються всі елементи, які є </a:t>
+            </a:r>
+            <a:r>
+              <a:rPr lang="uk-UA" dirty="0" err="1"/>
+              <a:t>True</a:t>
+            </a:r>
+            <a:r>
+              <a:rPr lang="uk-UA" dirty="0"/>
+              <a:t> (при перетворенні в логічні значення мають значення </a:t>
+            </a:r>
+            <a:r>
+              <a:rPr lang="uk-UA" dirty="0" err="1"/>
+              <a:t>True</a:t>
+            </a:r>
+            <a:r>
+              <a:rPr lang="uk-UA" dirty="0"/>
+              <a:t>).</a:t>
+            </a:r>
+          </a:p>
+        </p:txBody>
+      </p:sp>
+    </p:spTree>
+    <p:extLst>
+      <p:ext uri="{BB962C8B-B14F-4D97-AF65-F5344CB8AC3E}">
+        <p14:creationId xmlns:p14="http://schemas.microsoft.com/office/powerpoint/2010/main" val="1895438456"/>
+      </p:ext>
+    </p:extLst>
+  </p:cSld>
+  <p:clrMapOvr>
+    <a:masterClrMapping/>
+  </p:clrMapOvr>
+</p:sld>
+</file>
+
 <file path=ppt/slides/slide2.xml><?xml version="1.0" encoding="utf-8"?>
 <p:sld xmlns:a="http://schemas.openxmlformats.org/drawingml/2006/main" xmlns:r="http://schemas.openxmlformats.org/officeDocument/2006/relationships" xmlns:p="http://schemas.openxmlformats.org/presentationml/2006/main">
   <p:cSld>
@@ -16439,6 +21296,1781 @@
     <p:extLst>
       <p:ext uri="{BB962C8B-B14F-4D97-AF65-F5344CB8AC3E}">
         <p14:creationId xmlns:p14="http://schemas.microsoft.com/office/powerpoint/2010/main" val="3808376819"/>
+      </p:ext>
+    </p:extLst>
+  </p:cSld>
+  <p:clrMapOvr>
+    <a:masterClrMapping/>
+  </p:clrMapOvr>
+</p:sld>
+</file>
+
+<file path=ppt/slides/slide9.xml><?xml version="1.0" encoding="utf-8"?>
+<p:sld xmlns:a="http://schemas.openxmlformats.org/drawingml/2006/main" xmlns:r="http://schemas.openxmlformats.org/officeDocument/2006/relationships" xmlns:p="http://schemas.openxmlformats.org/presentationml/2006/main">
+  <p:cSld>
+    <p:spTree>
+      <p:nvGrpSpPr>
+        <p:cNvPr id="1" name=""/>
+        <p:cNvGrpSpPr/>
+        <p:nvPr/>
+      </p:nvGrpSpPr>
+      <p:grpSpPr>
+        <a:xfrm>
+          <a:off x="0" y="0"/>
+          <a:ext cx="0" cy="0"/>
+          <a:chOff x="0" y="0"/>
+          <a:chExt cx="0" cy="0"/>
+        </a:xfrm>
+      </p:grpSpPr>
+      <p:sp>
+        <p:nvSpPr>
+          <p:cNvPr id="3" name="TextBox 2">
+            <a:extLst>
+              <a:ext uri="{FF2B5EF4-FFF2-40B4-BE49-F238E27FC236}">
+                <a16:creationId xmlns:a16="http://schemas.microsoft.com/office/drawing/2014/main" id="{D3ED771D-1F2E-5EB6-2223-33E1B8C8FC4D}"/>
+              </a:ext>
+            </a:extLst>
+          </p:cNvPr>
+          <p:cNvSpPr txBox="1"/>
+          <p:nvPr/>
+        </p:nvSpPr>
+        <p:spPr>
+          <a:xfrm>
+            <a:off x="0" y="206928"/>
+            <a:ext cx="12192000" cy="1754326"/>
+          </a:xfrm>
+          <a:prstGeom prst="rect">
+            <a:avLst/>
+          </a:prstGeom>
+          <a:noFill/>
+        </p:spPr>
+        <p:txBody>
+          <a:bodyPr wrap="square">
+            <a:spAutoFit/>
+          </a:bodyPr>
+          <a:lstStyle/>
+          <a:p>
+            <a:pPr algn="ctr"/>
+            <a:r>
+              <a:rPr lang="uk-UA" sz="3600" b="1" i="0" dirty="0">
+                <a:solidFill>
+                  <a:srgbClr val="000000"/>
+                </a:solidFill>
+                <a:effectLst/>
+                <a:latin typeface="Segoe UI" panose="020B0502040204020203" pitchFamily="34" charset="0"/>
+              </a:rPr>
+              <a:t>Функція </a:t>
+            </a:r>
+            <a:r>
+              <a:rPr lang="en-US" sz="3600" b="1" i="0" dirty="0">
+                <a:solidFill>
+                  <a:srgbClr val="000000"/>
+                </a:solidFill>
+                <a:effectLst/>
+                <a:latin typeface="Segoe UI" panose="020B0502040204020203" pitchFamily="34" charset="0"/>
+              </a:rPr>
+              <a:t>filter() </a:t>
+            </a:r>
+            <a:r>
+              <a:rPr lang="uk-UA" sz="3600" b="1" i="0" dirty="0">
+                <a:solidFill>
+                  <a:srgbClr val="000000"/>
+                </a:solidFill>
+                <a:effectLst/>
+                <a:latin typeface="Segoe UI" panose="020B0502040204020203" pitchFamily="34" charset="0"/>
+              </a:rPr>
+              <a:t>в </a:t>
+            </a:r>
+            <a:r>
+              <a:rPr lang="en-US" sz="3600" b="1" i="0" dirty="0">
+                <a:solidFill>
+                  <a:srgbClr val="000000"/>
+                </a:solidFill>
+                <a:effectLst/>
+                <a:latin typeface="Segoe UI" panose="020B0502040204020203" pitchFamily="34" charset="0"/>
+              </a:rPr>
+              <a:t>Python</a:t>
+            </a:r>
+          </a:p>
+          <a:p>
+            <a:pPr algn="ctr"/>
+            <a:br>
+              <a:rPr lang="en-US" sz="3600" b="0" i="0" dirty="0">
+                <a:solidFill>
+                  <a:srgbClr val="BFBFBF"/>
+                </a:solidFill>
+                <a:effectLst/>
+                <a:latin typeface="Segoe UI" panose="020B0502040204020203" pitchFamily="34" charset="0"/>
+              </a:rPr>
+            </a:br>
+            <a:endParaRPr lang="uk-UA" sz="3600" dirty="0"/>
+          </a:p>
+        </p:txBody>
+      </p:sp>
+      <p:sp>
+        <p:nvSpPr>
+          <p:cNvPr id="5" name="TextBox 4">
+            <a:extLst>
+              <a:ext uri="{FF2B5EF4-FFF2-40B4-BE49-F238E27FC236}">
+                <a16:creationId xmlns:a16="http://schemas.microsoft.com/office/drawing/2014/main" id="{DE58EEAD-374A-177A-4567-E3034101443D}"/>
+              </a:ext>
+            </a:extLst>
+          </p:cNvPr>
+          <p:cNvSpPr txBox="1"/>
+          <p:nvPr/>
+        </p:nvSpPr>
+        <p:spPr>
+          <a:xfrm>
+            <a:off x="265471" y="903324"/>
+            <a:ext cx="11503742" cy="923330"/>
+          </a:xfrm>
+          <a:prstGeom prst="rect">
+            <a:avLst/>
+          </a:prstGeom>
+          <a:noFill/>
+        </p:spPr>
+        <p:txBody>
+          <a:bodyPr wrap="square">
+            <a:spAutoFit/>
+          </a:bodyPr>
+          <a:lstStyle/>
+          <a:p>
+            <a:r>
+              <a:rPr lang="uk-UA" dirty="0"/>
+              <a:t>Функція </a:t>
+            </a:r>
+            <a:r>
+              <a:rPr lang="uk-UA" dirty="0" err="1"/>
+              <a:t>filter</a:t>
+            </a:r>
+            <a:r>
+              <a:rPr lang="uk-UA" dirty="0"/>
+              <a:t>() вибирає елементи з </a:t>
+            </a:r>
+            <a:r>
+              <a:rPr lang="uk-UA" dirty="0" err="1"/>
+              <a:t>ітерованого</a:t>
+            </a:r>
+            <a:r>
+              <a:rPr lang="uk-UA" dirty="0"/>
+              <a:t> об’єкта (список, кортеж тощо) на основі вихідних даних функції. Функція застосовується до кожного елемента </a:t>
+            </a:r>
+            <a:r>
+              <a:rPr lang="uk-UA" dirty="0" err="1"/>
+              <a:t>ітерованого</a:t>
+            </a:r>
+            <a:r>
+              <a:rPr lang="uk-UA" dirty="0"/>
+              <a:t> об’єкта, і якщо вона повертає </a:t>
+            </a:r>
+            <a:r>
+              <a:rPr lang="uk-UA" dirty="0" err="1"/>
+              <a:t>True</a:t>
+            </a:r>
+            <a:r>
+              <a:rPr lang="uk-UA" dirty="0"/>
+              <a:t>, то елемент буде обраний функцією </a:t>
+            </a:r>
+            <a:r>
+              <a:rPr lang="uk-UA" dirty="0" err="1"/>
+              <a:t>filter</a:t>
+            </a:r>
+            <a:r>
+              <a:rPr lang="uk-UA" dirty="0"/>
+              <a:t>().</a:t>
+            </a:r>
+          </a:p>
+        </p:txBody>
+      </p:sp>
+      <p:sp>
+        <p:nvSpPr>
+          <p:cNvPr id="7" name="TextBox 6">
+            <a:extLst>
+              <a:ext uri="{FF2B5EF4-FFF2-40B4-BE49-F238E27FC236}">
+                <a16:creationId xmlns:a16="http://schemas.microsoft.com/office/drawing/2014/main" id="{4C884385-21C4-2B04-66BA-B48807821CCB}"/>
+              </a:ext>
+            </a:extLst>
+          </p:cNvPr>
+          <p:cNvSpPr txBox="1"/>
+          <p:nvPr/>
+        </p:nvSpPr>
+        <p:spPr>
+          <a:xfrm>
+            <a:off x="265471" y="1961254"/>
+            <a:ext cx="6096000" cy="923330"/>
+          </a:xfrm>
+          <a:prstGeom prst="rect">
+            <a:avLst/>
+          </a:prstGeom>
+          <a:noFill/>
+        </p:spPr>
+        <p:txBody>
+          <a:bodyPr wrap="square">
+            <a:spAutoFit/>
+          </a:bodyPr>
+          <a:lstStyle/>
+          <a:p>
+            <a:pPr algn="l"/>
+            <a:r>
+              <a:rPr lang="uk-UA" b="0" i="0" dirty="0">
+                <a:solidFill>
+                  <a:srgbClr val="000000"/>
+                </a:solidFill>
+                <a:effectLst/>
+                <a:latin typeface="Open Sans" panose="020B0606030504020204" pitchFamily="34" charset="0"/>
+              </a:rPr>
+              <a:t>Наприклад:</a:t>
+            </a:r>
+          </a:p>
+          <a:p>
+            <a:br>
+              <a:rPr lang="uk-UA" dirty="0"/>
+            </a:br>
+            <a:endParaRPr lang="uk-UA" dirty="0"/>
+          </a:p>
+        </p:txBody>
+      </p:sp>
+      <p:graphicFrame>
+        <p:nvGraphicFramePr>
+          <p:cNvPr id="8" name="Таблица 7">
+            <a:extLst>
+              <a:ext uri="{FF2B5EF4-FFF2-40B4-BE49-F238E27FC236}">
+                <a16:creationId xmlns:a16="http://schemas.microsoft.com/office/drawing/2014/main" id="{A49118B7-01FD-937E-2DF2-30A9F288D85B}"/>
+              </a:ext>
+            </a:extLst>
+          </p:cNvPr>
+          <p:cNvGraphicFramePr>
+            <a:graphicFrameLocks noGrp="1"/>
+          </p:cNvGraphicFramePr>
+          <p:nvPr>
+            <p:extLst>
+              <p:ext uri="{D42A27DB-BD31-4B8C-83A1-F6EECF244321}">
+                <p14:modId xmlns:p14="http://schemas.microsoft.com/office/powerpoint/2010/main" val="1510357975"/>
+              </p:ext>
+            </p:extLst>
+          </p:nvPr>
+        </p:nvGraphicFramePr>
+        <p:xfrm>
+          <a:off x="265471" y="2401108"/>
+          <a:ext cx="6544067" cy="2907134"/>
+        </p:xfrm>
+        <a:graphic>
+          <a:graphicData uri="http://schemas.openxmlformats.org/drawingml/2006/table">
+            <a:tbl>
+              <a:tblPr/>
+              <a:tblGrid>
+                <a:gridCol w="304800">
+                  <a:extLst>
+                    <a:ext uri="{9D8B030D-6E8A-4147-A177-3AD203B41FA5}">
+                      <a16:colId xmlns:a16="http://schemas.microsoft.com/office/drawing/2014/main" val="2583907433"/>
+                    </a:ext>
+                  </a:extLst>
+                </a:gridCol>
+                <a:gridCol w="6239267">
+                  <a:extLst>
+                    <a:ext uri="{9D8B030D-6E8A-4147-A177-3AD203B41FA5}">
+                      <a16:colId xmlns:a16="http://schemas.microsoft.com/office/drawing/2014/main" val="2856305390"/>
+                    </a:ext>
+                  </a:extLst>
+                </a:gridCol>
+              </a:tblGrid>
+              <a:tr h="2707046">
+                <a:tc>
+                  <a:txBody>
+                    <a:bodyPr/>
+                    <a:lstStyle/>
+                    <a:p>
+                      <a:pPr algn="ctr" fontAlgn="t"/>
+                      <a:r>
+                        <a:rPr lang="uk-UA" sz="1100">
+                          <a:solidFill>
+                            <a:srgbClr val="C2C2C2"/>
+                          </a:solidFill>
+                          <a:effectLst/>
+                          <a:latin typeface="inherit"/>
+                        </a:rPr>
+                        <a:t>1</a:t>
+                      </a:r>
+                    </a:p>
+                    <a:p>
+                      <a:pPr algn="ctr" fontAlgn="t"/>
+                      <a:r>
+                        <a:rPr lang="uk-UA" sz="1100">
+                          <a:solidFill>
+                            <a:srgbClr val="C2C2C2"/>
+                          </a:solidFill>
+                          <a:effectLst/>
+                          <a:latin typeface="inherit"/>
+                        </a:rPr>
+                        <a:t>2</a:t>
+                      </a:r>
+                    </a:p>
+                    <a:p>
+                      <a:pPr algn="ctr" fontAlgn="t"/>
+                      <a:r>
+                        <a:rPr lang="uk-UA" sz="1100">
+                          <a:solidFill>
+                            <a:srgbClr val="C2C2C2"/>
+                          </a:solidFill>
+                          <a:effectLst/>
+                          <a:latin typeface="inherit"/>
+                        </a:rPr>
+                        <a:t>3</a:t>
+                      </a:r>
+                    </a:p>
+                    <a:p>
+                      <a:pPr algn="ctr" fontAlgn="t"/>
+                      <a:r>
+                        <a:rPr lang="uk-UA" sz="1100">
+                          <a:solidFill>
+                            <a:srgbClr val="C2C2C2"/>
+                          </a:solidFill>
+                          <a:effectLst/>
+                          <a:latin typeface="inherit"/>
+                        </a:rPr>
+                        <a:t>4</a:t>
+                      </a:r>
+                    </a:p>
+                    <a:p>
+                      <a:pPr algn="ctr" fontAlgn="t"/>
+                      <a:r>
+                        <a:rPr lang="uk-UA" sz="1100">
+                          <a:solidFill>
+                            <a:srgbClr val="C2C2C2"/>
+                          </a:solidFill>
+                          <a:effectLst/>
+                          <a:latin typeface="inherit"/>
+                        </a:rPr>
+                        <a:t>5</a:t>
+                      </a:r>
+                    </a:p>
+                    <a:p>
+                      <a:pPr algn="ctr" fontAlgn="t"/>
+                      <a:r>
+                        <a:rPr lang="uk-UA" sz="1100">
+                          <a:solidFill>
+                            <a:srgbClr val="C2C2C2"/>
+                          </a:solidFill>
+                          <a:effectLst/>
+                          <a:latin typeface="inherit"/>
+                        </a:rPr>
+                        <a:t>6</a:t>
+                      </a:r>
+                    </a:p>
+                    <a:p>
+                      <a:pPr algn="ctr" fontAlgn="t"/>
+                      <a:r>
+                        <a:rPr lang="uk-UA" sz="1100">
+                          <a:solidFill>
+                            <a:srgbClr val="C2C2C2"/>
+                          </a:solidFill>
+                          <a:effectLst/>
+                          <a:latin typeface="inherit"/>
+                        </a:rPr>
+                        <a:t>7</a:t>
+                      </a:r>
+                    </a:p>
+                    <a:p>
+                      <a:pPr algn="ctr" fontAlgn="t"/>
+                      <a:r>
+                        <a:rPr lang="uk-UA" sz="1100">
+                          <a:solidFill>
+                            <a:srgbClr val="C2C2C2"/>
+                          </a:solidFill>
+                          <a:effectLst/>
+                          <a:latin typeface="inherit"/>
+                        </a:rPr>
+                        <a:t>8</a:t>
+                      </a:r>
+                    </a:p>
+                    <a:p>
+                      <a:pPr algn="ctr" fontAlgn="t"/>
+                      <a:r>
+                        <a:rPr lang="uk-UA" sz="1100">
+                          <a:solidFill>
+                            <a:srgbClr val="C2C2C2"/>
+                          </a:solidFill>
+                          <a:effectLst/>
+                          <a:latin typeface="inherit"/>
+                        </a:rPr>
+                        <a:t>9</a:t>
+                      </a:r>
+                    </a:p>
+                    <a:p>
+                      <a:pPr algn="ctr" fontAlgn="t"/>
+                      <a:r>
+                        <a:rPr lang="uk-UA" sz="1100">
+                          <a:solidFill>
+                            <a:srgbClr val="C2C2C2"/>
+                          </a:solidFill>
+                          <a:effectLst/>
+                          <a:latin typeface="inherit"/>
+                        </a:rPr>
+                        <a:t>10</a:t>
+                      </a:r>
+                    </a:p>
+                    <a:p>
+                      <a:pPr algn="ctr" fontAlgn="t"/>
+                      <a:r>
+                        <a:rPr lang="uk-UA" sz="1100">
+                          <a:solidFill>
+                            <a:srgbClr val="C2C2C2"/>
+                          </a:solidFill>
+                          <a:effectLst/>
+                          <a:latin typeface="inherit"/>
+                        </a:rPr>
+                        <a:t>11</a:t>
+                      </a:r>
+                    </a:p>
+                    <a:p>
+                      <a:pPr algn="ctr" fontAlgn="t"/>
+                      <a:r>
+                        <a:rPr lang="uk-UA" sz="1100">
+                          <a:solidFill>
+                            <a:srgbClr val="C2C2C2"/>
+                          </a:solidFill>
+                          <a:effectLst/>
+                          <a:latin typeface="inherit"/>
+                        </a:rPr>
+                        <a:t>12</a:t>
+                      </a:r>
+                    </a:p>
+                    <a:p>
+                      <a:pPr algn="ctr" fontAlgn="t"/>
+                      <a:r>
+                        <a:rPr lang="uk-UA" sz="1100">
+                          <a:solidFill>
+                            <a:srgbClr val="C2C2C2"/>
+                          </a:solidFill>
+                          <a:effectLst/>
+                          <a:latin typeface="inherit"/>
+                        </a:rPr>
+                        <a:t>13</a:t>
+                      </a:r>
+                    </a:p>
+                    <a:p>
+                      <a:pPr algn="ctr" fontAlgn="t"/>
+                      <a:r>
+                        <a:rPr lang="uk-UA" sz="1100">
+                          <a:solidFill>
+                            <a:srgbClr val="C2C2C2"/>
+                          </a:solidFill>
+                          <a:effectLst/>
+                          <a:latin typeface="inherit"/>
+                        </a:rPr>
+                        <a:t>14</a:t>
+                      </a:r>
+                    </a:p>
+                    <a:p>
+                      <a:pPr algn="ctr" fontAlgn="t"/>
+                      <a:r>
+                        <a:rPr lang="uk-UA" sz="1100">
+                          <a:solidFill>
+                            <a:srgbClr val="C2C2C2"/>
+                          </a:solidFill>
+                          <a:effectLst/>
+                          <a:latin typeface="inherit"/>
+                        </a:rPr>
+                        <a:t>15</a:t>
+                      </a:r>
+                    </a:p>
+                    <a:p>
+                      <a:pPr algn="ctr" fontAlgn="t"/>
+                      <a:r>
+                        <a:rPr lang="uk-UA" sz="1100">
+                          <a:solidFill>
+                            <a:srgbClr val="C2C2C2"/>
+                          </a:solidFill>
+                          <a:effectLst/>
+                          <a:latin typeface="inherit"/>
+                        </a:rPr>
+                        <a:t>16</a:t>
+                      </a:r>
+                    </a:p>
+                    <a:p>
+                      <a:pPr algn="ctr" fontAlgn="t"/>
+                      <a:r>
+                        <a:rPr lang="uk-UA" sz="1100">
+                          <a:solidFill>
+                            <a:srgbClr val="C2C2C2"/>
+                          </a:solidFill>
+                          <a:effectLst/>
+                          <a:latin typeface="inherit"/>
+                        </a:rPr>
+                        <a:t>17</a:t>
+                      </a:r>
+                    </a:p>
+                  </a:txBody>
+                  <a:tcPr marL="57254" marR="57254" marT="28627" marB="28627">
+                    <a:lnL>
+                      <a:noFill/>
+                    </a:lnL>
+                    <a:lnR w="7620" cap="flat" cmpd="sng" algn="ctr">
+                      <a:solidFill>
+                        <a:srgbClr val="8C8D8F"/>
+                      </a:solidFill>
+                      <a:prstDash val="solid"/>
+                      <a:round/>
+                      <a:headEnd type="none" w="med" len="med"/>
+                      <a:tailEnd type="none" w="med" len="med"/>
+                    </a:lnR>
+                    <a:lnT>
+                      <a:noFill/>
+                    </a:lnT>
+                    <a:lnB>
+                      <a:noFill/>
+                    </a:lnB>
+                    <a:solidFill>
+                      <a:srgbClr val="303030"/>
+                    </a:solidFill>
+                  </a:tcPr>
+                </a:tc>
+                <a:tc>
+                  <a:txBody>
+                    <a:bodyPr/>
+                    <a:lstStyle/>
+                    <a:p>
+                      <a:pPr algn="l" fontAlgn="t"/>
+                      <a:r>
+                        <a:rPr lang="uk-UA" sz="1100" i="1" dirty="0">
+                          <a:solidFill>
+                            <a:srgbClr val="57A64A"/>
+                          </a:solidFill>
+                          <a:effectLst/>
+                          <a:latin typeface="inherit"/>
+                        </a:rPr>
+                        <a:t># Повертаємо </a:t>
+                      </a:r>
+                      <a:r>
+                        <a:rPr lang="en-US" sz="1100" i="1" dirty="0">
+                          <a:solidFill>
+                            <a:srgbClr val="57A64A"/>
+                          </a:solidFill>
+                          <a:effectLst/>
+                          <a:latin typeface="inherit"/>
+                        </a:rPr>
+                        <a:t>True, </a:t>
+                      </a:r>
+                      <a:r>
+                        <a:rPr lang="uk-UA" sz="1100" i="1" dirty="0">
+                          <a:solidFill>
+                            <a:srgbClr val="57A64A"/>
+                          </a:solidFill>
+                          <a:effectLst/>
+                          <a:latin typeface="inherit"/>
+                        </a:rPr>
+                        <a:t>якщо переданий аргумент є парним</a:t>
+                      </a:r>
+                      <a:endParaRPr lang="uk-UA" sz="1100" dirty="0">
+                        <a:solidFill>
+                          <a:srgbClr val="FFFFFF"/>
+                        </a:solidFill>
+                        <a:effectLst/>
+                        <a:latin typeface="inherit"/>
+                      </a:endParaRPr>
+                    </a:p>
+                    <a:p>
+                      <a:pPr algn="l" fontAlgn="t"/>
+                      <a:r>
+                        <a:rPr lang="en-US" sz="1100" dirty="0">
+                          <a:solidFill>
+                            <a:srgbClr val="F4BB15"/>
+                          </a:solidFill>
+                          <a:effectLst/>
+                          <a:latin typeface="inherit"/>
+                        </a:rPr>
+                        <a:t>def</a:t>
+                      </a:r>
+                      <a:r>
+                        <a:rPr lang="en-US" sz="1100" dirty="0">
+                          <a:solidFill>
+                            <a:srgbClr val="006FE0"/>
+                          </a:solidFill>
+                          <a:effectLst/>
+                          <a:latin typeface="inherit"/>
+                        </a:rPr>
+                        <a:t> </a:t>
+                      </a:r>
+                      <a:r>
+                        <a:rPr lang="en-US" sz="1100" dirty="0" err="1">
+                          <a:solidFill>
+                            <a:srgbClr val="FF8000"/>
+                          </a:solidFill>
+                          <a:effectLst/>
+                          <a:latin typeface="inherit"/>
+                        </a:rPr>
+                        <a:t>check_even</a:t>
+                      </a:r>
+                      <a:r>
+                        <a:rPr lang="en-US" sz="1100" dirty="0">
+                          <a:solidFill>
+                            <a:srgbClr val="D8D8D8"/>
+                          </a:solidFill>
+                          <a:effectLst/>
+                          <a:latin typeface="inherit"/>
+                        </a:rPr>
+                        <a:t>(</a:t>
+                      </a:r>
+                      <a:r>
+                        <a:rPr lang="en-US" sz="1100" dirty="0">
+                          <a:solidFill>
+                            <a:srgbClr val="BDB76B"/>
+                          </a:solidFill>
+                          <a:effectLst/>
+                          <a:latin typeface="inherit"/>
+                        </a:rPr>
+                        <a:t>number</a:t>
+                      </a:r>
+                      <a:r>
+                        <a:rPr lang="en-US" sz="1100" dirty="0">
+                          <a:solidFill>
+                            <a:srgbClr val="D8D8D8"/>
+                          </a:solidFill>
+                          <a:effectLst/>
+                          <a:latin typeface="inherit"/>
+                        </a:rPr>
+                        <a:t>)</a:t>
+                      </a:r>
+                      <a:r>
+                        <a:rPr lang="en-US" sz="1100" dirty="0">
+                          <a:solidFill>
+                            <a:srgbClr val="DADADA"/>
+                          </a:solidFill>
+                          <a:effectLst/>
+                          <a:latin typeface="inherit"/>
+                        </a:rPr>
+                        <a:t>:</a:t>
+                      </a:r>
+                      <a:endParaRPr lang="en-US" sz="1100" dirty="0">
+                        <a:solidFill>
+                          <a:srgbClr val="FFFFFF"/>
+                        </a:solidFill>
+                        <a:effectLst/>
+                        <a:latin typeface="inherit"/>
+                      </a:endParaRPr>
+                    </a:p>
+                    <a:p>
+                      <a:pPr algn="l" fontAlgn="t"/>
+                      <a:r>
+                        <a:rPr lang="en-US" sz="1100" dirty="0">
+                          <a:solidFill>
+                            <a:srgbClr val="006FE0"/>
+                          </a:solidFill>
+                          <a:effectLst/>
+                          <a:latin typeface="inherit"/>
+                        </a:rPr>
+                        <a:t>    </a:t>
+                      </a:r>
+                      <a:r>
+                        <a:rPr lang="en-US" sz="1100" dirty="0">
+                          <a:solidFill>
+                            <a:srgbClr val="20B0DA"/>
+                          </a:solidFill>
+                          <a:effectLst/>
+                          <a:latin typeface="inherit"/>
+                        </a:rPr>
+                        <a:t>if</a:t>
+                      </a:r>
+                      <a:r>
+                        <a:rPr lang="en-US" sz="1100" dirty="0">
+                          <a:solidFill>
+                            <a:srgbClr val="006FE0"/>
+                          </a:solidFill>
+                          <a:effectLst/>
+                          <a:latin typeface="inherit"/>
+                        </a:rPr>
+                        <a:t> </a:t>
+                      </a:r>
+                      <a:r>
+                        <a:rPr lang="en-US" sz="1100" dirty="0">
+                          <a:solidFill>
+                            <a:srgbClr val="BDB76B"/>
+                          </a:solidFill>
+                          <a:effectLst/>
+                          <a:latin typeface="inherit"/>
+                        </a:rPr>
+                        <a:t>number</a:t>
+                      </a:r>
+                      <a:r>
+                        <a:rPr lang="en-US" sz="1100" dirty="0">
+                          <a:solidFill>
+                            <a:srgbClr val="006FE0"/>
+                          </a:solidFill>
+                          <a:effectLst/>
+                          <a:latin typeface="inherit"/>
+                        </a:rPr>
+                        <a:t> </a:t>
+                      </a:r>
+                      <a:r>
+                        <a:rPr lang="en-US" sz="1100" dirty="0">
+                          <a:solidFill>
+                            <a:srgbClr val="DADADA"/>
+                          </a:solidFill>
+                          <a:effectLst/>
+                          <a:latin typeface="inherit"/>
+                        </a:rPr>
+                        <a:t>%</a:t>
+                      </a:r>
+                      <a:r>
+                        <a:rPr lang="en-US" sz="1100" dirty="0">
+                          <a:solidFill>
+                            <a:srgbClr val="006FE0"/>
+                          </a:solidFill>
+                          <a:effectLst/>
+                          <a:latin typeface="inherit"/>
+                        </a:rPr>
+                        <a:t> </a:t>
+                      </a:r>
+                      <a:r>
+                        <a:rPr lang="en-US" sz="1100" dirty="0">
+                          <a:solidFill>
+                            <a:srgbClr val="E7A37A"/>
+                          </a:solidFill>
+                          <a:effectLst/>
+                          <a:latin typeface="inherit"/>
+                        </a:rPr>
+                        <a:t>2</a:t>
+                      </a:r>
+                      <a:r>
+                        <a:rPr lang="en-US" sz="1100" dirty="0">
+                          <a:solidFill>
+                            <a:srgbClr val="006FE0"/>
+                          </a:solidFill>
+                          <a:effectLst/>
+                          <a:latin typeface="inherit"/>
+                        </a:rPr>
+                        <a:t> </a:t>
+                      </a:r>
+                      <a:r>
+                        <a:rPr lang="en-US" sz="1100" dirty="0">
+                          <a:solidFill>
+                            <a:srgbClr val="DADADA"/>
+                          </a:solidFill>
+                          <a:effectLst/>
+                          <a:latin typeface="inherit"/>
+                        </a:rPr>
+                        <a:t>==</a:t>
+                      </a:r>
+                      <a:r>
+                        <a:rPr lang="en-US" sz="1100" dirty="0">
+                          <a:solidFill>
+                            <a:srgbClr val="006FE0"/>
+                          </a:solidFill>
+                          <a:effectLst/>
+                          <a:latin typeface="inherit"/>
+                        </a:rPr>
+                        <a:t> </a:t>
+                      </a:r>
+                      <a:r>
+                        <a:rPr lang="en-US" sz="1100" dirty="0">
+                          <a:solidFill>
+                            <a:srgbClr val="E7A37A"/>
+                          </a:solidFill>
+                          <a:effectLst/>
+                          <a:latin typeface="inherit"/>
+                        </a:rPr>
+                        <a:t>0</a:t>
+                      </a:r>
+                      <a:r>
+                        <a:rPr lang="en-US" sz="1100" dirty="0">
+                          <a:solidFill>
+                            <a:srgbClr val="DADADA"/>
+                          </a:solidFill>
+                          <a:effectLst/>
+                          <a:latin typeface="inherit"/>
+                        </a:rPr>
+                        <a:t>:</a:t>
+                      </a:r>
+                      <a:endParaRPr lang="en-US" sz="1100" dirty="0">
+                        <a:solidFill>
+                          <a:srgbClr val="FFFFFF"/>
+                        </a:solidFill>
+                        <a:effectLst/>
+                        <a:latin typeface="inherit"/>
+                      </a:endParaRPr>
+                    </a:p>
+                    <a:p>
+                      <a:pPr algn="l" fontAlgn="t"/>
+                      <a:r>
+                        <a:rPr lang="en-US" sz="1100" dirty="0">
+                          <a:solidFill>
+                            <a:srgbClr val="006FE0"/>
+                          </a:solidFill>
+                          <a:effectLst/>
+                          <a:latin typeface="inherit"/>
+                        </a:rPr>
+                        <a:t>          </a:t>
+                      </a:r>
+                      <a:r>
+                        <a:rPr lang="en-US" sz="1100" dirty="0">
+                          <a:solidFill>
+                            <a:srgbClr val="20B0DA"/>
+                          </a:solidFill>
+                          <a:effectLst/>
+                          <a:latin typeface="inherit"/>
+                        </a:rPr>
+                        <a:t>return</a:t>
+                      </a:r>
+                      <a:r>
+                        <a:rPr lang="en-US" sz="1100" dirty="0">
+                          <a:solidFill>
+                            <a:srgbClr val="006FE0"/>
+                          </a:solidFill>
+                          <a:effectLst/>
+                          <a:latin typeface="inherit"/>
+                        </a:rPr>
+                        <a:t> </a:t>
+                      </a:r>
+                      <a:r>
+                        <a:rPr lang="en-US" sz="1100" dirty="0">
+                          <a:solidFill>
+                            <a:srgbClr val="F4BB15"/>
+                          </a:solidFill>
+                          <a:effectLst/>
+                          <a:latin typeface="inherit"/>
+                        </a:rPr>
+                        <a:t>True</a:t>
+                      </a:r>
+                      <a:r>
+                        <a:rPr lang="en-US" sz="1100" dirty="0">
+                          <a:solidFill>
+                            <a:srgbClr val="006FE0"/>
+                          </a:solidFill>
+                          <a:effectLst/>
+                          <a:latin typeface="inherit"/>
+                        </a:rPr>
+                        <a:t>  </a:t>
+                      </a:r>
+                      <a:endParaRPr lang="en-US" sz="1100" dirty="0">
+                        <a:solidFill>
+                          <a:srgbClr val="FFFFFF"/>
+                        </a:solidFill>
+                        <a:effectLst/>
+                        <a:latin typeface="inherit"/>
+                      </a:endParaRPr>
+                    </a:p>
+                    <a:p>
+                      <a:pPr algn="l" fontAlgn="t"/>
+                      <a:r>
+                        <a:rPr lang="en-US" sz="1100" dirty="0">
+                          <a:solidFill>
+                            <a:srgbClr val="FFFFFF"/>
+                          </a:solidFill>
+                          <a:effectLst/>
+                          <a:latin typeface="inherit"/>
+                        </a:rPr>
+                        <a:t> </a:t>
+                      </a:r>
+                    </a:p>
+                    <a:p>
+                      <a:pPr algn="l" fontAlgn="t"/>
+                      <a:r>
+                        <a:rPr lang="en-US" sz="1100" dirty="0">
+                          <a:solidFill>
+                            <a:srgbClr val="006FE0"/>
+                          </a:solidFill>
+                          <a:effectLst/>
+                          <a:latin typeface="inherit"/>
+                        </a:rPr>
+                        <a:t>    </a:t>
+                      </a:r>
+                      <a:r>
+                        <a:rPr lang="en-US" sz="1100" dirty="0">
+                          <a:solidFill>
+                            <a:srgbClr val="20B0DA"/>
+                          </a:solidFill>
+                          <a:effectLst/>
+                          <a:latin typeface="inherit"/>
+                        </a:rPr>
+                        <a:t>return</a:t>
+                      </a:r>
+                      <a:r>
+                        <a:rPr lang="en-US" sz="1100" dirty="0">
+                          <a:solidFill>
+                            <a:srgbClr val="006FE0"/>
+                          </a:solidFill>
+                          <a:effectLst/>
+                          <a:latin typeface="inherit"/>
+                        </a:rPr>
+                        <a:t> </a:t>
+                      </a:r>
+                      <a:r>
+                        <a:rPr lang="en-US" sz="1100" dirty="0">
+                          <a:solidFill>
+                            <a:srgbClr val="F4BB15"/>
+                          </a:solidFill>
+                          <a:effectLst/>
+                          <a:latin typeface="inherit"/>
+                        </a:rPr>
+                        <a:t>False</a:t>
+                      </a:r>
+                      <a:endParaRPr lang="en-US" sz="1100" dirty="0">
+                        <a:solidFill>
+                          <a:srgbClr val="FFFFFF"/>
+                        </a:solidFill>
+                        <a:effectLst/>
+                        <a:latin typeface="inherit"/>
+                      </a:endParaRPr>
+                    </a:p>
+                    <a:p>
+                      <a:pPr algn="l" fontAlgn="t"/>
+                      <a:r>
+                        <a:rPr lang="en-US" sz="1100" dirty="0">
+                          <a:solidFill>
+                            <a:srgbClr val="FFFFFF"/>
+                          </a:solidFill>
+                          <a:effectLst/>
+                          <a:latin typeface="inherit"/>
+                        </a:rPr>
+                        <a:t> </a:t>
+                      </a:r>
+                    </a:p>
+                    <a:p>
+                      <a:pPr algn="l" fontAlgn="t"/>
+                      <a:r>
+                        <a:rPr lang="en-US" sz="1100" dirty="0">
+                          <a:solidFill>
+                            <a:srgbClr val="FFFFFF"/>
+                          </a:solidFill>
+                          <a:effectLst/>
+                          <a:latin typeface="inherit"/>
+                        </a:rPr>
+                        <a:t> </a:t>
+                      </a:r>
+                    </a:p>
+                    <a:p>
+                      <a:pPr algn="l" fontAlgn="t"/>
+                      <a:r>
+                        <a:rPr lang="en-US" sz="1100" dirty="0">
+                          <a:solidFill>
+                            <a:srgbClr val="569CD6"/>
+                          </a:solidFill>
+                          <a:effectLst/>
+                          <a:latin typeface="inherit"/>
+                        </a:rPr>
+                        <a:t>numbers</a:t>
+                      </a:r>
+                      <a:r>
+                        <a:rPr lang="en-US" sz="1100" dirty="0">
+                          <a:solidFill>
+                            <a:srgbClr val="006FE0"/>
+                          </a:solidFill>
+                          <a:effectLst/>
+                          <a:latin typeface="inherit"/>
+                        </a:rPr>
+                        <a:t> </a:t>
+                      </a:r>
+                      <a:r>
+                        <a:rPr lang="en-US" sz="1100" dirty="0">
+                          <a:solidFill>
+                            <a:srgbClr val="DADADA"/>
+                          </a:solidFill>
+                          <a:effectLst/>
+                          <a:latin typeface="inherit"/>
+                        </a:rPr>
+                        <a:t>=</a:t>
+                      </a:r>
+                      <a:r>
+                        <a:rPr lang="en-US" sz="1100" dirty="0">
+                          <a:solidFill>
+                            <a:srgbClr val="006FE0"/>
+                          </a:solidFill>
+                          <a:effectLst/>
+                          <a:latin typeface="inherit"/>
+                        </a:rPr>
+                        <a:t> </a:t>
+                      </a:r>
+                      <a:r>
+                        <a:rPr lang="en-US" sz="1100" dirty="0">
+                          <a:solidFill>
+                            <a:srgbClr val="D8D8D8"/>
+                          </a:solidFill>
+                          <a:effectLst/>
+                          <a:latin typeface="inherit"/>
+                        </a:rPr>
+                        <a:t>[</a:t>
+                      </a:r>
+                      <a:r>
+                        <a:rPr lang="en-US" sz="1100" dirty="0">
+                          <a:solidFill>
+                            <a:srgbClr val="E7A37A"/>
+                          </a:solidFill>
+                          <a:effectLst/>
+                          <a:latin typeface="inherit"/>
+                        </a:rPr>
+                        <a:t>1</a:t>
+                      </a:r>
+                      <a:r>
+                        <a:rPr lang="en-US" sz="1100" dirty="0">
+                          <a:solidFill>
+                            <a:srgbClr val="D8D8D8"/>
+                          </a:solidFill>
+                          <a:effectLst/>
+                          <a:latin typeface="inherit"/>
+                        </a:rPr>
+                        <a:t>,</a:t>
+                      </a:r>
+                      <a:r>
+                        <a:rPr lang="en-US" sz="1100" dirty="0">
+                          <a:solidFill>
+                            <a:srgbClr val="006FE0"/>
+                          </a:solidFill>
+                          <a:effectLst/>
+                          <a:latin typeface="inherit"/>
+                        </a:rPr>
+                        <a:t> </a:t>
+                      </a:r>
+                      <a:r>
+                        <a:rPr lang="en-US" sz="1100" dirty="0">
+                          <a:solidFill>
+                            <a:srgbClr val="E7A37A"/>
+                          </a:solidFill>
+                          <a:effectLst/>
+                          <a:latin typeface="inherit"/>
+                        </a:rPr>
+                        <a:t>2</a:t>
+                      </a:r>
+                      <a:r>
+                        <a:rPr lang="en-US" sz="1100" dirty="0">
+                          <a:solidFill>
+                            <a:srgbClr val="D8D8D8"/>
+                          </a:solidFill>
+                          <a:effectLst/>
+                          <a:latin typeface="inherit"/>
+                        </a:rPr>
+                        <a:t>,</a:t>
+                      </a:r>
+                      <a:r>
+                        <a:rPr lang="en-US" sz="1100" dirty="0">
+                          <a:solidFill>
+                            <a:srgbClr val="006FE0"/>
+                          </a:solidFill>
+                          <a:effectLst/>
+                          <a:latin typeface="inherit"/>
+                        </a:rPr>
+                        <a:t> </a:t>
+                      </a:r>
+                      <a:r>
+                        <a:rPr lang="en-US" sz="1100" dirty="0">
+                          <a:solidFill>
+                            <a:srgbClr val="E7A37A"/>
+                          </a:solidFill>
+                          <a:effectLst/>
+                          <a:latin typeface="inherit"/>
+                        </a:rPr>
+                        <a:t>3</a:t>
+                      </a:r>
+                      <a:r>
+                        <a:rPr lang="en-US" sz="1100" dirty="0">
+                          <a:solidFill>
+                            <a:srgbClr val="D8D8D8"/>
+                          </a:solidFill>
+                          <a:effectLst/>
+                          <a:latin typeface="inherit"/>
+                        </a:rPr>
+                        <a:t>,</a:t>
+                      </a:r>
+                      <a:r>
+                        <a:rPr lang="en-US" sz="1100" dirty="0">
+                          <a:solidFill>
+                            <a:srgbClr val="006FE0"/>
+                          </a:solidFill>
+                          <a:effectLst/>
+                          <a:latin typeface="inherit"/>
+                        </a:rPr>
+                        <a:t> </a:t>
+                      </a:r>
+                      <a:r>
+                        <a:rPr lang="en-US" sz="1100" dirty="0">
+                          <a:solidFill>
+                            <a:srgbClr val="E7A37A"/>
+                          </a:solidFill>
+                          <a:effectLst/>
+                          <a:latin typeface="inherit"/>
+                        </a:rPr>
+                        <a:t>4</a:t>
+                      </a:r>
+                      <a:r>
+                        <a:rPr lang="en-US" sz="1100" dirty="0">
+                          <a:solidFill>
+                            <a:srgbClr val="D8D8D8"/>
+                          </a:solidFill>
+                          <a:effectLst/>
+                          <a:latin typeface="inherit"/>
+                        </a:rPr>
+                        <a:t>,</a:t>
+                      </a:r>
+                      <a:r>
+                        <a:rPr lang="en-US" sz="1100" dirty="0">
+                          <a:solidFill>
+                            <a:srgbClr val="006FE0"/>
+                          </a:solidFill>
+                          <a:effectLst/>
+                          <a:latin typeface="inherit"/>
+                        </a:rPr>
+                        <a:t> </a:t>
+                      </a:r>
+                      <a:r>
+                        <a:rPr lang="en-US" sz="1100" dirty="0">
+                          <a:solidFill>
+                            <a:srgbClr val="E7A37A"/>
+                          </a:solidFill>
+                          <a:effectLst/>
+                          <a:latin typeface="inherit"/>
+                        </a:rPr>
+                        <a:t>5</a:t>
+                      </a:r>
+                      <a:r>
+                        <a:rPr lang="en-US" sz="1100" dirty="0">
+                          <a:solidFill>
+                            <a:srgbClr val="D8D8D8"/>
+                          </a:solidFill>
+                          <a:effectLst/>
+                          <a:latin typeface="inherit"/>
+                        </a:rPr>
+                        <a:t>,</a:t>
+                      </a:r>
+                      <a:r>
+                        <a:rPr lang="en-US" sz="1100" dirty="0">
+                          <a:solidFill>
+                            <a:srgbClr val="006FE0"/>
+                          </a:solidFill>
+                          <a:effectLst/>
+                          <a:latin typeface="inherit"/>
+                        </a:rPr>
+                        <a:t> </a:t>
+                      </a:r>
+                      <a:r>
+                        <a:rPr lang="en-US" sz="1100" dirty="0">
+                          <a:solidFill>
+                            <a:srgbClr val="E7A37A"/>
+                          </a:solidFill>
+                          <a:effectLst/>
+                          <a:latin typeface="inherit"/>
+                        </a:rPr>
+                        <a:t>6</a:t>
+                      </a:r>
+                      <a:r>
+                        <a:rPr lang="en-US" sz="1100" dirty="0">
+                          <a:solidFill>
+                            <a:srgbClr val="D8D8D8"/>
+                          </a:solidFill>
+                          <a:effectLst/>
+                          <a:latin typeface="inherit"/>
+                        </a:rPr>
+                        <a:t>,</a:t>
+                      </a:r>
+                      <a:r>
+                        <a:rPr lang="en-US" sz="1100" dirty="0">
+                          <a:solidFill>
+                            <a:srgbClr val="006FE0"/>
+                          </a:solidFill>
+                          <a:effectLst/>
+                          <a:latin typeface="inherit"/>
+                        </a:rPr>
+                        <a:t> </a:t>
+                      </a:r>
+                      <a:r>
+                        <a:rPr lang="en-US" sz="1100" dirty="0">
+                          <a:solidFill>
+                            <a:srgbClr val="E7A37A"/>
+                          </a:solidFill>
+                          <a:effectLst/>
+                          <a:latin typeface="inherit"/>
+                        </a:rPr>
+                        <a:t>7</a:t>
+                      </a:r>
+                      <a:r>
+                        <a:rPr lang="en-US" sz="1100" dirty="0">
+                          <a:solidFill>
+                            <a:srgbClr val="D8D8D8"/>
+                          </a:solidFill>
+                          <a:effectLst/>
+                          <a:latin typeface="inherit"/>
+                        </a:rPr>
+                        <a:t>,</a:t>
+                      </a:r>
+                      <a:r>
+                        <a:rPr lang="en-US" sz="1100" dirty="0">
+                          <a:solidFill>
+                            <a:srgbClr val="006FE0"/>
+                          </a:solidFill>
+                          <a:effectLst/>
+                          <a:latin typeface="inherit"/>
+                        </a:rPr>
+                        <a:t> </a:t>
+                      </a:r>
+                      <a:r>
+                        <a:rPr lang="en-US" sz="1100" dirty="0">
+                          <a:solidFill>
+                            <a:srgbClr val="E7A37A"/>
+                          </a:solidFill>
+                          <a:effectLst/>
+                          <a:latin typeface="inherit"/>
+                        </a:rPr>
+                        <a:t>8</a:t>
+                      </a:r>
+                      <a:r>
+                        <a:rPr lang="en-US" sz="1100" dirty="0">
+                          <a:solidFill>
+                            <a:srgbClr val="D8D8D8"/>
+                          </a:solidFill>
+                          <a:effectLst/>
+                          <a:latin typeface="inherit"/>
+                        </a:rPr>
+                        <a:t>,</a:t>
+                      </a:r>
+                      <a:r>
+                        <a:rPr lang="en-US" sz="1100" dirty="0">
+                          <a:solidFill>
+                            <a:srgbClr val="006FE0"/>
+                          </a:solidFill>
+                          <a:effectLst/>
+                          <a:latin typeface="inherit"/>
+                        </a:rPr>
+                        <a:t> </a:t>
+                      </a:r>
+                      <a:r>
+                        <a:rPr lang="en-US" sz="1100" dirty="0">
+                          <a:solidFill>
+                            <a:srgbClr val="E7A37A"/>
+                          </a:solidFill>
+                          <a:effectLst/>
+                          <a:latin typeface="inherit"/>
+                        </a:rPr>
+                        <a:t>9</a:t>
+                      </a:r>
+                      <a:r>
+                        <a:rPr lang="en-US" sz="1100" dirty="0">
+                          <a:solidFill>
+                            <a:srgbClr val="D8D8D8"/>
+                          </a:solidFill>
+                          <a:effectLst/>
+                          <a:latin typeface="inherit"/>
+                        </a:rPr>
+                        <a:t>,</a:t>
+                      </a:r>
+                      <a:r>
+                        <a:rPr lang="en-US" sz="1100" dirty="0">
+                          <a:solidFill>
+                            <a:srgbClr val="006FE0"/>
+                          </a:solidFill>
+                          <a:effectLst/>
+                          <a:latin typeface="inherit"/>
+                        </a:rPr>
+                        <a:t> </a:t>
+                      </a:r>
+                      <a:r>
+                        <a:rPr lang="en-US" sz="1100" dirty="0">
+                          <a:solidFill>
+                            <a:srgbClr val="E7A37A"/>
+                          </a:solidFill>
+                          <a:effectLst/>
+                          <a:latin typeface="inherit"/>
+                        </a:rPr>
+                        <a:t>10</a:t>
+                      </a:r>
+                      <a:r>
+                        <a:rPr lang="en-US" sz="1100" dirty="0">
+                          <a:solidFill>
+                            <a:srgbClr val="D8D8D8"/>
+                          </a:solidFill>
+                          <a:effectLst/>
+                          <a:latin typeface="inherit"/>
+                        </a:rPr>
+                        <a:t>]</a:t>
+                      </a:r>
+                      <a:endParaRPr lang="en-US" sz="1100" dirty="0">
+                        <a:solidFill>
+                          <a:srgbClr val="FFFFFF"/>
+                        </a:solidFill>
+                        <a:effectLst/>
+                        <a:latin typeface="inherit"/>
+                      </a:endParaRPr>
+                    </a:p>
+                    <a:p>
+                      <a:pPr algn="l" fontAlgn="t"/>
+                      <a:r>
+                        <a:rPr lang="en-US" sz="1100" dirty="0">
+                          <a:solidFill>
+                            <a:srgbClr val="FFFFFF"/>
+                          </a:solidFill>
+                          <a:effectLst/>
+                          <a:latin typeface="inherit"/>
+                        </a:rPr>
+                        <a:t> </a:t>
+                      </a:r>
+                    </a:p>
+                    <a:p>
+                      <a:pPr algn="l" fontAlgn="t"/>
+                      <a:r>
+                        <a:rPr lang="en-US" sz="1100" i="1" dirty="0">
+                          <a:solidFill>
+                            <a:srgbClr val="57A64A"/>
+                          </a:solidFill>
+                          <a:effectLst/>
+                          <a:latin typeface="inherit"/>
+                        </a:rPr>
+                        <a:t># </a:t>
+                      </a:r>
+                      <a:r>
+                        <a:rPr lang="uk-UA" sz="1100" i="1" dirty="0">
+                          <a:solidFill>
+                            <a:srgbClr val="57A64A"/>
+                          </a:solidFill>
+                          <a:effectLst/>
+                          <a:latin typeface="inherit"/>
+                        </a:rPr>
+                        <a:t>Якщо елемент, переданий у функцію </a:t>
+                      </a:r>
+                      <a:r>
+                        <a:rPr lang="en-US" sz="1100" i="1" dirty="0" err="1">
+                          <a:solidFill>
+                            <a:srgbClr val="57A64A"/>
+                          </a:solidFill>
+                          <a:effectLst/>
+                          <a:latin typeface="inherit"/>
+                        </a:rPr>
+                        <a:t>check_even</a:t>
+                      </a:r>
+                      <a:r>
+                        <a:rPr lang="en-US" sz="1100" i="1" dirty="0">
+                          <a:solidFill>
+                            <a:srgbClr val="57A64A"/>
+                          </a:solidFill>
+                          <a:effectLst/>
+                          <a:latin typeface="inherit"/>
+                        </a:rPr>
+                        <a:t>(), </a:t>
+                      </a:r>
+                      <a:r>
+                        <a:rPr lang="uk-UA" sz="1100" i="1" dirty="0">
+                          <a:solidFill>
+                            <a:srgbClr val="57A64A"/>
+                          </a:solidFill>
+                          <a:effectLst/>
+                          <a:latin typeface="inherit"/>
+                        </a:rPr>
+                        <a:t>повертає </a:t>
+                      </a:r>
+                      <a:r>
+                        <a:rPr lang="en-US" sz="1100" i="1" dirty="0">
+                          <a:solidFill>
+                            <a:srgbClr val="57A64A"/>
+                          </a:solidFill>
+                          <a:effectLst/>
+                          <a:latin typeface="inherit"/>
+                        </a:rPr>
+                        <a:t>True, </a:t>
+                      </a:r>
+                      <a:r>
+                        <a:rPr lang="uk-UA" sz="1100" i="1" dirty="0">
+                          <a:solidFill>
+                            <a:srgbClr val="57A64A"/>
+                          </a:solidFill>
+                          <a:effectLst/>
+                          <a:latin typeface="inherit"/>
+                        </a:rPr>
+                        <a:t>вибираємо його</a:t>
+                      </a:r>
+                      <a:endParaRPr lang="uk-UA" sz="1100" dirty="0">
+                        <a:solidFill>
+                          <a:srgbClr val="FFFFFF"/>
+                        </a:solidFill>
+                        <a:effectLst/>
+                        <a:latin typeface="inherit"/>
+                      </a:endParaRPr>
+                    </a:p>
+                    <a:p>
+                      <a:pPr algn="l" fontAlgn="t"/>
+                      <a:r>
+                        <a:rPr lang="en-US" sz="1100" dirty="0" err="1">
+                          <a:solidFill>
+                            <a:srgbClr val="BDB76B"/>
+                          </a:solidFill>
+                          <a:effectLst/>
+                          <a:latin typeface="inherit"/>
+                        </a:rPr>
+                        <a:t>even_numbers_iterator</a:t>
+                      </a:r>
+                      <a:r>
+                        <a:rPr lang="en-US" sz="1100" dirty="0">
+                          <a:solidFill>
+                            <a:srgbClr val="006FE0"/>
+                          </a:solidFill>
+                          <a:effectLst/>
+                          <a:latin typeface="inherit"/>
+                        </a:rPr>
+                        <a:t> </a:t>
+                      </a:r>
+                      <a:r>
+                        <a:rPr lang="en-US" sz="1100" dirty="0">
+                          <a:solidFill>
+                            <a:srgbClr val="DADADA"/>
+                          </a:solidFill>
+                          <a:effectLst/>
+                          <a:latin typeface="inherit"/>
+                        </a:rPr>
+                        <a:t>=</a:t>
+                      </a:r>
+                      <a:r>
+                        <a:rPr lang="en-US" sz="1100" dirty="0">
+                          <a:solidFill>
+                            <a:srgbClr val="006FE0"/>
+                          </a:solidFill>
+                          <a:effectLst/>
+                          <a:latin typeface="inherit"/>
+                        </a:rPr>
+                        <a:t> </a:t>
+                      </a:r>
+                      <a:r>
+                        <a:rPr lang="en-US" sz="1100" dirty="0">
+                          <a:solidFill>
+                            <a:srgbClr val="569CD6"/>
+                          </a:solidFill>
+                          <a:effectLst/>
+                          <a:latin typeface="inherit"/>
+                        </a:rPr>
+                        <a:t>filter</a:t>
+                      </a:r>
+                      <a:r>
+                        <a:rPr lang="en-US" sz="1100" dirty="0">
+                          <a:solidFill>
+                            <a:srgbClr val="D8D8D8"/>
+                          </a:solidFill>
+                          <a:effectLst/>
+                          <a:latin typeface="inherit"/>
+                        </a:rPr>
+                        <a:t>(</a:t>
+                      </a:r>
+                      <a:r>
+                        <a:rPr lang="en-US" sz="1100" dirty="0" err="1">
+                          <a:solidFill>
+                            <a:srgbClr val="BDB76B"/>
+                          </a:solidFill>
+                          <a:effectLst/>
+                          <a:latin typeface="inherit"/>
+                        </a:rPr>
+                        <a:t>check_even</a:t>
+                      </a:r>
+                      <a:r>
+                        <a:rPr lang="en-US" sz="1100" dirty="0">
+                          <a:solidFill>
+                            <a:srgbClr val="D8D8D8"/>
+                          </a:solidFill>
+                          <a:effectLst/>
+                          <a:latin typeface="inherit"/>
+                        </a:rPr>
+                        <a:t>,</a:t>
+                      </a:r>
+                      <a:r>
+                        <a:rPr lang="en-US" sz="1100" dirty="0">
+                          <a:solidFill>
+                            <a:srgbClr val="006FE0"/>
+                          </a:solidFill>
+                          <a:effectLst/>
+                          <a:latin typeface="inherit"/>
+                        </a:rPr>
+                        <a:t> </a:t>
+                      </a:r>
+                      <a:r>
+                        <a:rPr lang="en-US" sz="1100" dirty="0">
+                          <a:solidFill>
+                            <a:srgbClr val="569CD6"/>
+                          </a:solidFill>
+                          <a:effectLst/>
+                          <a:latin typeface="inherit"/>
+                        </a:rPr>
+                        <a:t>numbers</a:t>
+                      </a:r>
+                      <a:r>
+                        <a:rPr lang="en-US" sz="1100" dirty="0">
+                          <a:solidFill>
+                            <a:srgbClr val="D8D8D8"/>
+                          </a:solidFill>
+                          <a:effectLst/>
+                          <a:latin typeface="inherit"/>
+                        </a:rPr>
+                        <a:t>)</a:t>
+                      </a:r>
+                      <a:endParaRPr lang="en-US" sz="1100" dirty="0">
+                        <a:solidFill>
+                          <a:srgbClr val="FFFFFF"/>
+                        </a:solidFill>
+                        <a:effectLst/>
+                        <a:latin typeface="inherit"/>
+                      </a:endParaRPr>
+                    </a:p>
+                    <a:p>
+                      <a:pPr algn="l" fontAlgn="t"/>
+                      <a:r>
+                        <a:rPr lang="en-US" sz="1100" dirty="0">
+                          <a:solidFill>
+                            <a:srgbClr val="FFFFFF"/>
+                          </a:solidFill>
+                          <a:effectLst/>
+                          <a:latin typeface="inherit"/>
+                        </a:rPr>
+                        <a:t> </a:t>
+                      </a:r>
+                    </a:p>
+                    <a:p>
+                      <a:pPr algn="l" fontAlgn="t"/>
+                      <a:r>
+                        <a:rPr lang="en-US" sz="1100" i="1" dirty="0">
+                          <a:solidFill>
+                            <a:srgbClr val="57A64A"/>
+                          </a:solidFill>
+                          <a:effectLst/>
+                          <a:latin typeface="inherit"/>
+                        </a:rPr>
+                        <a:t># </a:t>
+                      </a:r>
+                      <a:r>
+                        <a:rPr lang="uk-UA" sz="1100" i="1" dirty="0">
+                          <a:solidFill>
+                            <a:srgbClr val="57A64A"/>
+                          </a:solidFill>
+                          <a:effectLst/>
+                          <a:latin typeface="inherit"/>
+                        </a:rPr>
+                        <a:t>Конвертуємо в список</a:t>
+                      </a:r>
+                      <a:endParaRPr lang="uk-UA" sz="1100" dirty="0">
+                        <a:solidFill>
+                          <a:srgbClr val="FFFFFF"/>
+                        </a:solidFill>
+                        <a:effectLst/>
+                        <a:latin typeface="inherit"/>
+                      </a:endParaRPr>
+                    </a:p>
+                    <a:p>
+                      <a:pPr algn="l" fontAlgn="t"/>
+                      <a:r>
+                        <a:rPr lang="en-US" sz="1100" dirty="0" err="1">
+                          <a:solidFill>
+                            <a:srgbClr val="BDB76B"/>
+                          </a:solidFill>
+                          <a:effectLst/>
+                          <a:latin typeface="inherit"/>
+                        </a:rPr>
+                        <a:t>even_numbers</a:t>
+                      </a:r>
+                      <a:r>
+                        <a:rPr lang="en-US" sz="1100" dirty="0">
+                          <a:solidFill>
+                            <a:srgbClr val="006FE0"/>
+                          </a:solidFill>
+                          <a:effectLst/>
+                          <a:latin typeface="inherit"/>
+                        </a:rPr>
+                        <a:t> </a:t>
+                      </a:r>
+                      <a:r>
+                        <a:rPr lang="en-US" sz="1100" dirty="0">
+                          <a:solidFill>
+                            <a:srgbClr val="DADADA"/>
+                          </a:solidFill>
+                          <a:effectLst/>
+                          <a:latin typeface="inherit"/>
+                        </a:rPr>
+                        <a:t>=</a:t>
+                      </a:r>
+                      <a:r>
+                        <a:rPr lang="en-US" sz="1100" dirty="0">
+                          <a:solidFill>
+                            <a:srgbClr val="006FE0"/>
+                          </a:solidFill>
+                          <a:effectLst/>
+                          <a:latin typeface="inherit"/>
+                        </a:rPr>
+                        <a:t> </a:t>
+                      </a:r>
+                      <a:r>
+                        <a:rPr lang="en-US" sz="1100" dirty="0">
+                          <a:solidFill>
+                            <a:srgbClr val="569CD6"/>
+                          </a:solidFill>
+                          <a:effectLst/>
+                          <a:latin typeface="inherit"/>
+                        </a:rPr>
+                        <a:t>list</a:t>
+                      </a:r>
+                      <a:r>
+                        <a:rPr lang="en-US" sz="1100" dirty="0">
+                          <a:solidFill>
+                            <a:srgbClr val="D8D8D8"/>
+                          </a:solidFill>
+                          <a:effectLst/>
+                          <a:latin typeface="inherit"/>
+                        </a:rPr>
+                        <a:t>(</a:t>
+                      </a:r>
+                      <a:r>
+                        <a:rPr lang="en-US" sz="1100" dirty="0" err="1">
+                          <a:solidFill>
+                            <a:srgbClr val="BDB76B"/>
+                          </a:solidFill>
+                          <a:effectLst/>
+                          <a:latin typeface="inherit"/>
+                        </a:rPr>
+                        <a:t>even_numbers_iterator</a:t>
+                      </a:r>
+                      <a:r>
+                        <a:rPr lang="en-US" sz="1100" dirty="0">
+                          <a:solidFill>
+                            <a:srgbClr val="D8D8D8"/>
+                          </a:solidFill>
+                          <a:effectLst/>
+                          <a:latin typeface="inherit"/>
+                        </a:rPr>
+                        <a:t>)</a:t>
+                      </a:r>
+                      <a:endParaRPr lang="en-US" sz="1100" dirty="0">
+                        <a:solidFill>
+                          <a:srgbClr val="FFFFFF"/>
+                        </a:solidFill>
+                        <a:effectLst/>
+                        <a:latin typeface="inherit"/>
+                      </a:endParaRPr>
+                    </a:p>
+                    <a:p>
+                      <a:pPr algn="l" fontAlgn="t"/>
+                      <a:r>
+                        <a:rPr lang="en-US" sz="1100" dirty="0">
+                          <a:solidFill>
+                            <a:srgbClr val="FFFFFF"/>
+                          </a:solidFill>
+                          <a:effectLst/>
+                          <a:latin typeface="inherit"/>
+                        </a:rPr>
+                        <a:t> </a:t>
+                      </a:r>
+                    </a:p>
+                    <a:p>
+                      <a:pPr algn="l" fontAlgn="t"/>
+                      <a:r>
+                        <a:rPr lang="en-US" sz="1100" dirty="0">
+                          <a:solidFill>
+                            <a:srgbClr val="569CD6"/>
+                          </a:solidFill>
+                          <a:effectLst/>
+                          <a:latin typeface="inherit"/>
+                        </a:rPr>
+                        <a:t>print</a:t>
+                      </a:r>
+                      <a:r>
+                        <a:rPr lang="en-US" sz="1100" dirty="0">
+                          <a:solidFill>
+                            <a:srgbClr val="D8D8D8"/>
+                          </a:solidFill>
+                          <a:effectLst/>
+                          <a:latin typeface="inherit"/>
+                        </a:rPr>
+                        <a:t>(</a:t>
+                      </a:r>
+                      <a:r>
+                        <a:rPr lang="en-US" sz="1100" dirty="0" err="1">
+                          <a:solidFill>
+                            <a:srgbClr val="BDB76B"/>
+                          </a:solidFill>
+                          <a:effectLst/>
+                          <a:latin typeface="inherit"/>
+                        </a:rPr>
+                        <a:t>even_numbers</a:t>
+                      </a:r>
+                      <a:r>
+                        <a:rPr lang="en-US" sz="1100" dirty="0">
+                          <a:solidFill>
+                            <a:srgbClr val="D8D8D8"/>
+                          </a:solidFill>
+                          <a:effectLst/>
+                          <a:latin typeface="inherit"/>
+                        </a:rPr>
+                        <a:t>)</a:t>
+                      </a:r>
+                      <a:endParaRPr lang="en-US" sz="1100" dirty="0">
+                        <a:solidFill>
+                          <a:srgbClr val="FFFFFF"/>
+                        </a:solidFill>
+                        <a:effectLst/>
+                        <a:latin typeface="inherit"/>
+                      </a:endParaRPr>
+                    </a:p>
+                  </a:txBody>
+                  <a:tcPr marL="57254" marR="57254" marT="28627" marB="28627">
+                    <a:lnL w="7620" cap="flat" cmpd="sng" algn="ctr">
+                      <a:solidFill>
+                        <a:srgbClr val="8C8D8F"/>
+                      </a:solidFill>
+                      <a:prstDash val="solid"/>
+                      <a:round/>
+                      <a:headEnd type="none" w="med" len="med"/>
+                      <a:tailEnd type="none" w="med" len="med"/>
+                    </a:lnL>
+                    <a:lnR>
+                      <a:noFill/>
+                    </a:lnR>
+                    <a:lnT>
+                      <a:noFill/>
+                    </a:lnT>
+                    <a:lnB>
+                      <a:noFill/>
+                    </a:lnB>
+                    <a:solidFill>
+                      <a:srgbClr val="323232"/>
+                    </a:solidFill>
+                  </a:tcPr>
+                </a:tc>
+                <a:extLst>
+                  <a:ext uri="{0D108BD9-81ED-4DB2-BD59-A6C34878D82A}">
+                    <a16:rowId xmlns:a16="http://schemas.microsoft.com/office/drawing/2014/main" val="2612243274"/>
+                  </a:ext>
+                </a:extLst>
+              </a:tr>
+            </a:tbl>
+          </a:graphicData>
+        </a:graphic>
+      </p:graphicFrame>
+      <p:sp>
+        <p:nvSpPr>
+          <p:cNvPr id="10" name="TextBox 9">
+            <a:extLst>
+              <a:ext uri="{FF2B5EF4-FFF2-40B4-BE49-F238E27FC236}">
+                <a16:creationId xmlns:a16="http://schemas.microsoft.com/office/drawing/2014/main" id="{6D999864-4702-88AF-5978-276C2FD8FB92}"/>
+              </a:ext>
+            </a:extLst>
+          </p:cNvPr>
+          <p:cNvSpPr txBox="1"/>
+          <p:nvPr/>
+        </p:nvSpPr>
+        <p:spPr>
+          <a:xfrm>
+            <a:off x="265471" y="5378764"/>
+            <a:ext cx="6096000" cy="369332"/>
+          </a:xfrm>
+          <a:prstGeom prst="rect">
+            <a:avLst/>
+          </a:prstGeom>
+          <a:noFill/>
+        </p:spPr>
+        <p:txBody>
+          <a:bodyPr wrap="square">
+            <a:spAutoFit/>
+          </a:bodyPr>
+          <a:lstStyle/>
+          <a:p>
+            <a:r>
+              <a:rPr lang="uk-UA" dirty="0"/>
+              <a:t>Результат:  [2, 4, 6, 8, 10]</a:t>
+            </a:r>
+          </a:p>
+        </p:txBody>
+      </p:sp>
+    </p:spTree>
+    <p:extLst>
+      <p:ext uri="{BB962C8B-B14F-4D97-AF65-F5344CB8AC3E}">
+        <p14:creationId xmlns:p14="http://schemas.microsoft.com/office/powerpoint/2010/main" val="3658966420"/>
       </p:ext>
     </p:extLst>
   </p:cSld>
